--- a/slides/ppt/PhD-1.pptx
+++ b/slides/ppt/PhD-1.pptx
@@ -161,15 +161,494 @@
 <file path=ppt/revisionInfo.xml><?xml version="1.0" encoding="utf-8"?>
 <p1510:revInfo xmlns:a="http://schemas.openxmlformats.org/drawingml/2006/main" xmlns:r="http://schemas.openxmlformats.org/officeDocument/2006/relationships" xmlns:p1510="http://schemas.microsoft.com/office/powerpoint/2015/10/main">
   <p1510:revLst>
-    <p1510:client id="{87A261C0-FA65-9317-2B66-EAEEA0624C06}" v="3" dt="2024-06-27T20:39:46.039"/>
-    <p1510:client id="{8DA28AEA-5F0A-0944-0FCE-D808EE210992}" v="627" dt="2024-06-27T20:38:59.891"/>
-    <p1510:client id="{DC42EBCE-5947-B77A-1526-8401A6B75C44}" v="27" dt="2024-06-27T16:04:05.536"/>
+    <p1510:client id="{4F95B03C-89E4-41AE-8C52-A8D0CEF3D694}" v="65" dt="2024-07-11T15:15:21.178"/>
   </p1510:revLst>
 </p1510:revInfo>
 </file>
 
 <file path=ppt/changesInfos/changesInfo1.xml><?xml version="1.0" encoding="utf-8"?>
 <pc:chgInfo xmlns:a="http://schemas.openxmlformats.org/drawingml/2006/main" xmlns:r="http://schemas.openxmlformats.org/officeDocument/2006/relationships" xmlns:ac="http://schemas.microsoft.com/office/drawing/2013/main/command" xmlns:pc="http://schemas.microsoft.com/office/powerpoint/2013/main/command">
+  <pc:docChgLst>
+    <pc:chgData name="Bijun Li" userId="3f3440aeb2cda3ad" providerId="Windows Live" clId="Web-{DC42EBCE-5947-B77A-1526-8401A6B75C44}"/>
+    <pc:docChg chg="addSld delSld modSld">
+      <pc:chgData name="Bijun Li" userId="3f3440aeb2cda3ad" providerId="Windows Live" clId="Web-{DC42EBCE-5947-B77A-1526-8401A6B75C44}" dt="2024-06-27T16:04:05.536" v="31"/>
+      <pc:docMkLst>
+        <pc:docMk/>
+      </pc:docMkLst>
+      <pc:sldChg chg="addSp delSp modSp mod chgLayout">
+        <pc:chgData name="Bijun Li" userId="3f3440aeb2cda3ad" providerId="Windows Live" clId="Web-{DC42EBCE-5947-B77A-1526-8401A6B75C44}" dt="2024-06-27T16:00:24.139" v="21"/>
+        <pc:sldMkLst>
+          <pc:docMk/>
+          <pc:sldMk cId="1642425379" sldId="256"/>
+        </pc:sldMkLst>
+        <pc:spChg chg="mod ord">
+          <ac:chgData name="Bijun Li" userId="3f3440aeb2cda3ad" providerId="Windows Live" clId="Web-{DC42EBCE-5947-B77A-1526-8401A6B75C44}" dt="2024-06-27T16:00:24.139" v="21"/>
+          <ac:spMkLst>
+            <pc:docMk/>
+            <pc:sldMk cId="1642425379" sldId="256"/>
+            <ac:spMk id="2" creationId="{216815C6-3AD0-46E6-A74A-1967BD91AF50}"/>
+          </ac:spMkLst>
+        </pc:spChg>
+        <pc:spChg chg="mod ord">
+          <ac:chgData name="Bijun Li" userId="3f3440aeb2cda3ad" providerId="Windows Live" clId="Web-{DC42EBCE-5947-B77A-1526-8401A6B75C44}" dt="2024-06-27T16:00:24.139" v="21"/>
+          <ac:spMkLst>
+            <pc:docMk/>
+            <pc:sldMk cId="1642425379" sldId="256"/>
+            <ac:spMk id="3" creationId="{1901B20D-4C28-4DA3-ABBD-718C22A5E58B}"/>
+          </ac:spMkLst>
+        </pc:spChg>
+        <pc:spChg chg="add del mod ord">
+          <ac:chgData name="Bijun Li" userId="3f3440aeb2cda3ad" providerId="Windows Live" clId="Web-{DC42EBCE-5947-B77A-1526-8401A6B75C44}" dt="2024-06-27T16:00:24.139" v="21"/>
+          <ac:spMkLst>
+            <pc:docMk/>
+            <pc:sldMk cId="1642425379" sldId="256"/>
+            <ac:spMk id="4" creationId="{B7B86C8A-A650-A8C8-EF06-AA3B2729C3BF}"/>
+          </ac:spMkLst>
+        </pc:spChg>
+        <pc:spChg chg="add del mod ord">
+          <ac:chgData name="Bijun Li" userId="3f3440aeb2cda3ad" providerId="Windows Live" clId="Web-{DC42EBCE-5947-B77A-1526-8401A6B75C44}" dt="2024-06-27T16:00:24.139" v="21"/>
+          <ac:spMkLst>
+            <pc:docMk/>
+            <pc:sldMk cId="1642425379" sldId="256"/>
+            <ac:spMk id="5" creationId="{EB665A36-ED6F-C00D-4B54-88EA198CFFF7}"/>
+          </ac:spMkLst>
+        </pc:spChg>
+        <pc:spChg chg="add del mod ord">
+          <ac:chgData name="Bijun Li" userId="3f3440aeb2cda3ad" providerId="Windows Live" clId="Web-{DC42EBCE-5947-B77A-1526-8401A6B75C44}" dt="2024-06-27T16:00:24.139" v="21"/>
+          <ac:spMkLst>
+            <pc:docMk/>
+            <pc:sldMk cId="1642425379" sldId="256"/>
+            <ac:spMk id="6" creationId="{8C1C9C9C-3000-BE21-DE15-65ECB207CF52}"/>
+          </ac:spMkLst>
+        </pc:spChg>
+        <pc:spChg chg="add del mod ord">
+          <ac:chgData name="Bijun Li" userId="3f3440aeb2cda3ad" providerId="Windows Live" clId="Web-{DC42EBCE-5947-B77A-1526-8401A6B75C44}" dt="2024-06-27T16:00:24.139" v="21"/>
+          <ac:spMkLst>
+            <pc:docMk/>
+            <pc:sldMk cId="1642425379" sldId="256"/>
+            <ac:spMk id="7" creationId="{44C7CE69-508C-B8DC-46CE-2B2C3FBC23E9}"/>
+          </ac:spMkLst>
+        </pc:spChg>
+        <pc:spChg chg="add del mod ord">
+          <ac:chgData name="Bijun Li" userId="3f3440aeb2cda3ad" providerId="Windows Live" clId="Web-{DC42EBCE-5947-B77A-1526-8401A6B75C44}" dt="2024-06-27T16:00:24.139" v="21"/>
+          <ac:spMkLst>
+            <pc:docMk/>
+            <pc:sldMk cId="1642425379" sldId="256"/>
+            <ac:spMk id="8" creationId="{FFDBD163-F3FA-31C5-75D8-C17329A5A817}"/>
+          </ac:spMkLst>
+        </pc:spChg>
+      </pc:sldChg>
+      <pc:sldChg chg="del">
+        <pc:chgData name="Bijun Li" userId="3f3440aeb2cda3ad" providerId="Windows Live" clId="Web-{DC42EBCE-5947-B77A-1526-8401A6B75C44}" dt="2024-06-27T15:59:57.498" v="12"/>
+        <pc:sldMkLst>
+          <pc:docMk/>
+          <pc:sldMk cId="707789176" sldId="258"/>
+        </pc:sldMkLst>
+      </pc:sldChg>
+      <pc:sldChg chg="del">
+        <pc:chgData name="Bijun Li" userId="3f3440aeb2cda3ad" providerId="Windows Live" clId="Web-{DC42EBCE-5947-B77A-1526-8401A6B75C44}" dt="2024-06-27T15:59:57.482" v="3"/>
+        <pc:sldMkLst>
+          <pc:docMk/>
+          <pc:sldMk cId="566997565" sldId="260"/>
+        </pc:sldMkLst>
+      </pc:sldChg>
+      <pc:sldChg chg="del">
+        <pc:chgData name="Bijun Li" userId="3f3440aeb2cda3ad" providerId="Windows Live" clId="Web-{DC42EBCE-5947-B77A-1526-8401A6B75C44}" dt="2024-06-27T15:59:57.498" v="16"/>
+        <pc:sldMkLst>
+          <pc:docMk/>
+          <pc:sldMk cId="1738561688" sldId="261"/>
+        </pc:sldMkLst>
+      </pc:sldChg>
+      <pc:sldChg chg="del">
+        <pc:chgData name="Bijun Li" userId="3f3440aeb2cda3ad" providerId="Windows Live" clId="Web-{DC42EBCE-5947-B77A-1526-8401A6B75C44}" dt="2024-06-27T15:59:57.498" v="15"/>
+        <pc:sldMkLst>
+          <pc:docMk/>
+          <pc:sldMk cId="1593920805" sldId="262"/>
+        </pc:sldMkLst>
+      </pc:sldChg>
+      <pc:sldChg chg="del">
+        <pc:chgData name="Bijun Li" userId="3f3440aeb2cda3ad" providerId="Windows Live" clId="Web-{DC42EBCE-5947-B77A-1526-8401A6B75C44}" dt="2024-06-27T15:59:57.498" v="13"/>
+        <pc:sldMkLst>
+          <pc:docMk/>
+          <pc:sldMk cId="1346372204" sldId="264"/>
+        </pc:sldMkLst>
+      </pc:sldChg>
+      <pc:sldChg chg="del">
+        <pc:chgData name="Bijun Li" userId="3f3440aeb2cda3ad" providerId="Windows Live" clId="Web-{DC42EBCE-5947-B77A-1526-8401A6B75C44}" dt="2024-06-27T15:59:57.498" v="10"/>
+        <pc:sldMkLst>
+          <pc:docMk/>
+          <pc:sldMk cId="2121178069" sldId="266"/>
+        </pc:sldMkLst>
+      </pc:sldChg>
+      <pc:sldChg chg="del">
+        <pc:chgData name="Bijun Li" userId="3f3440aeb2cda3ad" providerId="Windows Live" clId="Web-{DC42EBCE-5947-B77A-1526-8401A6B75C44}" dt="2024-06-27T15:59:57.482" v="8"/>
+        <pc:sldMkLst>
+          <pc:docMk/>
+          <pc:sldMk cId="4151694508" sldId="268"/>
+        </pc:sldMkLst>
+      </pc:sldChg>
+      <pc:sldChg chg="del">
+        <pc:chgData name="Bijun Li" userId="3f3440aeb2cda3ad" providerId="Windows Live" clId="Web-{DC42EBCE-5947-B77A-1526-8401A6B75C44}" dt="2024-06-27T15:59:57.482" v="6"/>
+        <pc:sldMkLst>
+          <pc:docMk/>
+          <pc:sldMk cId="1472106130" sldId="270"/>
+        </pc:sldMkLst>
+      </pc:sldChg>
+      <pc:sldChg chg="del">
+        <pc:chgData name="Bijun Li" userId="3f3440aeb2cda3ad" providerId="Windows Live" clId="Web-{DC42EBCE-5947-B77A-1526-8401A6B75C44}" dt="2024-06-27T15:59:57.467" v="0"/>
+        <pc:sldMkLst>
+          <pc:docMk/>
+          <pc:sldMk cId="920173932" sldId="275"/>
+        </pc:sldMkLst>
+      </pc:sldChg>
+      <pc:sldChg chg="addSp delSp modSp new mod modClrScheme chgLayout">
+        <pc:chgData name="Bijun Li" userId="3f3440aeb2cda3ad" providerId="Windows Live" clId="Web-{DC42EBCE-5947-B77A-1526-8401A6B75C44}" dt="2024-06-27T16:03:50.598" v="29"/>
+        <pc:sldMkLst>
+          <pc:docMk/>
+          <pc:sldMk cId="101760186" sldId="277"/>
+        </pc:sldMkLst>
+        <pc:spChg chg="add del mod ord">
+          <ac:chgData name="Bijun Li" userId="3f3440aeb2cda3ad" providerId="Windows Live" clId="Web-{DC42EBCE-5947-B77A-1526-8401A6B75C44}" dt="2024-06-27T16:03:50.598" v="29"/>
+          <ac:spMkLst>
+            <pc:docMk/>
+            <pc:sldMk cId="101760186" sldId="277"/>
+            <ac:spMk id="2" creationId="{D4F96588-7049-46DE-E710-78D2BFFC779A}"/>
+          </ac:spMkLst>
+        </pc:spChg>
+        <pc:spChg chg="add del mod ord">
+          <ac:chgData name="Bijun Li" userId="3f3440aeb2cda3ad" providerId="Windows Live" clId="Web-{DC42EBCE-5947-B77A-1526-8401A6B75C44}" dt="2024-06-27T16:03:50.598" v="29"/>
+          <ac:spMkLst>
+            <pc:docMk/>
+            <pc:sldMk cId="101760186" sldId="277"/>
+            <ac:spMk id="3" creationId="{7CE92918-05C3-9C72-DE1D-EDCC9C405648}"/>
+          </ac:spMkLst>
+        </pc:spChg>
+        <pc:spChg chg="mod ord">
+          <ac:chgData name="Bijun Li" userId="3f3440aeb2cda3ad" providerId="Windows Live" clId="Web-{DC42EBCE-5947-B77A-1526-8401A6B75C44}" dt="2024-06-27T16:03:50.598" v="29"/>
+          <ac:spMkLst>
+            <pc:docMk/>
+            <pc:sldMk cId="101760186" sldId="277"/>
+            <ac:spMk id="4" creationId="{209C2DA3-D7EF-EBA6-C402-6054A4173318}"/>
+          </ac:spMkLst>
+        </pc:spChg>
+        <pc:spChg chg="mod ord">
+          <ac:chgData name="Bijun Li" userId="3f3440aeb2cda3ad" providerId="Windows Live" clId="Web-{DC42EBCE-5947-B77A-1526-8401A6B75C44}" dt="2024-06-27T16:03:50.598" v="29"/>
+          <ac:spMkLst>
+            <pc:docMk/>
+            <pc:sldMk cId="101760186" sldId="277"/>
+            <ac:spMk id="5" creationId="{3E9CE659-F753-14D8-1DF6-4D2C06B4C9A8}"/>
+          </ac:spMkLst>
+        </pc:spChg>
+        <pc:spChg chg="mod ord">
+          <ac:chgData name="Bijun Li" userId="3f3440aeb2cda3ad" providerId="Windows Live" clId="Web-{DC42EBCE-5947-B77A-1526-8401A6B75C44}" dt="2024-06-27T16:03:50.598" v="29"/>
+          <ac:spMkLst>
+            <pc:docMk/>
+            <pc:sldMk cId="101760186" sldId="277"/>
+            <ac:spMk id="6" creationId="{1F41E351-B2D5-F8A8-6B46-B35176F736D9}"/>
+          </ac:spMkLst>
+        </pc:spChg>
+        <pc:spChg chg="add del mod ord">
+          <ac:chgData name="Bijun Li" userId="3f3440aeb2cda3ad" providerId="Windows Live" clId="Web-{DC42EBCE-5947-B77A-1526-8401A6B75C44}" dt="2024-06-27T16:03:50.598" v="29"/>
+          <ac:spMkLst>
+            <pc:docMk/>
+            <pc:sldMk cId="101760186" sldId="277"/>
+            <ac:spMk id="7" creationId="{ACADF351-0379-2BD8-75C5-050C196A0491}"/>
+          </ac:spMkLst>
+        </pc:spChg>
+        <pc:spChg chg="add del mod ord">
+          <ac:chgData name="Bijun Li" userId="3f3440aeb2cda3ad" providerId="Windows Live" clId="Web-{DC42EBCE-5947-B77A-1526-8401A6B75C44}" dt="2024-06-27T16:03:50.598" v="29"/>
+          <ac:spMkLst>
+            <pc:docMk/>
+            <pc:sldMk cId="101760186" sldId="277"/>
+            <ac:spMk id="8" creationId="{51C76684-58FB-724F-52CF-4BB73F13B2C1}"/>
+          </ac:spMkLst>
+        </pc:spChg>
+        <pc:spChg chg="add del mod ord">
+          <ac:chgData name="Bijun Li" userId="3f3440aeb2cda3ad" providerId="Windows Live" clId="Web-{DC42EBCE-5947-B77A-1526-8401A6B75C44}" dt="2024-06-27T16:03:50.598" v="29"/>
+          <ac:spMkLst>
+            <pc:docMk/>
+            <pc:sldMk cId="101760186" sldId="277"/>
+            <ac:spMk id="9" creationId="{3DAA3DC8-BC14-14BD-AFB1-D157F05E61F3}"/>
+          </ac:spMkLst>
+        </pc:spChg>
+        <pc:spChg chg="add del mod ord">
+          <ac:chgData name="Bijun Li" userId="3f3440aeb2cda3ad" providerId="Windows Live" clId="Web-{DC42EBCE-5947-B77A-1526-8401A6B75C44}" dt="2024-06-27T16:03:50.598" v="29"/>
+          <ac:spMkLst>
+            <pc:docMk/>
+            <pc:sldMk cId="101760186" sldId="277"/>
+            <ac:spMk id="10" creationId="{DDCE90ED-7981-EB71-80CF-868D14A06B1B}"/>
+          </ac:spMkLst>
+        </pc:spChg>
+        <pc:spChg chg="add del mod ord">
+          <ac:chgData name="Bijun Li" userId="3f3440aeb2cda3ad" providerId="Windows Live" clId="Web-{DC42EBCE-5947-B77A-1526-8401A6B75C44}" dt="2024-06-27T16:03:50.598" v="29"/>
+          <ac:spMkLst>
+            <pc:docMk/>
+            <pc:sldMk cId="101760186" sldId="277"/>
+            <ac:spMk id="11" creationId="{EEBA5F23-0AE6-1CAA-0A93-B59F1914CA00}"/>
+          </ac:spMkLst>
+        </pc:spChg>
+        <pc:spChg chg="add del mod">
+          <ac:chgData name="Bijun Li" userId="3f3440aeb2cda3ad" providerId="Windows Live" clId="Web-{DC42EBCE-5947-B77A-1526-8401A6B75C44}" dt="2024-06-27T16:03:48.130" v="26"/>
+          <ac:spMkLst>
+            <pc:docMk/>
+            <pc:sldMk cId="101760186" sldId="277"/>
+            <ac:spMk id="16" creationId="{251B810D-644C-2E52-9ACC-AEF25C27B25D}"/>
+          </ac:spMkLst>
+        </pc:spChg>
+        <pc:spChg chg="add del mod">
+          <ac:chgData name="Bijun Li" userId="3f3440aeb2cda3ad" providerId="Windows Live" clId="Web-{DC42EBCE-5947-B77A-1526-8401A6B75C44}" dt="2024-06-27T16:03:48.130" v="26"/>
+          <ac:spMkLst>
+            <pc:docMk/>
+            <pc:sldMk cId="101760186" sldId="277"/>
+            <ac:spMk id="18" creationId="{E5555D93-C128-F59D-0AD2-B609FB0D89E9}"/>
+          </ac:spMkLst>
+        </pc:spChg>
+        <pc:spChg chg="add del mod">
+          <ac:chgData name="Bijun Li" userId="3f3440aeb2cda3ad" providerId="Windows Live" clId="Web-{DC42EBCE-5947-B77A-1526-8401A6B75C44}" dt="2024-06-27T16:03:50.583" v="28"/>
+          <ac:spMkLst>
+            <pc:docMk/>
+            <pc:sldMk cId="101760186" sldId="277"/>
+            <ac:spMk id="20" creationId="{F59BC321-2830-305E-2006-7A2F3E491878}"/>
+          </ac:spMkLst>
+        </pc:spChg>
+        <pc:spChg chg="add del mod">
+          <ac:chgData name="Bijun Li" userId="3f3440aeb2cda3ad" providerId="Windows Live" clId="Web-{DC42EBCE-5947-B77A-1526-8401A6B75C44}" dt="2024-06-27T16:03:50.583" v="28"/>
+          <ac:spMkLst>
+            <pc:docMk/>
+            <pc:sldMk cId="101760186" sldId="277"/>
+            <ac:spMk id="21" creationId="{F601330D-7E72-4A39-C2CA-D590EE398971}"/>
+          </ac:spMkLst>
+        </pc:spChg>
+        <pc:spChg chg="add del mod">
+          <ac:chgData name="Bijun Li" userId="3f3440aeb2cda3ad" providerId="Windows Live" clId="Web-{DC42EBCE-5947-B77A-1526-8401A6B75C44}" dt="2024-06-27T16:03:50.583" v="28"/>
+          <ac:spMkLst>
+            <pc:docMk/>
+            <pc:sldMk cId="101760186" sldId="277"/>
+            <ac:spMk id="22" creationId="{BC73B4B4-418B-94B5-D09C-914FB1702B07}"/>
+          </ac:spMkLst>
+        </pc:spChg>
+        <pc:spChg chg="add del mod">
+          <ac:chgData name="Bijun Li" userId="3f3440aeb2cda3ad" providerId="Windows Live" clId="Web-{DC42EBCE-5947-B77A-1526-8401A6B75C44}" dt="2024-06-27T16:03:50.583" v="28"/>
+          <ac:spMkLst>
+            <pc:docMk/>
+            <pc:sldMk cId="101760186" sldId="277"/>
+            <ac:spMk id="23" creationId="{FA71AC0B-FADD-18B6-9D70-CE32B74949DF}"/>
+          </ac:spMkLst>
+        </pc:spChg>
+        <pc:spChg chg="add del mod">
+          <ac:chgData name="Bijun Li" userId="3f3440aeb2cda3ad" providerId="Windows Live" clId="Web-{DC42EBCE-5947-B77A-1526-8401A6B75C44}" dt="2024-06-27T16:03:50.583" v="28"/>
+          <ac:spMkLst>
+            <pc:docMk/>
+            <pc:sldMk cId="101760186" sldId="277"/>
+            <ac:spMk id="24" creationId="{A6F5A13E-A6BD-ACFC-70AD-C5F8ABBDBD75}"/>
+          </ac:spMkLst>
+        </pc:spChg>
+        <pc:spChg chg="add del mod">
+          <ac:chgData name="Bijun Li" userId="3f3440aeb2cda3ad" providerId="Windows Live" clId="Web-{DC42EBCE-5947-B77A-1526-8401A6B75C44}" dt="2024-06-27T16:03:50.583" v="28"/>
+          <ac:spMkLst>
+            <pc:docMk/>
+            <pc:sldMk cId="101760186" sldId="277"/>
+            <ac:spMk id="26" creationId="{773A39A6-5729-CB2D-B377-A919F297C5C0}"/>
+          </ac:spMkLst>
+        </pc:spChg>
+        <pc:spChg chg="add del mod">
+          <ac:chgData name="Bijun Li" userId="3f3440aeb2cda3ad" providerId="Windows Live" clId="Web-{DC42EBCE-5947-B77A-1526-8401A6B75C44}" dt="2024-06-27T16:03:50.583" v="28"/>
+          <ac:spMkLst>
+            <pc:docMk/>
+            <pc:sldMk cId="101760186" sldId="277"/>
+            <ac:spMk id="28" creationId="{C27B2F6D-CF85-9B76-288F-D41189FEEC0C}"/>
+          </ac:spMkLst>
+        </pc:spChg>
+        <pc:spChg chg="add del mod">
+          <ac:chgData name="Bijun Li" userId="3f3440aeb2cda3ad" providerId="Windows Live" clId="Web-{DC42EBCE-5947-B77A-1526-8401A6B75C44}" dt="2024-06-27T16:03:50.583" v="28"/>
+          <ac:spMkLst>
+            <pc:docMk/>
+            <pc:sldMk cId="101760186" sldId="277"/>
+            <ac:spMk id="30" creationId="{708F5CC8-7424-6DA6-8EE7-B4AA04FE6282}"/>
+          </ac:spMkLst>
+        </pc:spChg>
+        <pc:spChg chg="add del mod">
+          <ac:chgData name="Bijun Li" userId="3f3440aeb2cda3ad" providerId="Windows Live" clId="Web-{DC42EBCE-5947-B77A-1526-8401A6B75C44}" dt="2024-06-27T16:03:50.583" v="28"/>
+          <ac:spMkLst>
+            <pc:docMk/>
+            <pc:sldMk cId="101760186" sldId="277"/>
+            <ac:spMk id="32" creationId="{6EBFC9EE-6FA6-1902-C28A-C63DE9783347}"/>
+          </ac:spMkLst>
+        </pc:spChg>
+        <pc:spChg chg="add del mod">
+          <ac:chgData name="Bijun Li" userId="3f3440aeb2cda3ad" providerId="Windows Live" clId="Web-{DC42EBCE-5947-B77A-1526-8401A6B75C44}" dt="2024-06-27T16:03:50.583" v="28"/>
+          <ac:spMkLst>
+            <pc:docMk/>
+            <pc:sldMk cId="101760186" sldId="277"/>
+            <ac:spMk id="34" creationId="{E362EC0E-2139-A74C-A062-E65F43C0CAED}"/>
+          </ac:spMkLst>
+        </pc:spChg>
+        <pc:spChg chg="add del mod">
+          <ac:chgData name="Bijun Li" userId="3f3440aeb2cda3ad" providerId="Windows Live" clId="Web-{DC42EBCE-5947-B77A-1526-8401A6B75C44}" dt="2024-06-27T16:03:50.583" v="28"/>
+          <ac:spMkLst>
+            <pc:docMk/>
+            <pc:sldMk cId="101760186" sldId="277"/>
+            <ac:spMk id="36" creationId="{304450AC-6F8D-98E9-B264-1C58B6BD045B}"/>
+          </ac:spMkLst>
+        </pc:spChg>
+        <pc:spChg chg="add del mod">
+          <ac:chgData name="Bijun Li" userId="3f3440aeb2cda3ad" providerId="Windows Live" clId="Web-{DC42EBCE-5947-B77A-1526-8401A6B75C44}" dt="2024-06-27T16:03:50.583" v="28"/>
+          <ac:spMkLst>
+            <pc:docMk/>
+            <pc:sldMk cId="101760186" sldId="277"/>
+            <ac:spMk id="38" creationId="{6A70D538-56A9-C2DE-8020-A52A8D71112C}"/>
+          </ac:spMkLst>
+        </pc:spChg>
+        <pc:spChg chg="add del mod">
+          <ac:chgData name="Bijun Li" userId="3f3440aeb2cda3ad" providerId="Windows Live" clId="Web-{DC42EBCE-5947-B77A-1526-8401A6B75C44}" dt="2024-06-27T16:03:50.583" v="28"/>
+          <ac:spMkLst>
+            <pc:docMk/>
+            <pc:sldMk cId="101760186" sldId="277"/>
+            <ac:spMk id="40" creationId="{2BF253AC-2196-A1E3-30F0-FE49FAF3FFC8}"/>
+          </ac:spMkLst>
+        </pc:spChg>
+        <pc:spChg chg="add del mod">
+          <ac:chgData name="Bijun Li" userId="3f3440aeb2cda3ad" providerId="Windows Live" clId="Web-{DC42EBCE-5947-B77A-1526-8401A6B75C44}" dt="2024-06-27T16:03:50.583" v="28"/>
+          <ac:spMkLst>
+            <pc:docMk/>
+            <pc:sldMk cId="101760186" sldId="277"/>
+            <ac:spMk id="42" creationId="{3130490C-3D35-DA43-26BB-6B09DE40135E}"/>
+          </ac:spMkLst>
+        </pc:spChg>
+        <pc:spChg chg="add del mod">
+          <ac:chgData name="Bijun Li" userId="3f3440aeb2cda3ad" providerId="Windows Live" clId="Web-{DC42EBCE-5947-B77A-1526-8401A6B75C44}" dt="2024-06-27T16:03:50.583" v="28"/>
+          <ac:spMkLst>
+            <pc:docMk/>
+            <pc:sldMk cId="101760186" sldId="277"/>
+            <ac:spMk id="44" creationId="{AA7F4C5D-B77A-43A2-528D-B498ECF1385B}"/>
+          </ac:spMkLst>
+        </pc:spChg>
+        <pc:spChg chg="add del mod">
+          <ac:chgData name="Bijun Li" userId="3f3440aeb2cda3ad" providerId="Windows Live" clId="Web-{DC42EBCE-5947-B77A-1526-8401A6B75C44}" dt="2024-06-27T16:03:50.583" v="28"/>
+          <ac:spMkLst>
+            <pc:docMk/>
+            <pc:sldMk cId="101760186" sldId="277"/>
+            <ac:spMk id="46" creationId="{E8879E8D-F978-2071-A181-BAB40D40E4D6}"/>
+          </ac:spMkLst>
+        </pc:spChg>
+        <pc:spChg chg="add del mod">
+          <ac:chgData name="Bijun Li" userId="3f3440aeb2cda3ad" providerId="Windows Live" clId="Web-{DC42EBCE-5947-B77A-1526-8401A6B75C44}" dt="2024-06-27T16:03:50.583" v="28"/>
+          <ac:spMkLst>
+            <pc:docMk/>
+            <pc:sldMk cId="101760186" sldId="277"/>
+            <ac:spMk id="48" creationId="{B31CD779-3753-C6BA-F735-EC6412490026}"/>
+          </ac:spMkLst>
+        </pc:spChg>
+        <pc:spChg chg="add mod">
+          <ac:chgData name="Bijun Li" userId="3f3440aeb2cda3ad" providerId="Windows Live" clId="Web-{DC42EBCE-5947-B77A-1526-8401A6B75C44}" dt="2024-06-27T16:03:50.598" v="29"/>
+          <ac:spMkLst>
+            <pc:docMk/>
+            <pc:sldMk cId="101760186" sldId="277"/>
+            <ac:spMk id="50" creationId="{251B810D-644C-2E52-9ACC-AEF25C27B25D}"/>
+          </ac:spMkLst>
+        </pc:spChg>
+        <pc:spChg chg="add mod">
+          <ac:chgData name="Bijun Li" userId="3f3440aeb2cda3ad" providerId="Windows Live" clId="Web-{DC42EBCE-5947-B77A-1526-8401A6B75C44}" dt="2024-06-27T16:03:50.598" v="29"/>
+          <ac:spMkLst>
+            <pc:docMk/>
+            <pc:sldMk cId="101760186" sldId="277"/>
+            <ac:spMk id="51" creationId="{E5555D93-C128-F59D-0AD2-B609FB0D89E9}"/>
+          </ac:spMkLst>
+        </pc:spChg>
+      </pc:sldChg>
+      <pc:sldChg chg="del">
+        <pc:chgData name="Bijun Li" userId="3f3440aeb2cda3ad" providerId="Windows Live" clId="Web-{DC42EBCE-5947-B77A-1526-8401A6B75C44}" dt="2024-06-27T15:59:57.498" v="17"/>
+        <pc:sldMkLst>
+          <pc:docMk/>
+          <pc:sldMk cId="2243494996" sldId="277"/>
+        </pc:sldMkLst>
+      </pc:sldChg>
+      <pc:sldChg chg="new del">
+        <pc:chgData name="Bijun Li" userId="3f3440aeb2cda3ad" providerId="Windows Live" clId="Web-{DC42EBCE-5947-B77A-1526-8401A6B75C44}" dt="2024-06-27T16:00:07.639" v="19"/>
+        <pc:sldMkLst>
+          <pc:docMk/>
+          <pc:sldMk cId="3209573463" sldId="277"/>
+        </pc:sldMkLst>
+      </pc:sldChg>
+      <pc:sldChg chg="new">
+        <pc:chgData name="Bijun Li" userId="3f3440aeb2cda3ad" providerId="Windows Live" clId="Web-{DC42EBCE-5947-B77A-1526-8401A6B75C44}" dt="2024-06-27T16:00:52.906" v="24"/>
+        <pc:sldMkLst>
+          <pc:docMk/>
+          <pc:sldMk cId="1153455739" sldId="278"/>
+        </pc:sldMkLst>
+      </pc:sldChg>
+      <pc:sldChg chg="del">
+        <pc:chgData name="Bijun Li" userId="3f3440aeb2cda3ad" providerId="Windows Live" clId="Web-{DC42EBCE-5947-B77A-1526-8401A6B75C44}" dt="2024-06-27T15:59:57.498" v="11"/>
+        <pc:sldMkLst>
+          <pc:docMk/>
+          <pc:sldMk cId="2069393026" sldId="278"/>
+        </pc:sldMkLst>
+      </pc:sldChg>
+      <pc:sldChg chg="add replId">
+        <pc:chgData name="Bijun Li" userId="3f3440aeb2cda3ad" providerId="Windows Live" clId="Web-{DC42EBCE-5947-B77A-1526-8401A6B75C44}" dt="2024-06-27T16:03:58.896" v="30"/>
+        <pc:sldMkLst>
+          <pc:docMk/>
+          <pc:sldMk cId="560364979" sldId="279"/>
+        </pc:sldMkLst>
+      </pc:sldChg>
+      <pc:sldChg chg="del">
+        <pc:chgData name="Bijun Li" userId="3f3440aeb2cda3ad" providerId="Windows Live" clId="Web-{DC42EBCE-5947-B77A-1526-8401A6B75C44}" dt="2024-06-27T15:59:57.482" v="7"/>
+        <pc:sldMkLst>
+          <pc:docMk/>
+          <pc:sldMk cId="1417396711" sldId="280"/>
+        </pc:sldMkLst>
+      </pc:sldChg>
+      <pc:sldChg chg="add replId">
+        <pc:chgData name="Bijun Li" userId="3f3440aeb2cda3ad" providerId="Windows Live" clId="Web-{DC42EBCE-5947-B77A-1526-8401A6B75C44}" dt="2024-06-27T16:04:05.536" v="31"/>
+        <pc:sldMkLst>
+          <pc:docMk/>
+          <pc:sldMk cId="2887791905" sldId="280"/>
+        </pc:sldMkLst>
+      </pc:sldChg>
+      <pc:sldChg chg="del">
+        <pc:chgData name="Bijun Li" userId="3f3440aeb2cda3ad" providerId="Windows Live" clId="Web-{DC42EBCE-5947-B77A-1526-8401A6B75C44}" dt="2024-06-27T15:59:57.482" v="2"/>
+        <pc:sldMkLst>
+          <pc:docMk/>
+          <pc:sldMk cId="3477453048" sldId="282"/>
+        </pc:sldMkLst>
+      </pc:sldChg>
+      <pc:sldChg chg="del">
+        <pc:chgData name="Bijun Li" userId="3f3440aeb2cda3ad" providerId="Windows Live" clId="Web-{DC42EBCE-5947-B77A-1526-8401A6B75C44}" dt="2024-06-27T15:59:57.482" v="1"/>
+        <pc:sldMkLst>
+          <pc:docMk/>
+          <pc:sldMk cId="3396266754" sldId="283"/>
+        </pc:sldMkLst>
+      </pc:sldChg>
+      <pc:sldChg chg="del">
+        <pc:chgData name="Bijun Li" userId="3f3440aeb2cda3ad" providerId="Windows Live" clId="Web-{DC42EBCE-5947-B77A-1526-8401A6B75C44}" dt="2024-06-27T15:59:57.498" v="14"/>
+        <pc:sldMkLst>
+          <pc:docMk/>
+          <pc:sldMk cId="1844941827" sldId="289"/>
+        </pc:sldMkLst>
+      </pc:sldChg>
+      <pc:sldChg chg="del">
+        <pc:chgData name="Bijun Li" userId="3f3440aeb2cda3ad" providerId="Windows Live" clId="Web-{DC42EBCE-5947-B77A-1526-8401A6B75C44}" dt="2024-06-27T15:59:57.498" v="9"/>
+        <pc:sldMkLst>
+          <pc:docMk/>
+          <pc:sldMk cId="404854312" sldId="292"/>
+        </pc:sldMkLst>
+      </pc:sldChg>
+      <pc:sldChg chg="del">
+        <pc:chgData name="Bijun Li" userId="3f3440aeb2cda3ad" providerId="Windows Live" clId="Web-{DC42EBCE-5947-B77A-1526-8401A6B75C44}" dt="2024-06-27T15:59:57.482" v="5"/>
+        <pc:sldMkLst>
+          <pc:docMk/>
+          <pc:sldMk cId="473871986" sldId="293"/>
+        </pc:sldMkLst>
+      </pc:sldChg>
+      <pc:sldChg chg="del">
+        <pc:chgData name="Bijun Li" userId="3f3440aeb2cda3ad" providerId="Windows Live" clId="Web-{DC42EBCE-5947-B77A-1526-8401A6B75C44}" dt="2024-06-27T15:59:57.482" v="4"/>
+        <pc:sldMkLst>
+          <pc:docMk/>
+          <pc:sldMk cId="3084972071" sldId="294"/>
+        </pc:sldMkLst>
+      </pc:sldChg>
+    </pc:docChg>
+  </pc:docChgLst>
   <pc:docChgLst>
     <pc:chgData name="Bijun Li" userId="3f3440aeb2cda3ad" providerId="Windows Live" clId="Web-{8DA28AEA-5F0A-0944-0FCE-D808EE210992}"/>
     <pc:docChg chg="addSld delSld modSld sldOrd">
@@ -1205,484 +1684,324 @@
     </pc:docChg>
   </pc:docChgLst>
   <pc:docChgLst>
-    <pc:chgData name="Bijun Li" userId="3f3440aeb2cda3ad" providerId="Windows Live" clId="Web-{DC42EBCE-5947-B77A-1526-8401A6B75C44}"/>
-    <pc:docChg chg="addSld delSld modSld">
-      <pc:chgData name="Bijun Li" userId="3f3440aeb2cda3ad" providerId="Windows Live" clId="Web-{DC42EBCE-5947-B77A-1526-8401A6B75C44}" dt="2024-06-27T16:04:05.536" v="31"/>
+    <pc:chgData name="Bijun Li" userId="3f3440aeb2cda3ad" providerId="Windows Live" clId="Web-{B1BC2140-15C0-66C3-B572-6C2E0CBA021B}"/>
+    <pc:docChg chg="modSld modMainMaster">
+      <pc:chgData name="Bijun Li" userId="3f3440aeb2cda3ad" providerId="Windows Live" clId="Web-{B1BC2140-15C0-66C3-B572-6C2E0CBA021B}" dt="2024-07-10T12:35:25.014" v="35" actId="20577"/>
       <pc:docMkLst>
         <pc:docMk/>
       </pc:docMkLst>
-      <pc:sldChg chg="addSp delSp modSp mod chgLayout">
-        <pc:chgData name="Bijun Li" userId="3f3440aeb2cda3ad" providerId="Windows Live" clId="Web-{DC42EBCE-5947-B77A-1526-8401A6B75C44}" dt="2024-06-27T16:00:24.139" v="21"/>
+      <pc:sldChg chg="modSp modTransition">
+        <pc:chgData name="Bijun Li" userId="3f3440aeb2cda3ad" providerId="Windows Live" clId="Web-{B1BC2140-15C0-66C3-B572-6C2E0CBA021B}" dt="2024-07-10T12:34:20.450" v="21"/>
         <pc:sldMkLst>
           <pc:docMk/>
           <pc:sldMk cId="1642425379" sldId="256"/>
         </pc:sldMkLst>
-        <pc:spChg chg="mod ord">
-          <ac:chgData name="Bijun Li" userId="3f3440aeb2cda3ad" providerId="Windows Live" clId="Web-{DC42EBCE-5947-B77A-1526-8401A6B75C44}" dt="2024-06-27T16:00:24.139" v="21"/>
-          <ac:spMkLst>
-            <pc:docMk/>
-            <pc:sldMk cId="1642425379" sldId="256"/>
-            <ac:spMk id="2" creationId="{216815C6-3AD0-46E6-A74A-1967BD91AF50}"/>
-          </ac:spMkLst>
-        </pc:spChg>
-        <pc:spChg chg="mod ord">
-          <ac:chgData name="Bijun Li" userId="3f3440aeb2cda3ad" providerId="Windows Live" clId="Web-{DC42EBCE-5947-B77A-1526-8401A6B75C44}" dt="2024-06-27T16:00:24.139" v="21"/>
+        <pc:spChg chg="mod">
+          <ac:chgData name="Bijun Li" userId="3f3440aeb2cda3ad" providerId="Windows Live" clId="Web-{B1BC2140-15C0-66C3-B572-6C2E0CBA021B}" dt="2024-07-10T12:32:03.758" v="2" actId="20577"/>
           <ac:spMkLst>
             <pc:docMk/>
             <pc:sldMk cId="1642425379" sldId="256"/>
             <ac:spMk id="3" creationId="{1901B20D-4C28-4DA3-ABBD-718C22A5E58B}"/>
           </ac:spMkLst>
         </pc:spChg>
-        <pc:spChg chg="add del mod ord">
-          <ac:chgData name="Bijun Li" userId="3f3440aeb2cda3ad" providerId="Windows Live" clId="Web-{DC42EBCE-5947-B77A-1526-8401A6B75C44}" dt="2024-06-27T16:00:24.139" v="21"/>
-          <ac:spMkLst>
-            <pc:docMk/>
-            <pc:sldMk cId="1642425379" sldId="256"/>
-            <ac:spMk id="4" creationId="{B7B86C8A-A650-A8C8-EF06-AA3B2729C3BF}"/>
-          </ac:spMkLst>
-        </pc:spChg>
-        <pc:spChg chg="add del mod ord">
-          <ac:chgData name="Bijun Li" userId="3f3440aeb2cda3ad" providerId="Windows Live" clId="Web-{DC42EBCE-5947-B77A-1526-8401A6B75C44}" dt="2024-06-27T16:00:24.139" v="21"/>
-          <ac:spMkLst>
-            <pc:docMk/>
-            <pc:sldMk cId="1642425379" sldId="256"/>
-            <ac:spMk id="5" creationId="{EB665A36-ED6F-C00D-4B54-88EA198CFFF7}"/>
-          </ac:spMkLst>
-        </pc:spChg>
-        <pc:spChg chg="add del mod ord">
-          <ac:chgData name="Bijun Li" userId="3f3440aeb2cda3ad" providerId="Windows Live" clId="Web-{DC42EBCE-5947-B77A-1526-8401A6B75C44}" dt="2024-06-27T16:00:24.139" v="21"/>
-          <ac:spMkLst>
-            <pc:docMk/>
-            <pc:sldMk cId="1642425379" sldId="256"/>
-            <ac:spMk id="6" creationId="{8C1C9C9C-3000-BE21-DE15-65ECB207CF52}"/>
-          </ac:spMkLst>
-        </pc:spChg>
-        <pc:spChg chg="add del mod ord">
-          <ac:chgData name="Bijun Li" userId="3f3440aeb2cda3ad" providerId="Windows Live" clId="Web-{DC42EBCE-5947-B77A-1526-8401A6B75C44}" dt="2024-06-27T16:00:24.139" v="21"/>
-          <ac:spMkLst>
-            <pc:docMk/>
-            <pc:sldMk cId="1642425379" sldId="256"/>
-            <ac:spMk id="7" creationId="{44C7CE69-508C-B8DC-46CE-2B2C3FBC23E9}"/>
-          </ac:spMkLst>
-        </pc:spChg>
-        <pc:spChg chg="add del mod ord">
-          <ac:chgData name="Bijun Li" userId="3f3440aeb2cda3ad" providerId="Windows Live" clId="Web-{DC42EBCE-5947-B77A-1526-8401A6B75C44}" dt="2024-06-27T16:00:24.139" v="21"/>
-          <ac:spMkLst>
-            <pc:docMk/>
-            <pc:sldMk cId="1642425379" sldId="256"/>
-            <ac:spMk id="8" creationId="{FFDBD163-F3FA-31C5-75D8-C17329A5A817}"/>
-          </ac:spMkLst>
-        </pc:spChg>
       </pc:sldChg>
-      <pc:sldChg chg="del">
-        <pc:chgData name="Bijun Li" userId="3f3440aeb2cda3ad" providerId="Windows Live" clId="Web-{DC42EBCE-5947-B77A-1526-8401A6B75C44}" dt="2024-06-27T15:59:57.498" v="12"/>
+      <pc:sldChg chg="modTransition">
+        <pc:chgData name="Bijun Li" userId="3f3440aeb2cda3ad" providerId="Windows Live" clId="Web-{B1BC2140-15C0-66C3-B572-6C2E0CBA021B}" dt="2024-07-10T12:34:20.450" v="21"/>
         <pc:sldMkLst>
           <pc:docMk/>
-          <pc:sldMk cId="707789176" sldId="258"/>
+          <pc:sldMk cId="2436493926" sldId="276"/>
         </pc:sldMkLst>
       </pc:sldChg>
-      <pc:sldChg chg="del">
-        <pc:chgData name="Bijun Li" userId="3f3440aeb2cda3ad" providerId="Windows Live" clId="Web-{DC42EBCE-5947-B77A-1526-8401A6B75C44}" dt="2024-06-27T15:59:57.482" v="3"/>
-        <pc:sldMkLst>
-          <pc:docMk/>
-          <pc:sldMk cId="566997565" sldId="260"/>
-        </pc:sldMkLst>
-      </pc:sldChg>
-      <pc:sldChg chg="del">
-        <pc:chgData name="Bijun Li" userId="3f3440aeb2cda3ad" providerId="Windows Live" clId="Web-{DC42EBCE-5947-B77A-1526-8401A6B75C44}" dt="2024-06-27T15:59:57.498" v="16"/>
-        <pc:sldMkLst>
-          <pc:docMk/>
-          <pc:sldMk cId="1738561688" sldId="261"/>
-        </pc:sldMkLst>
-      </pc:sldChg>
-      <pc:sldChg chg="del">
-        <pc:chgData name="Bijun Li" userId="3f3440aeb2cda3ad" providerId="Windows Live" clId="Web-{DC42EBCE-5947-B77A-1526-8401A6B75C44}" dt="2024-06-27T15:59:57.498" v="15"/>
-        <pc:sldMkLst>
-          <pc:docMk/>
-          <pc:sldMk cId="1593920805" sldId="262"/>
-        </pc:sldMkLst>
-      </pc:sldChg>
-      <pc:sldChg chg="del">
-        <pc:chgData name="Bijun Li" userId="3f3440aeb2cda3ad" providerId="Windows Live" clId="Web-{DC42EBCE-5947-B77A-1526-8401A6B75C44}" dt="2024-06-27T15:59:57.498" v="13"/>
-        <pc:sldMkLst>
-          <pc:docMk/>
-          <pc:sldMk cId="1346372204" sldId="264"/>
-        </pc:sldMkLst>
-      </pc:sldChg>
-      <pc:sldChg chg="del">
-        <pc:chgData name="Bijun Li" userId="3f3440aeb2cda3ad" providerId="Windows Live" clId="Web-{DC42EBCE-5947-B77A-1526-8401A6B75C44}" dt="2024-06-27T15:59:57.498" v="10"/>
-        <pc:sldMkLst>
-          <pc:docMk/>
-          <pc:sldMk cId="2121178069" sldId="266"/>
-        </pc:sldMkLst>
-      </pc:sldChg>
-      <pc:sldChg chg="del">
-        <pc:chgData name="Bijun Li" userId="3f3440aeb2cda3ad" providerId="Windows Live" clId="Web-{DC42EBCE-5947-B77A-1526-8401A6B75C44}" dt="2024-06-27T15:59:57.482" v="8"/>
-        <pc:sldMkLst>
-          <pc:docMk/>
-          <pc:sldMk cId="4151694508" sldId="268"/>
-        </pc:sldMkLst>
-      </pc:sldChg>
-      <pc:sldChg chg="del">
-        <pc:chgData name="Bijun Li" userId="3f3440aeb2cda3ad" providerId="Windows Live" clId="Web-{DC42EBCE-5947-B77A-1526-8401A6B75C44}" dt="2024-06-27T15:59:57.482" v="6"/>
-        <pc:sldMkLst>
-          <pc:docMk/>
-          <pc:sldMk cId="1472106130" sldId="270"/>
-        </pc:sldMkLst>
-      </pc:sldChg>
-      <pc:sldChg chg="del">
-        <pc:chgData name="Bijun Li" userId="3f3440aeb2cda3ad" providerId="Windows Live" clId="Web-{DC42EBCE-5947-B77A-1526-8401A6B75C44}" dt="2024-06-27T15:59:57.467" v="0"/>
-        <pc:sldMkLst>
-          <pc:docMk/>
-          <pc:sldMk cId="920173932" sldId="275"/>
-        </pc:sldMkLst>
-      </pc:sldChg>
-      <pc:sldChg chg="addSp delSp modSp new mod modClrScheme chgLayout">
-        <pc:chgData name="Bijun Li" userId="3f3440aeb2cda3ad" providerId="Windows Live" clId="Web-{DC42EBCE-5947-B77A-1526-8401A6B75C44}" dt="2024-06-27T16:03:50.598" v="29"/>
+      <pc:sldChg chg="modTransition">
+        <pc:chgData name="Bijun Li" userId="3f3440aeb2cda3ad" providerId="Windows Live" clId="Web-{B1BC2140-15C0-66C3-B572-6C2E0CBA021B}" dt="2024-07-10T12:34:20.450" v="21"/>
         <pc:sldMkLst>
           <pc:docMk/>
           <pc:sldMk cId="101760186" sldId="277"/>
         </pc:sldMkLst>
-        <pc:spChg chg="add del mod ord">
-          <ac:chgData name="Bijun Li" userId="3f3440aeb2cda3ad" providerId="Windows Live" clId="Web-{DC42EBCE-5947-B77A-1526-8401A6B75C44}" dt="2024-06-27T16:03:50.598" v="29"/>
-          <ac:spMkLst>
-            <pc:docMk/>
-            <pc:sldMk cId="101760186" sldId="277"/>
-            <ac:spMk id="2" creationId="{D4F96588-7049-46DE-E710-78D2BFFC779A}"/>
-          </ac:spMkLst>
-        </pc:spChg>
-        <pc:spChg chg="add del mod ord">
-          <ac:chgData name="Bijun Li" userId="3f3440aeb2cda3ad" providerId="Windows Live" clId="Web-{DC42EBCE-5947-B77A-1526-8401A6B75C44}" dt="2024-06-27T16:03:50.598" v="29"/>
-          <ac:spMkLst>
-            <pc:docMk/>
-            <pc:sldMk cId="101760186" sldId="277"/>
-            <ac:spMk id="3" creationId="{7CE92918-05C3-9C72-DE1D-EDCC9C405648}"/>
-          </ac:spMkLst>
-        </pc:spChg>
-        <pc:spChg chg="mod ord">
-          <ac:chgData name="Bijun Li" userId="3f3440aeb2cda3ad" providerId="Windows Live" clId="Web-{DC42EBCE-5947-B77A-1526-8401A6B75C44}" dt="2024-06-27T16:03:50.598" v="29"/>
-          <ac:spMkLst>
-            <pc:docMk/>
-            <pc:sldMk cId="101760186" sldId="277"/>
-            <ac:spMk id="4" creationId="{209C2DA3-D7EF-EBA6-C402-6054A4173318}"/>
-          </ac:spMkLst>
-        </pc:spChg>
-        <pc:spChg chg="mod ord">
-          <ac:chgData name="Bijun Li" userId="3f3440aeb2cda3ad" providerId="Windows Live" clId="Web-{DC42EBCE-5947-B77A-1526-8401A6B75C44}" dt="2024-06-27T16:03:50.598" v="29"/>
-          <ac:spMkLst>
-            <pc:docMk/>
-            <pc:sldMk cId="101760186" sldId="277"/>
-            <ac:spMk id="5" creationId="{3E9CE659-F753-14D8-1DF6-4D2C06B4C9A8}"/>
-          </ac:spMkLst>
-        </pc:spChg>
-        <pc:spChg chg="mod ord">
-          <ac:chgData name="Bijun Li" userId="3f3440aeb2cda3ad" providerId="Windows Live" clId="Web-{DC42EBCE-5947-B77A-1526-8401A6B75C44}" dt="2024-06-27T16:03:50.598" v="29"/>
-          <ac:spMkLst>
-            <pc:docMk/>
-            <pc:sldMk cId="101760186" sldId="277"/>
-            <ac:spMk id="6" creationId="{1F41E351-B2D5-F8A8-6B46-B35176F736D9}"/>
-          </ac:spMkLst>
-        </pc:spChg>
-        <pc:spChg chg="add del mod ord">
-          <ac:chgData name="Bijun Li" userId="3f3440aeb2cda3ad" providerId="Windows Live" clId="Web-{DC42EBCE-5947-B77A-1526-8401A6B75C44}" dt="2024-06-27T16:03:50.598" v="29"/>
-          <ac:spMkLst>
-            <pc:docMk/>
-            <pc:sldMk cId="101760186" sldId="277"/>
-            <ac:spMk id="7" creationId="{ACADF351-0379-2BD8-75C5-050C196A0491}"/>
-          </ac:spMkLst>
-        </pc:spChg>
-        <pc:spChg chg="add del mod ord">
-          <ac:chgData name="Bijun Li" userId="3f3440aeb2cda3ad" providerId="Windows Live" clId="Web-{DC42EBCE-5947-B77A-1526-8401A6B75C44}" dt="2024-06-27T16:03:50.598" v="29"/>
-          <ac:spMkLst>
-            <pc:docMk/>
-            <pc:sldMk cId="101760186" sldId="277"/>
-            <ac:spMk id="8" creationId="{51C76684-58FB-724F-52CF-4BB73F13B2C1}"/>
-          </ac:spMkLst>
-        </pc:spChg>
-        <pc:spChg chg="add del mod ord">
-          <ac:chgData name="Bijun Li" userId="3f3440aeb2cda3ad" providerId="Windows Live" clId="Web-{DC42EBCE-5947-B77A-1526-8401A6B75C44}" dt="2024-06-27T16:03:50.598" v="29"/>
-          <ac:spMkLst>
-            <pc:docMk/>
-            <pc:sldMk cId="101760186" sldId="277"/>
-            <ac:spMk id="9" creationId="{3DAA3DC8-BC14-14BD-AFB1-D157F05E61F3}"/>
-          </ac:spMkLst>
-        </pc:spChg>
-        <pc:spChg chg="add del mod ord">
-          <ac:chgData name="Bijun Li" userId="3f3440aeb2cda3ad" providerId="Windows Live" clId="Web-{DC42EBCE-5947-B77A-1526-8401A6B75C44}" dt="2024-06-27T16:03:50.598" v="29"/>
-          <ac:spMkLst>
-            <pc:docMk/>
-            <pc:sldMk cId="101760186" sldId="277"/>
-            <ac:spMk id="10" creationId="{DDCE90ED-7981-EB71-80CF-868D14A06B1B}"/>
-          </ac:spMkLst>
-        </pc:spChg>
-        <pc:spChg chg="add del mod ord">
-          <ac:chgData name="Bijun Li" userId="3f3440aeb2cda3ad" providerId="Windows Live" clId="Web-{DC42EBCE-5947-B77A-1526-8401A6B75C44}" dt="2024-06-27T16:03:50.598" v="29"/>
-          <ac:spMkLst>
-            <pc:docMk/>
-            <pc:sldMk cId="101760186" sldId="277"/>
-            <ac:spMk id="11" creationId="{EEBA5F23-0AE6-1CAA-0A93-B59F1914CA00}"/>
-          </ac:spMkLst>
-        </pc:spChg>
-        <pc:spChg chg="add del mod">
-          <ac:chgData name="Bijun Li" userId="3f3440aeb2cda3ad" providerId="Windows Live" clId="Web-{DC42EBCE-5947-B77A-1526-8401A6B75C44}" dt="2024-06-27T16:03:48.130" v="26"/>
-          <ac:spMkLst>
-            <pc:docMk/>
-            <pc:sldMk cId="101760186" sldId="277"/>
-            <ac:spMk id="16" creationId="{251B810D-644C-2E52-9ACC-AEF25C27B25D}"/>
-          </ac:spMkLst>
-        </pc:spChg>
-        <pc:spChg chg="add del mod">
-          <ac:chgData name="Bijun Li" userId="3f3440aeb2cda3ad" providerId="Windows Live" clId="Web-{DC42EBCE-5947-B77A-1526-8401A6B75C44}" dt="2024-06-27T16:03:48.130" v="26"/>
-          <ac:spMkLst>
-            <pc:docMk/>
-            <pc:sldMk cId="101760186" sldId="277"/>
-            <ac:spMk id="18" creationId="{E5555D93-C128-F59D-0AD2-B609FB0D89E9}"/>
-          </ac:spMkLst>
-        </pc:spChg>
-        <pc:spChg chg="add del mod">
-          <ac:chgData name="Bijun Li" userId="3f3440aeb2cda3ad" providerId="Windows Live" clId="Web-{DC42EBCE-5947-B77A-1526-8401A6B75C44}" dt="2024-06-27T16:03:50.583" v="28"/>
-          <ac:spMkLst>
-            <pc:docMk/>
-            <pc:sldMk cId="101760186" sldId="277"/>
-            <ac:spMk id="20" creationId="{F59BC321-2830-305E-2006-7A2F3E491878}"/>
-          </ac:spMkLst>
-        </pc:spChg>
-        <pc:spChg chg="add del mod">
-          <ac:chgData name="Bijun Li" userId="3f3440aeb2cda3ad" providerId="Windows Live" clId="Web-{DC42EBCE-5947-B77A-1526-8401A6B75C44}" dt="2024-06-27T16:03:50.583" v="28"/>
-          <ac:spMkLst>
-            <pc:docMk/>
-            <pc:sldMk cId="101760186" sldId="277"/>
-            <ac:spMk id="21" creationId="{F601330D-7E72-4A39-C2CA-D590EE398971}"/>
-          </ac:spMkLst>
-        </pc:spChg>
-        <pc:spChg chg="add del mod">
-          <ac:chgData name="Bijun Li" userId="3f3440aeb2cda3ad" providerId="Windows Live" clId="Web-{DC42EBCE-5947-B77A-1526-8401A6B75C44}" dt="2024-06-27T16:03:50.583" v="28"/>
-          <ac:spMkLst>
-            <pc:docMk/>
-            <pc:sldMk cId="101760186" sldId="277"/>
-            <ac:spMk id="22" creationId="{BC73B4B4-418B-94B5-D09C-914FB1702B07}"/>
-          </ac:spMkLst>
-        </pc:spChg>
-        <pc:spChg chg="add del mod">
-          <ac:chgData name="Bijun Li" userId="3f3440aeb2cda3ad" providerId="Windows Live" clId="Web-{DC42EBCE-5947-B77A-1526-8401A6B75C44}" dt="2024-06-27T16:03:50.583" v="28"/>
-          <ac:spMkLst>
-            <pc:docMk/>
-            <pc:sldMk cId="101760186" sldId="277"/>
-            <ac:spMk id="23" creationId="{FA71AC0B-FADD-18B6-9D70-CE32B74949DF}"/>
-          </ac:spMkLst>
-        </pc:spChg>
-        <pc:spChg chg="add del mod">
-          <ac:chgData name="Bijun Li" userId="3f3440aeb2cda3ad" providerId="Windows Live" clId="Web-{DC42EBCE-5947-B77A-1526-8401A6B75C44}" dt="2024-06-27T16:03:50.583" v="28"/>
-          <ac:spMkLst>
-            <pc:docMk/>
-            <pc:sldMk cId="101760186" sldId="277"/>
-            <ac:spMk id="24" creationId="{A6F5A13E-A6BD-ACFC-70AD-C5F8ABBDBD75}"/>
-          </ac:spMkLst>
-        </pc:spChg>
-        <pc:spChg chg="add del mod">
-          <ac:chgData name="Bijun Li" userId="3f3440aeb2cda3ad" providerId="Windows Live" clId="Web-{DC42EBCE-5947-B77A-1526-8401A6B75C44}" dt="2024-06-27T16:03:50.583" v="28"/>
-          <ac:spMkLst>
-            <pc:docMk/>
-            <pc:sldMk cId="101760186" sldId="277"/>
-            <ac:spMk id="26" creationId="{773A39A6-5729-CB2D-B377-A919F297C5C0}"/>
-          </ac:spMkLst>
-        </pc:spChg>
-        <pc:spChg chg="add del mod">
-          <ac:chgData name="Bijun Li" userId="3f3440aeb2cda3ad" providerId="Windows Live" clId="Web-{DC42EBCE-5947-B77A-1526-8401A6B75C44}" dt="2024-06-27T16:03:50.583" v="28"/>
-          <ac:spMkLst>
-            <pc:docMk/>
-            <pc:sldMk cId="101760186" sldId="277"/>
-            <ac:spMk id="28" creationId="{C27B2F6D-CF85-9B76-288F-D41189FEEC0C}"/>
-          </ac:spMkLst>
-        </pc:spChg>
-        <pc:spChg chg="add del mod">
-          <ac:chgData name="Bijun Li" userId="3f3440aeb2cda3ad" providerId="Windows Live" clId="Web-{DC42EBCE-5947-B77A-1526-8401A6B75C44}" dt="2024-06-27T16:03:50.583" v="28"/>
-          <ac:spMkLst>
-            <pc:docMk/>
-            <pc:sldMk cId="101760186" sldId="277"/>
-            <ac:spMk id="30" creationId="{708F5CC8-7424-6DA6-8EE7-B4AA04FE6282}"/>
-          </ac:spMkLst>
-        </pc:spChg>
-        <pc:spChg chg="add del mod">
-          <ac:chgData name="Bijun Li" userId="3f3440aeb2cda3ad" providerId="Windows Live" clId="Web-{DC42EBCE-5947-B77A-1526-8401A6B75C44}" dt="2024-06-27T16:03:50.583" v="28"/>
-          <ac:spMkLst>
-            <pc:docMk/>
-            <pc:sldMk cId="101760186" sldId="277"/>
-            <ac:spMk id="32" creationId="{6EBFC9EE-6FA6-1902-C28A-C63DE9783347}"/>
-          </ac:spMkLst>
-        </pc:spChg>
-        <pc:spChg chg="add del mod">
-          <ac:chgData name="Bijun Li" userId="3f3440aeb2cda3ad" providerId="Windows Live" clId="Web-{DC42EBCE-5947-B77A-1526-8401A6B75C44}" dt="2024-06-27T16:03:50.583" v="28"/>
-          <ac:spMkLst>
-            <pc:docMk/>
-            <pc:sldMk cId="101760186" sldId="277"/>
-            <ac:spMk id="34" creationId="{E362EC0E-2139-A74C-A062-E65F43C0CAED}"/>
-          </ac:spMkLst>
-        </pc:spChg>
-        <pc:spChg chg="add del mod">
-          <ac:chgData name="Bijun Li" userId="3f3440aeb2cda3ad" providerId="Windows Live" clId="Web-{DC42EBCE-5947-B77A-1526-8401A6B75C44}" dt="2024-06-27T16:03:50.583" v="28"/>
-          <ac:spMkLst>
-            <pc:docMk/>
-            <pc:sldMk cId="101760186" sldId="277"/>
-            <ac:spMk id="36" creationId="{304450AC-6F8D-98E9-B264-1C58B6BD045B}"/>
-          </ac:spMkLst>
-        </pc:spChg>
-        <pc:spChg chg="add del mod">
-          <ac:chgData name="Bijun Li" userId="3f3440aeb2cda3ad" providerId="Windows Live" clId="Web-{DC42EBCE-5947-B77A-1526-8401A6B75C44}" dt="2024-06-27T16:03:50.583" v="28"/>
-          <ac:spMkLst>
-            <pc:docMk/>
-            <pc:sldMk cId="101760186" sldId="277"/>
-            <ac:spMk id="38" creationId="{6A70D538-56A9-C2DE-8020-A52A8D71112C}"/>
-          </ac:spMkLst>
-        </pc:spChg>
-        <pc:spChg chg="add del mod">
-          <ac:chgData name="Bijun Li" userId="3f3440aeb2cda3ad" providerId="Windows Live" clId="Web-{DC42EBCE-5947-B77A-1526-8401A6B75C44}" dt="2024-06-27T16:03:50.583" v="28"/>
-          <ac:spMkLst>
-            <pc:docMk/>
-            <pc:sldMk cId="101760186" sldId="277"/>
-            <ac:spMk id="40" creationId="{2BF253AC-2196-A1E3-30F0-FE49FAF3FFC8}"/>
-          </ac:spMkLst>
-        </pc:spChg>
-        <pc:spChg chg="add del mod">
-          <ac:chgData name="Bijun Li" userId="3f3440aeb2cda3ad" providerId="Windows Live" clId="Web-{DC42EBCE-5947-B77A-1526-8401A6B75C44}" dt="2024-06-27T16:03:50.583" v="28"/>
-          <ac:spMkLst>
-            <pc:docMk/>
-            <pc:sldMk cId="101760186" sldId="277"/>
-            <ac:spMk id="42" creationId="{3130490C-3D35-DA43-26BB-6B09DE40135E}"/>
-          </ac:spMkLst>
-        </pc:spChg>
-        <pc:spChg chg="add del mod">
-          <ac:chgData name="Bijun Li" userId="3f3440aeb2cda3ad" providerId="Windows Live" clId="Web-{DC42EBCE-5947-B77A-1526-8401A6B75C44}" dt="2024-06-27T16:03:50.583" v="28"/>
-          <ac:spMkLst>
-            <pc:docMk/>
-            <pc:sldMk cId="101760186" sldId="277"/>
-            <ac:spMk id="44" creationId="{AA7F4C5D-B77A-43A2-528D-B498ECF1385B}"/>
-          </ac:spMkLst>
-        </pc:spChg>
-        <pc:spChg chg="add del mod">
-          <ac:chgData name="Bijun Li" userId="3f3440aeb2cda3ad" providerId="Windows Live" clId="Web-{DC42EBCE-5947-B77A-1526-8401A6B75C44}" dt="2024-06-27T16:03:50.583" v="28"/>
-          <ac:spMkLst>
-            <pc:docMk/>
-            <pc:sldMk cId="101760186" sldId="277"/>
-            <ac:spMk id="46" creationId="{E8879E8D-F978-2071-A181-BAB40D40E4D6}"/>
-          </ac:spMkLst>
-        </pc:spChg>
-        <pc:spChg chg="add del mod">
-          <ac:chgData name="Bijun Li" userId="3f3440aeb2cda3ad" providerId="Windows Live" clId="Web-{DC42EBCE-5947-B77A-1526-8401A6B75C44}" dt="2024-06-27T16:03:50.583" v="28"/>
-          <ac:spMkLst>
-            <pc:docMk/>
-            <pc:sldMk cId="101760186" sldId="277"/>
-            <ac:spMk id="48" creationId="{B31CD779-3753-C6BA-F735-EC6412490026}"/>
-          </ac:spMkLst>
-        </pc:spChg>
-        <pc:spChg chg="add mod">
-          <ac:chgData name="Bijun Li" userId="3f3440aeb2cda3ad" providerId="Windows Live" clId="Web-{DC42EBCE-5947-B77A-1526-8401A6B75C44}" dt="2024-06-27T16:03:50.598" v="29"/>
-          <ac:spMkLst>
-            <pc:docMk/>
-            <pc:sldMk cId="101760186" sldId="277"/>
-            <ac:spMk id="50" creationId="{251B810D-644C-2E52-9ACC-AEF25C27B25D}"/>
-          </ac:spMkLst>
-        </pc:spChg>
-        <pc:spChg chg="add mod">
-          <ac:chgData name="Bijun Li" userId="3f3440aeb2cda3ad" providerId="Windows Live" clId="Web-{DC42EBCE-5947-B77A-1526-8401A6B75C44}" dt="2024-06-27T16:03:50.598" v="29"/>
-          <ac:spMkLst>
-            <pc:docMk/>
-            <pc:sldMk cId="101760186" sldId="277"/>
-            <ac:spMk id="51" creationId="{E5555D93-C128-F59D-0AD2-B609FB0D89E9}"/>
-          </ac:spMkLst>
-        </pc:spChg>
       </pc:sldChg>
-      <pc:sldChg chg="del">
-        <pc:chgData name="Bijun Li" userId="3f3440aeb2cda3ad" providerId="Windows Live" clId="Web-{DC42EBCE-5947-B77A-1526-8401A6B75C44}" dt="2024-06-27T15:59:57.498" v="17"/>
-        <pc:sldMkLst>
-          <pc:docMk/>
-          <pc:sldMk cId="2243494996" sldId="277"/>
-        </pc:sldMkLst>
-      </pc:sldChg>
-      <pc:sldChg chg="new del">
-        <pc:chgData name="Bijun Li" userId="3f3440aeb2cda3ad" providerId="Windows Live" clId="Web-{DC42EBCE-5947-B77A-1526-8401A6B75C44}" dt="2024-06-27T16:00:07.639" v="19"/>
-        <pc:sldMkLst>
-          <pc:docMk/>
-          <pc:sldMk cId="3209573463" sldId="277"/>
-        </pc:sldMkLst>
-      </pc:sldChg>
-      <pc:sldChg chg="new">
-        <pc:chgData name="Bijun Li" userId="3f3440aeb2cda3ad" providerId="Windows Live" clId="Web-{DC42EBCE-5947-B77A-1526-8401A6B75C44}" dt="2024-06-27T16:00:52.906" v="24"/>
+      <pc:sldChg chg="modSp modTransition">
+        <pc:chgData name="Bijun Li" userId="3f3440aeb2cda3ad" providerId="Windows Live" clId="Web-{B1BC2140-15C0-66C3-B572-6C2E0CBA021B}" dt="2024-07-10T12:35:25.014" v="35" actId="20577"/>
         <pc:sldMkLst>
           <pc:docMk/>
           <pc:sldMk cId="1153455739" sldId="278"/>
         </pc:sldMkLst>
+        <pc:spChg chg="mod">
+          <ac:chgData name="Bijun Li" userId="3f3440aeb2cda3ad" providerId="Windows Live" clId="Web-{B1BC2140-15C0-66C3-B572-6C2E0CBA021B}" dt="2024-07-10T12:35:25.014" v="35" actId="20577"/>
+          <ac:spMkLst>
+            <pc:docMk/>
+            <pc:sldMk cId="1153455739" sldId="278"/>
+            <ac:spMk id="5" creationId="{DDE990D8-C8EA-88C5-77B0-0CE0542DC8A9}"/>
+          </ac:spMkLst>
+        </pc:spChg>
       </pc:sldChg>
-      <pc:sldChg chg="del">
-        <pc:chgData name="Bijun Li" userId="3f3440aeb2cda3ad" providerId="Windows Live" clId="Web-{DC42EBCE-5947-B77A-1526-8401A6B75C44}" dt="2024-06-27T15:59:57.498" v="11"/>
+      <pc:sldChg chg="addSp modSp modTransition">
+        <pc:chgData name="Bijun Li" userId="3f3440aeb2cda3ad" providerId="Windows Live" clId="Web-{B1BC2140-15C0-66C3-B572-6C2E0CBA021B}" dt="2024-07-10T12:34:20.450" v="21"/>
         <pc:sldMkLst>
           <pc:docMk/>
-          <pc:sldMk cId="2069393026" sldId="278"/>
+          <pc:sldMk cId="1309620189" sldId="286"/>
+        </pc:sldMkLst>
+        <pc:spChg chg="mod">
+          <ac:chgData name="Bijun Li" userId="3f3440aeb2cda3ad" providerId="Windows Live" clId="Web-{B1BC2140-15C0-66C3-B572-6C2E0CBA021B}" dt="2024-07-10T12:33:02.572" v="15" actId="14100"/>
+          <ac:spMkLst>
+            <pc:docMk/>
+            <pc:sldMk cId="1309620189" sldId="286"/>
+            <ac:spMk id="6" creationId="{ED99D0DF-153F-7616-E760-3D08ED12B693}"/>
+          </ac:spMkLst>
+        </pc:spChg>
+        <pc:spChg chg="add mod">
+          <ac:chgData name="Bijun Li" userId="3f3440aeb2cda3ad" providerId="Windows Live" clId="Web-{B1BC2140-15C0-66C3-B572-6C2E0CBA021B}" dt="2024-07-10T12:33:07.119" v="17" actId="20577"/>
+          <ac:spMkLst>
+            <pc:docMk/>
+            <pc:sldMk cId="1309620189" sldId="286"/>
+            <ac:spMk id="7" creationId="{45C6C5F6-816C-1A23-F461-9B126A0A0113}"/>
+          </ac:spMkLst>
+        </pc:spChg>
+      </pc:sldChg>
+      <pc:sldChg chg="modTransition">
+        <pc:chgData name="Bijun Li" userId="3f3440aeb2cda3ad" providerId="Windows Live" clId="Web-{B1BC2140-15C0-66C3-B572-6C2E0CBA021B}" dt="2024-07-10T12:34:20.450" v="21"/>
+        <pc:sldMkLst>
+          <pc:docMk/>
+          <pc:sldMk cId="1711685757" sldId="287"/>
         </pc:sldMkLst>
       </pc:sldChg>
-      <pc:sldChg chg="add replId">
-        <pc:chgData name="Bijun Li" userId="3f3440aeb2cda3ad" providerId="Windows Live" clId="Web-{DC42EBCE-5947-B77A-1526-8401A6B75C44}" dt="2024-06-27T16:03:58.896" v="30"/>
+      <pc:sldChg chg="modTransition">
+        <pc:chgData name="Bijun Li" userId="3f3440aeb2cda3ad" providerId="Windows Live" clId="Web-{B1BC2140-15C0-66C3-B572-6C2E0CBA021B}" dt="2024-07-10T12:34:20.450" v="21"/>
         <pc:sldMkLst>
           <pc:docMk/>
-          <pc:sldMk cId="560364979" sldId="279"/>
+          <pc:sldMk cId="2424175988" sldId="288"/>
         </pc:sldMkLst>
       </pc:sldChg>
-      <pc:sldChg chg="del">
-        <pc:chgData name="Bijun Li" userId="3f3440aeb2cda3ad" providerId="Windows Live" clId="Web-{DC42EBCE-5947-B77A-1526-8401A6B75C44}" dt="2024-06-27T15:59:57.482" v="7"/>
+      <pc:sldChg chg="modTransition">
+        <pc:chgData name="Bijun Li" userId="3f3440aeb2cda3ad" providerId="Windows Live" clId="Web-{B1BC2140-15C0-66C3-B572-6C2E0CBA021B}" dt="2024-07-10T12:34:20.450" v="21"/>
         <pc:sldMkLst>
           <pc:docMk/>
-          <pc:sldMk cId="1417396711" sldId="280"/>
+          <pc:sldMk cId="1610938727" sldId="289"/>
         </pc:sldMkLst>
       </pc:sldChg>
-      <pc:sldChg chg="add replId">
-        <pc:chgData name="Bijun Li" userId="3f3440aeb2cda3ad" providerId="Windows Live" clId="Web-{DC42EBCE-5947-B77A-1526-8401A6B75C44}" dt="2024-06-27T16:04:05.536" v="31"/>
+      <pc:sldChg chg="modTransition">
+        <pc:chgData name="Bijun Li" userId="3f3440aeb2cda3ad" providerId="Windows Live" clId="Web-{B1BC2140-15C0-66C3-B572-6C2E0CBA021B}" dt="2024-07-10T12:34:20.450" v="21"/>
         <pc:sldMkLst>
           <pc:docMk/>
-          <pc:sldMk cId="2887791905" sldId="280"/>
+          <pc:sldMk cId="192982762" sldId="290"/>
         </pc:sldMkLst>
       </pc:sldChg>
-      <pc:sldChg chg="del">
-        <pc:chgData name="Bijun Li" userId="3f3440aeb2cda3ad" providerId="Windows Live" clId="Web-{DC42EBCE-5947-B77A-1526-8401A6B75C44}" dt="2024-06-27T15:59:57.482" v="2"/>
+      <pc:sldChg chg="modTransition">
+        <pc:chgData name="Bijun Li" userId="3f3440aeb2cda3ad" providerId="Windows Live" clId="Web-{B1BC2140-15C0-66C3-B572-6C2E0CBA021B}" dt="2024-07-10T12:34:20.450" v="21"/>
         <pc:sldMkLst>
           <pc:docMk/>
-          <pc:sldMk cId="3477453048" sldId="282"/>
+          <pc:sldMk cId="4279025083" sldId="291"/>
         </pc:sldMkLst>
       </pc:sldChg>
-      <pc:sldChg chg="del">
-        <pc:chgData name="Bijun Li" userId="3f3440aeb2cda3ad" providerId="Windows Live" clId="Web-{DC42EBCE-5947-B77A-1526-8401A6B75C44}" dt="2024-06-27T15:59:57.482" v="1"/>
+      <pc:sldChg chg="modTransition">
+        <pc:chgData name="Bijun Li" userId="3f3440aeb2cda3ad" providerId="Windows Live" clId="Web-{B1BC2140-15C0-66C3-B572-6C2E0CBA021B}" dt="2024-07-10T12:34:20.450" v="21"/>
         <pc:sldMkLst>
           <pc:docMk/>
-          <pc:sldMk cId="3396266754" sldId="283"/>
+          <pc:sldMk cId="2572034808" sldId="292"/>
         </pc:sldMkLst>
       </pc:sldChg>
-      <pc:sldChg chg="del">
-        <pc:chgData name="Bijun Li" userId="3f3440aeb2cda3ad" providerId="Windows Live" clId="Web-{DC42EBCE-5947-B77A-1526-8401A6B75C44}" dt="2024-06-27T15:59:57.498" v="14"/>
+      <pc:sldChg chg="modTransition">
+        <pc:chgData name="Bijun Li" userId="3f3440aeb2cda3ad" providerId="Windows Live" clId="Web-{B1BC2140-15C0-66C3-B572-6C2E0CBA021B}" dt="2024-07-10T12:34:20.450" v="21"/>
         <pc:sldMkLst>
           <pc:docMk/>
-          <pc:sldMk cId="1844941827" sldId="289"/>
+          <pc:sldMk cId="2387164853" sldId="293"/>
         </pc:sldMkLst>
       </pc:sldChg>
-      <pc:sldChg chg="del">
-        <pc:chgData name="Bijun Li" userId="3f3440aeb2cda3ad" providerId="Windows Live" clId="Web-{DC42EBCE-5947-B77A-1526-8401A6B75C44}" dt="2024-06-27T15:59:57.498" v="9"/>
+      <pc:sldChg chg="modTransition">
+        <pc:chgData name="Bijun Li" userId="3f3440aeb2cda3ad" providerId="Windows Live" clId="Web-{B1BC2140-15C0-66C3-B572-6C2E0CBA021B}" dt="2024-07-10T12:34:20.450" v="21"/>
         <pc:sldMkLst>
           <pc:docMk/>
-          <pc:sldMk cId="404854312" sldId="292"/>
+          <pc:sldMk cId="3140557297" sldId="294"/>
         </pc:sldMkLst>
       </pc:sldChg>
-      <pc:sldChg chg="del">
-        <pc:chgData name="Bijun Li" userId="3f3440aeb2cda3ad" providerId="Windows Live" clId="Web-{DC42EBCE-5947-B77A-1526-8401A6B75C44}" dt="2024-06-27T15:59:57.482" v="5"/>
+      <pc:sldChg chg="modTransition">
+        <pc:chgData name="Bijun Li" userId="3f3440aeb2cda3ad" providerId="Windows Live" clId="Web-{B1BC2140-15C0-66C3-B572-6C2E0CBA021B}" dt="2024-07-10T12:34:20.450" v="21"/>
         <pc:sldMkLst>
           <pc:docMk/>
-          <pc:sldMk cId="473871986" sldId="293"/>
+          <pc:sldMk cId="3557400644" sldId="295"/>
         </pc:sldMkLst>
       </pc:sldChg>
-      <pc:sldChg chg="del">
-        <pc:chgData name="Bijun Li" userId="3f3440aeb2cda3ad" providerId="Windows Live" clId="Web-{DC42EBCE-5947-B77A-1526-8401A6B75C44}" dt="2024-06-27T15:59:57.482" v="4"/>
+      <pc:sldChg chg="modTransition">
+        <pc:chgData name="Bijun Li" userId="3f3440aeb2cda3ad" providerId="Windows Live" clId="Web-{B1BC2140-15C0-66C3-B572-6C2E0CBA021B}" dt="2024-07-10T12:34:20.450" v="21"/>
         <pc:sldMkLst>
           <pc:docMk/>
-          <pc:sldMk cId="3084972071" sldId="294"/>
+          <pc:sldMk cId="814661144" sldId="296"/>
         </pc:sldMkLst>
       </pc:sldChg>
+      <pc:sldMasterChg chg="modTransition modSldLayout">
+        <pc:chgData name="Bijun Li" userId="3f3440aeb2cda3ad" providerId="Windows Live" clId="Web-{B1BC2140-15C0-66C3-B572-6C2E0CBA021B}" dt="2024-07-10T12:34:20.450" v="21"/>
+        <pc:sldMasterMkLst>
+          <pc:docMk/>
+          <pc:sldMasterMk cId="1928452137" sldId="2147483666"/>
+        </pc:sldMasterMkLst>
+        <pc:sldLayoutChg chg="modTransition">
+          <pc:chgData name="Bijun Li" userId="3f3440aeb2cda3ad" providerId="Windows Live" clId="Web-{B1BC2140-15C0-66C3-B572-6C2E0CBA021B}" dt="2024-07-10T12:34:20.450" v="21"/>
+          <pc:sldLayoutMkLst>
+            <pc:docMk/>
+            <pc:sldMasterMk cId="1928452137" sldId="2147483666"/>
+            <pc:sldLayoutMk cId="913108640" sldId="2147483667"/>
+          </pc:sldLayoutMkLst>
+        </pc:sldLayoutChg>
+        <pc:sldLayoutChg chg="modTransition">
+          <pc:chgData name="Bijun Li" userId="3f3440aeb2cda3ad" providerId="Windows Live" clId="Web-{B1BC2140-15C0-66C3-B572-6C2E0CBA021B}" dt="2024-07-10T12:34:20.450" v="21"/>
+          <pc:sldLayoutMkLst>
+            <pc:docMk/>
+            <pc:sldMasterMk cId="1928452137" sldId="2147483666"/>
+            <pc:sldLayoutMk cId="2631270364" sldId="2147483668"/>
+          </pc:sldLayoutMkLst>
+        </pc:sldLayoutChg>
+        <pc:sldLayoutChg chg="modTransition">
+          <pc:chgData name="Bijun Li" userId="3f3440aeb2cda3ad" providerId="Windows Live" clId="Web-{B1BC2140-15C0-66C3-B572-6C2E0CBA021B}" dt="2024-07-10T12:34:20.450" v="21"/>
+          <pc:sldLayoutMkLst>
+            <pc:docMk/>
+            <pc:sldMasterMk cId="1928452137" sldId="2147483666"/>
+            <pc:sldLayoutMk cId="3052812340" sldId="2147483670"/>
+          </pc:sldLayoutMkLst>
+        </pc:sldLayoutChg>
+        <pc:sldLayoutChg chg="modTransition">
+          <pc:chgData name="Bijun Li" userId="3f3440aeb2cda3ad" providerId="Windows Live" clId="Web-{B1BC2140-15C0-66C3-B572-6C2E0CBA021B}" dt="2024-07-10T12:34:20.450" v="21"/>
+          <pc:sldLayoutMkLst>
+            <pc:docMk/>
+            <pc:sldMasterMk cId="1928452137" sldId="2147483666"/>
+            <pc:sldLayoutMk cId="3021740900" sldId="2147483671"/>
+          </pc:sldLayoutMkLst>
+        </pc:sldLayoutChg>
+        <pc:sldLayoutChg chg="modTransition">
+          <pc:chgData name="Bijun Li" userId="3f3440aeb2cda3ad" providerId="Windows Live" clId="Web-{B1BC2140-15C0-66C3-B572-6C2E0CBA021B}" dt="2024-07-10T12:34:20.450" v="21"/>
+          <pc:sldLayoutMkLst>
+            <pc:docMk/>
+            <pc:sldMasterMk cId="1928452137" sldId="2147483666"/>
+            <pc:sldLayoutMk cId="4203189534" sldId="2147483672"/>
+          </pc:sldLayoutMkLst>
+        </pc:sldLayoutChg>
+        <pc:sldLayoutChg chg="modTransition">
+          <pc:chgData name="Bijun Li" userId="3f3440aeb2cda3ad" providerId="Windows Live" clId="Web-{B1BC2140-15C0-66C3-B572-6C2E0CBA021B}" dt="2024-07-10T12:34:20.450" v="21"/>
+          <pc:sldLayoutMkLst>
+            <pc:docMk/>
+            <pc:sldMasterMk cId="1928452137" sldId="2147483666"/>
+            <pc:sldLayoutMk cId="3228668804" sldId="2147483673"/>
+          </pc:sldLayoutMkLst>
+        </pc:sldLayoutChg>
+        <pc:sldLayoutChg chg="modTransition">
+          <pc:chgData name="Bijun Li" userId="3f3440aeb2cda3ad" providerId="Windows Live" clId="Web-{B1BC2140-15C0-66C3-B572-6C2E0CBA021B}" dt="2024-07-10T12:34:20.450" v="21"/>
+          <pc:sldLayoutMkLst>
+            <pc:docMk/>
+            <pc:sldMasterMk cId="1928452137" sldId="2147483666"/>
+            <pc:sldLayoutMk cId="3562372833" sldId="2147483674"/>
+          </pc:sldLayoutMkLst>
+        </pc:sldLayoutChg>
+        <pc:sldLayoutChg chg="modTransition">
+          <pc:chgData name="Bijun Li" userId="3f3440aeb2cda3ad" providerId="Windows Live" clId="Web-{B1BC2140-15C0-66C3-B572-6C2E0CBA021B}" dt="2024-07-10T12:34:20.450" v="21"/>
+          <pc:sldLayoutMkLst>
+            <pc:docMk/>
+            <pc:sldMasterMk cId="1928452137" sldId="2147483666"/>
+            <pc:sldLayoutMk cId="609095538" sldId="2147483675"/>
+          </pc:sldLayoutMkLst>
+        </pc:sldLayoutChg>
+        <pc:sldLayoutChg chg="modTransition">
+          <pc:chgData name="Bijun Li" userId="3f3440aeb2cda3ad" providerId="Windows Live" clId="Web-{B1BC2140-15C0-66C3-B572-6C2E0CBA021B}" dt="2024-07-10T12:34:20.450" v="21"/>
+          <pc:sldLayoutMkLst>
+            <pc:docMk/>
+            <pc:sldMasterMk cId="1928452137" sldId="2147483666"/>
+            <pc:sldLayoutMk cId="264798778" sldId="2147483676"/>
+          </pc:sldLayoutMkLst>
+        </pc:sldLayoutChg>
+        <pc:sldLayoutChg chg="modTransition">
+          <pc:chgData name="Bijun Li" userId="3f3440aeb2cda3ad" providerId="Windows Live" clId="Web-{B1BC2140-15C0-66C3-B572-6C2E0CBA021B}" dt="2024-07-10T12:34:20.450" v="21"/>
+          <pc:sldLayoutMkLst>
+            <pc:docMk/>
+            <pc:sldMasterMk cId="1928452137" sldId="2147483666"/>
+            <pc:sldLayoutMk cId="1616316768" sldId="2147483677"/>
+          </pc:sldLayoutMkLst>
+        </pc:sldLayoutChg>
+        <pc:sldLayoutChg chg="modTransition">
+          <pc:chgData name="Bijun Li" userId="3f3440aeb2cda3ad" providerId="Windows Live" clId="Web-{B1BC2140-15C0-66C3-B572-6C2E0CBA021B}" dt="2024-07-10T12:34:20.450" v="21"/>
+          <pc:sldLayoutMkLst>
+            <pc:docMk/>
+            <pc:sldMasterMk cId="1928452137" sldId="2147483666"/>
+            <pc:sldLayoutMk cId="429355126" sldId="2147483678"/>
+          </pc:sldLayoutMkLst>
+        </pc:sldLayoutChg>
+        <pc:sldLayoutChg chg="modTransition">
+          <pc:chgData name="Bijun Li" userId="3f3440aeb2cda3ad" providerId="Windows Live" clId="Web-{B1BC2140-15C0-66C3-B572-6C2E0CBA021B}" dt="2024-07-10T12:34:20.450" v="21"/>
+          <pc:sldLayoutMkLst>
+            <pc:docMk/>
+            <pc:sldMasterMk cId="1928452137" sldId="2147483666"/>
+            <pc:sldLayoutMk cId="23543133" sldId="2147483681"/>
+          </pc:sldLayoutMkLst>
+        </pc:sldLayoutChg>
+        <pc:sldLayoutChg chg="modTransition">
+          <pc:chgData name="Bijun Li" userId="3f3440aeb2cda3ad" providerId="Windows Live" clId="Web-{B1BC2140-15C0-66C3-B572-6C2E0CBA021B}" dt="2024-07-10T12:34:20.450" v="21"/>
+          <pc:sldLayoutMkLst>
+            <pc:docMk/>
+            <pc:sldMasterMk cId="1928452137" sldId="2147483666"/>
+            <pc:sldLayoutMk cId="4026250860" sldId="2147483685"/>
+          </pc:sldLayoutMkLst>
+        </pc:sldLayoutChg>
+        <pc:sldLayoutChg chg="modTransition">
+          <pc:chgData name="Bijun Li" userId="3f3440aeb2cda3ad" providerId="Windows Live" clId="Web-{B1BC2140-15C0-66C3-B572-6C2E0CBA021B}" dt="2024-07-10T12:34:20.450" v="21"/>
+          <pc:sldLayoutMkLst>
+            <pc:docMk/>
+            <pc:sldMasterMk cId="1928452137" sldId="2147483666"/>
+            <pc:sldLayoutMk cId="2501487619" sldId="2147483688"/>
+          </pc:sldLayoutMkLst>
+        </pc:sldLayoutChg>
+        <pc:sldLayoutChg chg="modTransition">
+          <pc:chgData name="Bijun Li" userId="3f3440aeb2cda3ad" providerId="Windows Live" clId="Web-{B1BC2140-15C0-66C3-B572-6C2E0CBA021B}" dt="2024-07-10T12:34:20.450" v="21"/>
+          <pc:sldLayoutMkLst>
+            <pc:docMk/>
+            <pc:sldMasterMk cId="1928452137" sldId="2147483666"/>
+            <pc:sldLayoutMk cId="2056323463" sldId="2147483692"/>
+          </pc:sldLayoutMkLst>
+        </pc:sldLayoutChg>
+        <pc:sldLayoutChg chg="modTransition">
+          <pc:chgData name="Bijun Li" userId="3f3440aeb2cda3ad" providerId="Windows Live" clId="Web-{B1BC2140-15C0-66C3-B572-6C2E0CBA021B}" dt="2024-07-10T12:34:20.450" v="21"/>
+          <pc:sldLayoutMkLst>
+            <pc:docMk/>
+            <pc:sldMasterMk cId="1928452137" sldId="2147483666"/>
+            <pc:sldLayoutMk cId="3061950496" sldId="2147483694"/>
+          </pc:sldLayoutMkLst>
+        </pc:sldLayoutChg>
+        <pc:sldLayoutChg chg="modTransition">
+          <pc:chgData name="Bijun Li" userId="3f3440aeb2cda3ad" providerId="Windows Live" clId="Web-{B1BC2140-15C0-66C3-B572-6C2E0CBA021B}" dt="2024-07-10T12:34:20.450" v="21"/>
+          <pc:sldLayoutMkLst>
+            <pc:docMk/>
+            <pc:sldMasterMk cId="1928452137" sldId="2147483666"/>
+            <pc:sldLayoutMk cId="1386696317" sldId="2147483696"/>
+          </pc:sldLayoutMkLst>
+        </pc:sldLayoutChg>
+        <pc:sldLayoutChg chg="modTransition">
+          <pc:chgData name="Bijun Li" userId="3f3440aeb2cda3ad" providerId="Windows Live" clId="Web-{B1BC2140-15C0-66C3-B572-6C2E0CBA021B}" dt="2024-07-10T12:34:20.450" v="21"/>
+          <pc:sldLayoutMkLst>
+            <pc:docMk/>
+            <pc:sldMasterMk cId="1928452137" sldId="2147483666"/>
+            <pc:sldLayoutMk cId="129327841" sldId="2147483697"/>
+          </pc:sldLayoutMkLst>
+        </pc:sldLayoutChg>
+        <pc:sldLayoutChg chg="modTransition">
+          <pc:chgData name="Bijun Li" userId="3f3440aeb2cda3ad" providerId="Windows Live" clId="Web-{B1BC2140-15C0-66C3-B572-6C2E0CBA021B}" dt="2024-07-10T12:34:20.450" v="21"/>
+          <pc:sldLayoutMkLst>
+            <pc:docMk/>
+            <pc:sldMasterMk cId="1928452137" sldId="2147483666"/>
+            <pc:sldLayoutMk cId="1442619314" sldId="2147483699"/>
+          </pc:sldLayoutMkLst>
+        </pc:sldLayoutChg>
+        <pc:sldLayoutChg chg="modTransition">
+          <pc:chgData name="Bijun Li" userId="3f3440aeb2cda3ad" providerId="Windows Live" clId="Web-{B1BC2140-15C0-66C3-B572-6C2E0CBA021B}" dt="2024-07-10T12:34:20.450" v="21"/>
+          <pc:sldLayoutMkLst>
+            <pc:docMk/>
+            <pc:sldMasterMk cId="1928452137" sldId="2147483666"/>
+            <pc:sldLayoutMk cId="2376933483" sldId="2147483700"/>
+          </pc:sldLayoutMkLst>
+        </pc:sldLayoutChg>
+        <pc:sldLayoutChg chg="modTransition">
+          <pc:chgData name="Bijun Li" userId="3f3440aeb2cda3ad" providerId="Windows Live" clId="Web-{B1BC2140-15C0-66C3-B572-6C2E0CBA021B}" dt="2024-07-10T12:34:20.450" v="21"/>
+          <pc:sldLayoutMkLst>
+            <pc:docMk/>
+            <pc:sldMasterMk cId="1928452137" sldId="2147483666"/>
+            <pc:sldLayoutMk cId="2290034707" sldId="2147483701"/>
+          </pc:sldLayoutMkLst>
+        </pc:sldLayoutChg>
+      </pc:sldMasterChg>
     </pc:docChg>
   </pc:docChgLst>
   <pc:docChgLst>
@@ -1704,6 +2023,401 @@
             <pc:docMk/>
             <pc:sldMk cId="1642425379" sldId="256"/>
             <ac:spMk id="4" creationId="{5EEE53FA-29BC-F0F5-3BD1-61116F14A88F}"/>
+          </ac:spMkLst>
+        </pc:spChg>
+      </pc:sldChg>
+    </pc:docChg>
+  </pc:docChgLst>
+  <pc:docChgLst>
+    <pc:chgData name="Bijun Li" userId="3f3440aeb2cda3ad" providerId="LiveId" clId="{4F95B03C-89E4-41AE-8C52-A8D0CEF3D694}"/>
+    <pc:docChg chg="undo custSel modSld">
+      <pc:chgData name="Bijun Li" userId="3f3440aeb2cda3ad" providerId="LiveId" clId="{4F95B03C-89E4-41AE-8C52-A8D0CEF3D694}" dt="2024-07-11T20:39:39.268" v="1398" actId="108"/>
+      <pc:docMkLst>
+        <pc:docMk/>
+      </pc:docMkLst>
+      <pc:sldChg chg="addSp delSp modSp">
+        <pc:chgData name="Bijun Li" userId="3f3440aeb2cda3ad" providerId="LiveId" clId="{4F95B03C-89E4-41AE-8C52-A8D0CEF3D694}" dt="2024-07-11T09:02:37.365" v="24" actId="1076"/>
+        <pc:sldMkLst>
+          <pc:docMk/>
+          <pc:sldMk cId="1642425379" sldId="256"/>
+        </pc:sldMkLst>
+        <pc:picChg chg="add del mod">
+          <ac:chgData name="Bijun Li" userId="3f3440aeb2cda3ad" providerId="LiveId" clId="{4F95B03C-89E4-41AE-8C52-A8D0CEF3D694}" dt="2024-07-11T09:01:15.001" v="9" actId="478"/>
+          <ac:picMkLst>
+            <pc:docMk/>
+            <pc:sldMk cId="1642425379" sldId="256"/>
+            <ac:picMk id="1026" creationId="{6C740017-EC0D-46E2-27F3-CC77B51806BF}"/>
+          </ac:picMkLst>
+        </pc:picChg>
+        <pc:picChg chg="add mod">
+          <ac:chgData name="Bijun Li" userId="3f3440aeb2cda3ad" providerId="LiveId" clId="{4F95B03C-89E4-41AE-8C52-A8D0CEF3D694}" dt="2024-07-11T09:02:37.365" v="24" actId="1076"/>
+          <ac:picMkLst>
+            <pc:docMk/>
+            <pc:sldMk cId="1642425379" sldId="256"/>
+            <ac:picMk id="1028" creationId="{59DDB336-05EE-5040-BE03-F2D83B6432ED}"/>
+          </ac:picMkLst>
+        </pc:picChg>
+      </pc:sldChg>
+      <pc:sldChg chg="modSp mod">
+        <pc:chgData name="Bijun Li" userId="3f3440aeb2cda3ad" providerId="LiveId" clId="{4F95B03C-89E4-41AE-8C52-A8D0CEF3D694}" dt="2024-07-11T15:19:10.815" v="1352" actId="20577"/>
+        <pc:sldMkLst>
+          <pc:docMk/>
+          <pc:sldMk cId="2436493926" sldId="276"/>
+        </pc:sldMkLst>
+        <pc:spChg chg="mod">
+          <ac:chgData name="Bijun Li" userId="3f3440aeb2cda3ad" providerId="LiveId" clId="{4F95B03C-89E4-41AE-8C52-A8D0CEF3D694}" dt="2024-07-11T15:18:45.992" v="1344" actId="403"/>
+          <ac:spMkLst>
+            <pc:docMk/>
+            <pc:sldMk cId="2436493926" sldId="276"/>
+            <ac:spMk id="2" creationId="{BCCAEE93-8585-46D4-A7EC-F184E317CB2E}"/>
+          </ac:spMkLst>
+        </pc:spChg>
+        <pc:spChg chg="mod">
+          <ac:chgData name="Bijun Li" userId="3f3440aeb2cda3ad" providerId="LiveId" clId="{4F95B03C-89E4-41AE-8C52-A8D0CEF3D694}" dt="2024-07-11T15:19:10.815" v="1352" actId="20577"/>
+          <ac:spMkLst>
+            <pc:docMk/>
+            <pc:sldMk cId="2436493926" sldId="276"/>
+            <ac:spMk id="3" creationId="{24AFFC60-19C3-4901-93F7-7AAF4C09F8C6}"/>
+          </ac:spMkLst>
+        </pc:spChg>
+      </pc:sldChg>
+      <pc:sldChg chg="addSp modSp mod">
+        <pc:chgData name="Bijun Li" userId="3f3440aeb2cda3ad" providerId="LiveId" clId="{4F95B03C-89E4-41AE-8C52-A8D0CEF3D694}" dt="2024-07-11T11:11:09.365" v="575" actId="12"/>
+        <pc:sldMkLst>
+          <pc:docMk/>
+          <pc:sldMk cId="1153455739" sldId="278"/>
+        </pc:sldMkLst>
+        <pc:spChg chg="mod">
+          <ac:chgData name="Bijun Li" userId="3f3440aeb2cda3ad" providerId="LiveId" clId="{4F95B03C-89E4-41AE-8C52-A8D0CEF3D694}" dt="2024-07-11T11:11:09.365" v="575" actId="12"/>
+          <ac:spMkLst>
+            <pc:docMk/>
+            <pc:sldMk cId="1153455739" sldId="278"/>
+            <ac:spMk id="13" creationId="{F0651D9F-9551-F501-BC6B-76709818D14D}"/>
+          </ac:spMkLst>
+        </pc:spChg>
+        <pc:spChg chg="mod">
+          <ac:chgData name="Bijun Li" userId="3f3440aeb2cda3ad" providerId="LiveId" clId="{4F95B03C-89E4-41AE-8C52-A8D0CEF3D694}" dt="2024-07-11T09:23:55.506" v="268" actId="14100"/>
+          <ac:spMkLst>
+            <pc:docMk/>
+            <pc:sldMk cId="1153455739" sldId="278"/>
+            <ac:spMk id="15" creationId="{D6F446CB-6798-42FB-F89F-A63EBA2055D1}"/>
+          </ac:spMkLst>
+        </pc:spChg>
+        <pc:spChg chg="mod">
+          <ac:chgData name="Bijun Li" userId="3f3440aeb2cda3ad" providerId="LiveId" clId="{4F95B03C-89E4-41AE-8C52-A8D0CEF3D694}" dt="2024-07-11T09:45:17.662" v="292" actId="20577"/>
+          <ac:spMkLst>
+            <pc:docMk/>
+            <pc:sldMk cId="1153455739" sldId="278"/>
+            <ac:spMk id="17" creationId="{D3C45DAA-4A0A-6ED8-A119-ED8321461F93}"/>
+          </ac:spMkLst>
+        </pc:spChg>
+        <pc:picChg chg="add mod modCrop">
+          <ac:chgData name="Bijun Li" userId="3f3440aeb2cda3ad" providerId="LiveId" clId="{4F95B03C-89E4-41AE-8C52-A8D0CEF3D694}" dt="2024-07-11T09:17:36.715" v="35" actId="1076"/>
+          <ac:picMkLst>
+            <pc:docMk/>
+            <pc:sldMk cId="1153455739" sldId="278"/>
+            <ac:picMk id="7" creationId="{9307131A-CFB4-0D19-40EE-C0A6AE68E569}"/>
+          </ac:picMkLst>
+        </pc:picChg>
+      </pc:sldChg>
+      <pc:sldChg chg="modSp mod">
+        <pc:chgData name="Bijun Li" userId="3f3440aeb2cda3ad" providerId="LiveId" clId="{4F95B03C-89E4-41AE-8C52-A8D0CEF3D694}" dt="2024-07-11T11:11:49.766" v="595" actId="12"/>
+        <pc:sldMkLst>
+          <pc:docMk/>
+          <pc:sldMk cId="1309620189" sldId="286"/>
+        </pc:sldMkLst>
+        <pc:spChg chg="mod">
+          <ac:chgData name="Bijun Li" userId="3f3440aeb2cda3ad" providerId="LiveId" clId="{4F95B03C-89E4-41AE-8C52-A8D0CEF3D694}" dt="2024-07-11T11:11:30.328" v="584" actId="6549"/>
+          <ac:spMkLst>
+            <pc:docMk/>
+            <pc:sldMk cId="1309620189" sldId="286"/>
+            <ac:spMk id="6" creationId="{ED99D0DF-153F-7616-E760-3D08ED12B693}"/>
+          </ac:spMkLst>
+        </pc:spChg>
+        <pc:spChg chg="mod">
+          <ac:chgData name="Bijun Li" userId="3f3440aeb2cda3ad" providerId="LiveId" clId="{4F95B03C-89E4-41AE-8C52-A8D0CEF3D694}" dt="2024-07-11T11:11:49.766" v="595" actId="12"/>
+          <ac:spMkLst>
+            <pc:docMk/>
+            <pc:sldMk cId="1309620189" sldId="286"/>
+            <ac:spMk id="7" creationId="{45C6C5F6-816C-1A23-F461-9B126A0A0113}"/>
+          </ac:spMkLst>
+        </pc:spChg>
+      </pc:sldChg>
+      <pc:sldChg chg="addSp delSp modSp mod">
+        <pc:chgData name="Bijun Li" userId="3f3440aeb2cda3ad" providerId="LiveId" clId="{4F95B03C-89E4-41AE-8C52-A8D0CEF3D694}" dt="2024-07-11T11:12:12.826" v="606" actId="6549"/>
+        <pc:sldMkLst>
+          <pc:docMk/>
+          <pc:sldMk cId="1711685757" sldId="287"/>
+        </pc:sldMkLst>
+        <pc:spChg chg="mod">
+          <ac:chgData name="Bijun Li" userId="3f3440aeb2cda3ad" providerId="LiveId" clId="{4F95B03C-89E4-41AE-8C52-A8D0CEF3D694}" dt="2024-07-11T11:12:12.826" v="606" actId="6549"/>
+          <ac:spMkLst>
+            <pc:docMk/>
+            <pc:sldMk cId="1711685757" sldId="287"/>
+            <ac:spMk id="6" creationId="{FA1373F9-5576-D048-8010-79A6EFF0F1E8}"/>
+          </ac:spMkLst>
+        </pc:spChg>
+        <pc:spChg chg="add mod">
+          <ac:chgData name="Bijun Li" userId="3f3440aeb2cda3ad" providerId="LiveId" clId="{4F95B03C-89E4-41AE-8C52-A8D0CEF3D694}" dt="2024-07-11T10:30:39.720" v="334" actId="1076"/>
+          <ac:spMkLst>
+            <pc:docMk/>
+            <pc:sldMk cId="1711685757" sldId="287"/>
+            <ac:spMk id="7" creationId="{C2EF778D-174C-C50F-7D59-82A6488914FA}"/>
+          </ac:spMkLst>
+        </pc:spChg>
+        <pc:spChg chg="add mod">
+          <ac:chgData name="Bijun Li" userId="3f3440aeb2cda3ad" providerId="LiveId" clId="{4F95B03C-89E4-41AE-8C52-A8D0CEF3D694}" dt="2024-07-11T10:31:13.165" v="355" actId="1037"/>
+          <ac:spMkLst>
+            <pc:docMk/>
+            <pc:sldMk cId="1711685757" sldId="287"/>
+            <ac:spMk id="8" creationId="{243D76E6-90F2-55EF-3386-406C44A473C0}"/>
+          </ac:spMkLst>
+        </pc:spChg>
+        <pc:picChg chg="add del mod">
+          <ac:chgData name="Bijun Li" userId="3f3440aeb2cda3ad" providerId="LiveId" clId="{4F95B03C-89E4-41AE-8C52-A8D0CEF3D694}" dt="2024-07-11T10:28:28.324" v="300" actId="478"/>
+          <ac:picMkLst>
+            <pc:docMk/>
+            <pc:sldMk cId="1711685757" sldId="287"/>
+            <ac:picMk id="1026" creationId="{C2D1AD84-96D4-CC21-9816-80A4876BDEFB}"/>
+          </ac:picMkLst>
+        </pc:picChg>
+        <pc:picChg chg="add mod">
+          <ac:chgData name="Bijun Li" userId="3f3440aeb2cda3ad" providerId="LiveId" clId="{4F95B03C-89E4-41AE-8C52-A8D0CEF3D694}" dt="2024-07-11T10:30:01.862" v="320" actId="1076"/>
+          <ac:picMkLst>
+            <pc:docMk/>
+            <pc:sldMk cId="1711685757" sldId="287"/>
+            <ac:picMk id="1028" creationId="{DE424272-F00D-C196-91B0-15211F066E7C}"/>
+          </ac:picMkLst>
+        </pc:picChg>
+        <pc:picChg chg="add mod">
+          <ac:chgData name="Bijun Li" userId="3f3440aeb2cda3ad" providerId="LiveId" clId="{4F95B03C-89E4-41AE-8C52-A8D0CEF3D694}" dt="2024-07-11T10:30:00.919" v="319" actId="1076"/>
+          <ac:picMkLst>
+            <pc:docMk/>
+            <pc:sldMk cId="1711685757" sldId="287"/>
+            <ac:picMk id="1030" creationId="{939C14B6-5D06-8855-BB80-31369F8E94C2}"/>
+          </ac:picMkLst>
+        </pc:picChg>
+      </pc:sldChg>
+      <pc:sldChg chg="modSp mod">
+        <pc:chgData name="Bijun Li" userId="3f3440aeb2cda3ad" providerId="LiveId" clId="{4F95B03C-89E4-41AE-8C52-A8D0CEF3D694}" dt="2024-07-11T11:12:27.663" v="619" actId="6549"/>
+        <pc:sldMkLst>
+          <pc:docMk/>
+          <pc:sldMk cId="2424175988" sldId="288"/>
+        </pc:sldMkLst>
+        <pc:spChg chg="mod">
+          <ac:chgData name="Bijun Li" userId="3f3440aeb2cda3ad" providerId="LiveId" clId="{4F95B03C-89E4-41AE-8C52-A8D0CEF3D694}" dt="2024-07-11T11:12:27.663" v="619" actId="6549"/>
+          <ac:spMkLst>
+            <pc:docMk/>
+            <pc:sldMk cId="2424175988" sldId="288"/>
+            <ac:spMk id="6" creationId="{47C268C8-9940-A7F5-8225-8245FD30B739}"/>
+          </ac:spMkLst>
+        </pc:spChg>
+      </pc:sldChg>
+      <pc:sldChg chg="modSp mod">
+        <pc:chgData name="Bijun Li" userId="3f3440aeb2cda3ad" providerId="LiveId" clId="{4F95B03C-89E4-41AE-8C52-A8D0CEF3D694}" dt="2024-07-11T11:39:22.156" v="638" actId="6549"/>
+        <pc:sldMkLst>
+          <pc:docMk/>
+          <pc:sldMk cId="1610938727" sldId="289"/>
+        </pc:sldMkLst>
+        <pc:spChg chg="mod">
+          <ac:chgData name="Bijun Li" userId="3f3440aeb2cda3ad" providerId="LiveId" clId="{4F95B03C-89E4-41AE-8C52-A8D0CEF3D694}" dt="2024-07-11T11:38:46.479" v="624" actId="6549"/>
+          <ac:spMkLst>
+            <pc:docMk/>
+            <pc:sldMk cId="1610938727" sldId="289"/>
+            <ac:spMk id="6" creationId="{B2E92049-5832-C635-5AA4-B9F120691A19}"/>
+          </ac:spMkLst>
+        </pc:spChg>
+        <pc:spChg chg="mod">
+          <ac:chgData name="Bijun Li" userId="3f3440aeb2cda3ad" providerId="LiveId" clId="{4F95B03C-89E4-41AE-8C52-A8D0CEF3D694}" dt="2024-07-11T11:38:56.779" v="631" actId="6549"/>
+          <ac:spMkLst>
+            <pc:docMk/>
+            <pc:sldMk cId="1610938727" sldId="289"/>
+            <ac:spMk id="7" creationId="{7799928A-E445-7855-CE19-D0D6EECDACF3}"/>
+          </ac:spMkLst>
+        </pc:spChg>
+        <pc:spChg chg="mod">
+          <ac:chgData name="Bijun Li" userId="3f3440aeb2cda3ad" providerId="LiveId" clId="{4F95B03C-89E4-41AE-8C52-A8D0CEF3D694}" dt="2024-07-11T11:39:22.156" v="638" actId="6549"/>
+          <ac:spMkLst>
+            <pc:docMk/>
+            <pc:sldMk cId="1610938727" sldId="289"/>
+            <ac:spMk id="8" creationId="{6B84EFE0-D13D-ED70-7EB5-B5D6100C2D3C}"/>
+          </ac:spMkLst>
+        </pc:spChg>
+      </pc:sldChg>
+      <pc:sldChg chg="addSp modSp mod">
+        <pc:chgData name="Bijun Li" userId="3f3440aeb2cda3ad" providerId="LiveId" clId="{4F95B03C-89E4-41AE-8C52-A8D0CEF3D694}" dt="2024-07-11T11:39:47.436" v="656" actId="6549"/>
+        <pc:sldMkLst>
+          <pc:docMk/>
+          <pc:sldMk cId="192982762" sldId="290"/>
+        </pc:sldMkLst>
+        <pc:spChg chg="mod">
+          <ac:chgData name="Bijun Li" userId="3f3440aeb2cda3ad" providerId="LiveId" clId="{4F95B03C-89E4-41AE-8C52-A8D0CEF3D694}" dt="2024-07-11T11:39:36.570" v="647" actId="6549"/>
+          <ac:spMkLst>
+            <pc:docMk/>
+            <pc:sldMk cId="192982762" sldId="290"/>
+            <ac:spMk id="6" creationId="{185B7CCE-5DA8-03AA-D513-D84C32667A5F}"/>
+          </ac:spMkLst>
+        </pc:spChg>
+        <pc:spChg chg="add mod">
+          <ac:chgData name="Bijun Li" userId="3f3440aeb2cda3ad" providerId="LiveId" clId="{4F95B03C-89E4-41AE-8C52-A8D0CEF3D694}" dt="2024-07-11T11:39:47.436" v="656" actId="6549"/>
+          <ac:spMkLst>
+            <pc:docMk/>
+            <pc:sldMk cId="192982762" sldId="290"/>
+            <ac:spMk id="7" creationId="{BE7C077E-D166-1F73-D6D8-4B05506EF6D1}"/>
+          </ac:spMkLst>
+        </pc:spChg>
+      </pc:sldChg>
+      <pc:sldChg chg="addSp modSp mod">
+        <pc:chgData name="Bijun Li" userId="3f3440aeb2cda3ad" providerId="LiveId" clId="{4F95B03C-89E4-41AE-8C52-A8D0CEF3D694}" dt="2024-07-11T11:40:01.256" v="665" actId="6549"/>
+        <pc:sldMkLst>
+          <pc:docMk/>
+          <pc:sldMk cId="4279025083" sldId="291"/>
+        </pc:sldMkLst>
+        <pc:spChg chg="mod">
+          <ac:chgData name="Bijun Li" userId="3f3440aeb2cda3ad" providerId="LiveId" clId="{4F95B03C-89E4-41AE-8C52-A8D0CEF3D694}" dt="2024-07-11T11:11:00.938" v="573" actId="6549"/>
+          <ac:spMkLst>
+            <pc:docMk/>
+            <pc:sldMk cId="4279025083" sldId="291"/>
+            <ac:spMk id="6" creationId="{B88BFBA3-F610-1B77-DC8D-45022A4331F4}"/>
+          </ac:spMkLst>
+        </pc:spChg>
+        <pc:spChg chg="add mod">
+          <ac:chgData name="Bijun Li" userId="3f3440aeb2cda3ad" providerId="LiveId" clId="{4F95B03C-89E4-41AE-8C52-A8D0CEF3D694}" dt="2024-07-11T11:40:01.256" v="665" actId="6549"/>
+          <ac:spMkLst>
+            <pc:docMk/>
+            <pc:sldMk cId="4279025083" sldId="291"/>
+            <ac:spMk id="7" creationId="{F48B35B9-65FE-3524-2CC4-E30A4E23638F}"/>
+          </ac:spMkLst>
+        </pc:spChg>
+      </pc:sldChg>
+      <pc:sldChg chg="delSp modSp mod">
+        <pc:chgData name="Bijun Li" userId="3f3440aeb2cda3ad" providerId="LiveId" clId="{4F95B03C-89E4-41AE-8C52-A8D0CEF3D694}" dt="2024-07-11T15:21:50.931" v="1390" actId="255"/>
+        <pc:sldMkLst>
+          <pc:docMk/>
+          <pc:sldMk cId="2572034808" sldId="292"/>
+        </pc:sldMkLst>
+        <pc:spChg chg="mod">
+          <ac:chgData name="Bijun Li" userId="3f3440aeb2cda3ad" providerId="LiveId" clId="{4F95B03C-89E4-41AE-8C52-A8D0CEF3D694}" dt="2024-07-11T15:21:32.094" v="1379" actId="27636"/>
+          <ac:spMkLst>
+            <pc:docMk/>
+            <pc:sldMk cId="2572034808" sldId="292"/>
+            <ac:spMk id="6" creationId="{26E26690-3578-6EB1-8EAB-4970E0C6B577}"/>
+          </ac:spMkLst>
+        </pc:spChg>
+        <pc:spChg chg="mod">
+          <ac:chgData name="Bijun Li" userId="3f3440aeb2cda3ad" providerId="LiveId" clId="{4F95B03C-89E4-41AE-8C52-A8D0CEF3D694}" dt="2024-07-11T15:21:50.931" v="1390" actId="255"/>
+          <ac:spMkLst>
+            <pc:docMk/>
+            <pc:sldMk cId="2572034808" sldId="292"/>
+            <ac:spMk id="8" creationId="{FC300E01-C8A1-503F-8942-73AE06236A2A}"/>
+          </ac:spMkLst>
+        </pc:spChg>
+        <pc:spChg chg="del">
+          <ac:chgData name="Bijun Li" userId="3f3440aeb2cda3ad" providerId="LiveId" clId="{4F95B03C-89E4-41AE-8C52-A8D0CEF3D694}" dt="2024-07-11T14:42:17.106" v="723" actId="478"/>
+          <ac:spMkLst>
+            <pc:docMk/>
+            <pc:sldMk cId="2572034808" sldId="292"/>
+            <ac:spMk id="9" creationId="{F620B41E-97A0-1F94-3C24-AB47D053A841}"/>
+          </ac:spMkLst>
+        </pc:spChg>
+      </pc:sldChg>
+      <pc:sldChg chg="addSp modSp mod">
+        <pc:chgData name="Bijun Li" userId="3f3440aeb2cda3ad" providerId="LiveId" clId="{4F95B03C-89E4-41AE-8C52-A8D0CEF3D694}" dt="2024-07-11T15:08:10.005" v="1165" actId="14100"/>
+        <pc:sldMkLst>
+          <pc:docMk/>
+          <pc:sldMk cId="2387164853" sldId="293"/>
+        </pc:sldMkLst>
+        <pc:spChg chg="mod">
+          <ac:chgData name="Bijun Li" userId="3f3440aeb2cda3ad" providerId="LiveId" clId="{4F95B03C-89E4-41AE-8C52-A8D0CEF3D694}" dt="2024-07-11T15:04:21.310" v="1159" actId="6549"/>
+          <ac:spMkLst>
+            <pc:docMk/>
+            <pc:sldMk cId="2387164853" sldId="293"/>
+            <ac:spMk id="6" creationId="{F78837CE-E8C0-C763-E376-57570DFBFB14}"/>
+          </ac:spMkLst>
+        </pc:spChg>
+        <pc:picChg chg="add mod">
+          <ac:chgData name="Bijun Li" userId="3f3440aeb2cda3ad" providerId="LiveId" clId="{4F95B03C-89E4-41AE-8C52-A8D0CEF3D694}" dt="2024-07-11T15:08:10.005" v="1165" actId="14100"/>
+          <ac:picMkLst>
+            <pc:docMk/>
+            <pc:sldMk cId="2387164853" sldId="293"/>
+            <ac:picMk id="8" creationId="{A079A42D-BEDC-4156-8DFF-12012618C930}"/>
+          </ac:picMkLst>
+        </pc:picChg>
+      </pc:sldChg>
+      <pc:sldChg chg="addSp modSp mod">
+        <pc:chgData name="Bijun Li" userId="3f3440aeb2cda3ad" providerId="LiveId" clId="{4F95B03C-89E4-41AE-8C52-A8D0CEF3D694}" dt="2024-07-11T20:39:13.818" v="1396" actId="108"/>
+        <pc:sldMkLst>
+          <pc:docMk/>
+          <pc:sldMk cId="3140557297" sldId="294"/>
+        </pc:sldMkLst>
+        <pc:spChg chg="mod">
+          <ac:chgData name="Bijun Li" userId="3f3440aeb2cda3ad" providerId="LiveId" clId="{4F95B03C-89E4-41AE-8C52-A8D0CEF3D694}" dt="2024-07-11T15:16:32.501" v="1323" actId="15"/>
+          <ac:spMkLst>
+            <pc:docMk/>
+            <pc:sldMk cId="3140557297" sldId="294"/>
+            <ac:spMk id="6" creationId="{1FF9B522-503A-EB1B-351D-C64C1B21E035}"/>
+          </ac:spMkLst>
+        </pc:spChg>
+        <pc:spChg chg="add mod">
+          <ac:chgData name="Bijun Li" userId="3f3440aeb2cda3ad" providerId="LiveId" clId="{4F95B03C-89E4-41AE-8C52-A8D0CEF3D694}" dt="2024-07-11T20:39:09.538" v="1395" actId="108"/>
+          <ac:spMkLst>
+            <pc:docMk/>
+            <pc:sldMk cId="3140557297" sldId="294"/>
+            <ac:spMk id="7" creationId="{0C6E6457-8B48-6F8A-3E42-6B97DFB2F57D}"/>
+          </ac:spMkLst>
+        </pc:spChg>
+        <pc:spChg chg="mod">
+          <ac:chgData name="Bijun Li" userId="3f3440aeb2cda3ad" providerId="LiveId" clId="{4F95B03C-89E4-41AE-8C52-A8D0CEF3D694}" dt="2024-07-11T15:13:07.699" v="1283" actId="1076"/>
+          <ac:spMkLst>
+            <pc:docMk/>
+            <pc:sldMk cId="3140557297" sldId="294"/>
+            <ac:spMk id="8" creationId="{3ACD17B4-315D-BF54-DA84-6D8F3F510ACE}"/>
+          </ac:spMkLst>
+        </pc:spChg>
+        <pc:spChg chg="add mod">
+          <ac:chgData name="Bijun Li" userId="3f3440aeb2cda3ad" providerId="LiveId" clId="{4F95B03C-89E4-41AE-8C52-A8D0CEF3D694}" dt="2024-07-11T20:39:13.818" v="1396" actId="108"/>
+          <ac:spMkLst>
+            <pc:docMk/>
+            <pc:sldMk cId="3140557297" sldId="294"/>
+            <ac:spMk id="9" creationId="{522ECDF5-E2D9-C04D-2598-E8057C1E8EBC}"/>
+          </ac:spMkLst>
+        </pc:spChg>
+      </pc:sldChg>
+      <pc:sldChg chg="addSp modSp mod">
+        <pc:chgData name="Bijun Li" userId="3f3440aeb2cda3ad" providerId="LiveId" clId="{4F95B03C-89E4-41AE-8C52-A8D0CEF3D694}" dt="2024-07-11T20:39:39.268" v="1398" actId="108"/>
+        <pc:sldMkLst>
+          <pc:docMk/>
+          <pc:sldMk cId="3557400644" sldId="295"/>
+        </pc:sldMkLst>
+        <pc:spChg chg="mod">
+          <ac:chgData name="Bijun Li" userId="3f3440aeb2cda3ad" providerId="LiveId" clId="{4F95B03C-89E4-41AE-8C52-A8D0CEF3D694}" dt="2024-07-11T15:17:35.583" v="1338" actId="255"/>
+          <ac:spMkLst>
+            <pc:docMk/>
+            <pc:sldMk cId="3557400644" sldId="295"/>
+            <ac:spMk id="6" creationId="{8B9830EC-02BC-ABF1-A63C-96772C514071}"/>
+          </ac:spMkLst>
+        </pc:spChg>
+        <pc:spChg chg="add mod">
+          <ac:chgData name="Bijun Li" userId="3f3440aeb2cda3ad" providerId="LiveId" clId="{4F95B03C-89E4-41AE-8C52-A8D0CEF3D694}" dt="2024-07-11T20:39:39.268" v="1398" actId="108"/>
+          <ac:spMkLst>
+            <pc:docMk/>
+            <pc:sldMk cId="3557400644" sldId="295"/>
+            <ac:spMk id="7" creationId="{2B4E23F9-0E8C-DED7-C17D-732E847353A1}"/>
+          </ac:spMkLst>
+        </pc:spChg>
+      </pc:sldChg>
+      <pc:sldChg chg="modSp mod">
+        <pc:chgData name="Bijun Li" userId="3f3440aeb2cda3ad" providerId="LiveId" clId="{4F95B03C-89E4-41AE-8C52-A8D0CEF3D694}" dt="2024-07-11T15:20:09.471" v="1367" actId="403"/>
+        <pc:sldMkLst>
+          <pc:docMk/>
+          <pc:sldMk cId="814661144" sldId="296"/>
+        </pc:sldMkLst>
+        <pc:spChg chg="mod">
+          <ac:chgData name="Bijun Li" userId="3f3440aeb2cda3ad" providerId="LiveId" clId="{4F95B03C-89E4-41AE-8C52-A8D0CEF3D694}" dt="2024-07-11T15:20:09.471" v="1367" actId="403"/>
+          <ac:spMkLst>
+            <pc:docMk/>
+            <pc:sldMk cId="814661144" sldId="296"/>
+            <ac:spMk id="3" creationId="{DA54D6E5-750E-4C03-709A-42C8A11A7BA4}"/>
           </ac:spMkLst>
         </pc:spChg>
       </pc:sldChg>
@@ -1733,7 +2447,7 @@
           <a:lstStyle/>
           <a:p>
             <a:pPr>
-              <a:defRPr sz="1600" b="0" i="0" u="none" strike="noStrike" kern="1200" spc="0" baseline="0">
+              <a:defRPr sz="1862" b="0" i="0" u="none" strike="noStrike" kern="1200" spc="0" baseline="0">
                 <a:solidFill>
                   <a:schemeClr val="tx1">
                     <a:lumMod val="65000"/>
@@ -1765,7 +2479,7 @@
         <a:lstStyle/>
         <a:p>
           <a:pPr>
-            <a:defRPr sz="1600" b="0" i="0" u="none" strike="noStrike" kern="1200" spc="0" baseline="0">
+            <a:defRPr sz="1862" b="0" i="0" u="none" strike="noStrike" kern="1200" spc="0" baseline="0">
               <a:solidFill>
                 <a:schemeClr val="tx1">
                   <a:lumMod val="65000"/>
@@ -1777,7 +2491,7 @@
               <a:cs typeface="+mn-cs"/>
             </a:defRPr>
           </a:pPr>
-          <a:endParaRPr lang="en-US"/>
+          <a:endParaRPr lang="en-DE"/>
         </a:p>
       </c:txPr>
     </c:title>
@@ -1789,26 +2503,20 @@
         <c:ser>
           <c:idx val="0"/>
           <c:order val="0"/>
-          <c:spPr>
-            <a:ln>
-              <a:solidFill>
-                <a:srgbClr val="FFFFFF"/>
-              </a:solidFill>
-              <a:prstDash val="solid"/>
-            </a:ln>
-          </c:spPr>
           <c:dPt>
             <c:idx val="0"/>
             <c:bubble3D val="0"/>
             <c:spPr>
               <a:solidFill>
-                <a:schemeClr val="accent1"/>
+                <a:schemeClr val="accent6">
+                  <a:lumMod val="40000"/>
+                  <a:lumOff val="60000"/>
+                </a:schemeClr>
               </a:solidFill>
               <a:ln w="19050">
                 <a:solidFill>
-                  <a:srgbClr val="FFFFFF"/>
-                </a:solidFill>
-                <a:prstDash val="solid"/>
+                  <a:schemeClr val="lt1"/>
+                </a:solidFill>
               </a:ln>
               <a:effectLst/>
             </c:spPr>
@@ -1823,13 +2531,14 @@
             <c:bubble3D val="0"/>
             <c:spPr>
               <a:solidFill>
-                <a:schemeClr val="accent2"/>
+                <a:schemeClr val="accent1">
+                  <a:lumMod val="75000"/>
+                </a:schemeClr>
               </a:solidFill>
               <a:ln w="19050">
                 <a:solidFill>
-                  <a:srgbClr val="FFFFFF"/>
-                </a:solidFill>
-                <a:prstDash val="solid"/>
+                  <a:schemeClr val="lt1"/>
+                </a:solidFill>
               </a:ln>
               <a:effectLst/>
             </c:spPr>
@@ -1848,9 +2557,8 @@
               </a:solidFill>
               <a:ln w="19050">
                 <a:solidFill>
-                  <a:srgbClr val="FFFFFF"/>
-                </a:solidFill>
-                <a:prstDash val="solid"/>
+                  <a:schemeClr val="lt1"/>
+                </a:solidFill>
               </a:ln>
               <a:effectLst/>
             </c:spPr>
@@ -1869,9 +2577,8 @@
               </a:solidFill>
               <a:ln w="19050">
                 <a:solidFill>
-                  <a:srgbClr val="FFFFFF"/>
-                </a:solidFill>
-                <a:prstDash val="solid"/>
+                  <a:schemeClr val="lt1"/>
+                </a:solidFill>
               </a:ln>
               <a:effectLst/>
             </c:spPr>
@@ -1890,9 +2597,8 @@
               </a:solidFill>
               <a:ln w="19050">
                 <a:solidFill>
-                  <a:srgbClr val="FFFFFF"/>
-                </a:solidFill>
-                <a:prstDash val="solid"/>
+                  <a:schemeClr val="lt1"/>
+                </a:solidFill>
               </a:ln>
               <a:effectLst/>
             </c:spPr>
@@ -1903,6 +2609,216 @@
             </c:extLst>
           </c:dPt>
           <c:dLbls>
+            <c:dLbl>
+              <c:idx val="0"/>
+              <c:tx>
+                <c:rich>
+                  <a:bodyPr/>
+                  <a:lstStyle/>
+                  <a:p>
+                    <a:fld id="{EFA6B086-FB9F-4EFD-AFA4-51C7A98A12BB}" type="CATEGORYNAME">
+                      <a:rPr lang="en-US" smtClean="0"/>
+                      <a:pPr/>
+                      <a:t>[CATEGORY NAME]</a:t>
+                    </a:fld>
+                    <a:r>
+                      <a:rPr lang="en-US" baseline="0"/>
+                      <a:t> </a:t>
+                    </a:r>
+                    <a:fld id="{C31C77B3-422A-4D8E-A65D-6D78924E1EEE}" type="PERCENTAGE">
+                      <a:rPr lang="en-US" baseline="0"/>
+                      <a:pPr/>
+                      <a:t>[PERCENTAGE]</a:t>
+                    </a:fld>
+                    <a:endParaRPr lang="en-US" baseline="0"/>
+                  </a:p>
+                </c:rich>
+              </c:tx>
+              <c:dLblPos val="outEnd"/>
+              <c:showLegendKey val="0"/>
+              <c:showVal val="1"/>
+              <c:showCatName val="1"/>
+              <c:showSerName val="0"/>
+              <c:showPercent val="1"/>
+              <c:showBubbleSize val="0"/>
+              <c:extLst>
+                <c:ext xmlns:c15="http://schemas.microsoft.com/office/drawing/2012/chart" uri="{CE6537A1-D6FC-4f65-9D91-7224C49458BB}">
+                  <c15:dlblFieldTable/>
+                  <c15:showDataLabelsRange val="0"/>
+                </c:ext>
+                <c:ext xmlns:c16="http://schemas.microsoft.com/office/drawing/2014/chart" uri="{C3380CC4-5D6E-409C-BE32-E72D297353CC}">
+                  <c16:uniqueId val="{00000001-4E11-4DF2-9E65-78BF72C1B5AA}"/>
+                </c:ext>
+              </c:extLst>
+            </c:dLbl>
+            <c:dLbl>
+              <c:idx val="1"/>
+              <c:tx>
+                <c:rich>
+                  <a:bodyPr/>
+                  <a:lstStyle/>
+                  <a:p>
+                    <a:fld id="{82CD465C-A699-49E4-A39E-A2CE5D2082A8}" type="CATEGORYNAME">
+                      <a:rPr lang="en-US" smtClean="0"/>
+                      <a:pPr/>
+                      <a:t>[CATEGORY NAME]</a:t>
+                    </a:fld>
+                    <a:r>
+                      <a:rPr lang="en-US"/>
+                      <a:t> </a:t>
+                    </a:r>
+                    <a:fld id="{26D5E899-B792-4C73-8EBF-5FDA984044B1}" type="VALUE">
+                      <a:rPr lang="en-US" baseline="0" smtClean="0"/>
+                      <a:pPr/>
+                      <a:t>[VALUE]</a:t>
+                    </a:fld>
+                    <a:endParaRPr lang="en-US"/>
+                  </a:p>
+                </c:rich>
+              </c:tx>
+              <c:dLblPos val="outEnd"/>
+              <c:showLegendKey val="0"/>
+              <c:showVal val="1"/>
+              <c:showCatName val="1"/>
+              <c:showSerName val="0"/>
+              <c:showPercent val="1"/>
+              <c:showBubbleSize val="0"/>
+              <c:extLst>
+                <c:ext xmlns:c15="http://schemas.microsoft.com/office/drawing/2012/chart" uri="{CE6537A1-D6FC-4f65-9D91-7224C49458BB}">
+                  <c15:dlblFieldTable/>
+                  <c15:showDataLabelsRange val="0"/>
+                </c:ext>
+                <c:ext xmlns:c16="http://schemas.microsoft.com/office/drawing/2014/chart" uri="{C3380CC4-5D6E-409C-BE32-E72D297353CC}">
+                  <c16:uniqueId val="{00000003-4E11-4DF2-9E65-78BF72C1B5AA}"/>
+                </c:ext>
+              </c:extLst>
+            </c:dLbl>
+            <c:dLbl>
+              <c:idx val="2"/>
+              <c:tx>
+                <c:rich>
+                  <a:bodyPr/>
+                  <a:lstStyle/>
+                  <a:p>
+                    <a:fld id="{3086AF4C-9495-49E6-9C59-05292EA3938E}" type="CATEGORYNAME">
+                      <a:rPr lang="en-US" smtClean="0"/>
+                      <a:pPr/>
+                      <a:t>[CATEGORY NAME]</a:t>
+                    </a:fld>
+                    <a:r>
+                      <a:rPr lang="en-US" baseline="0"/>
+                      <a:t> </a:t>
+                    </a:r>
+                    <a:fld id="{6428DBB8-9DE0-497C-8C64-1CF2C3614ECC}" type="VALUE">
+                      <a:rPr lang="en-US" baseline="0" smtClean="0"/>
+                      <a:pPr/>
+                      <a:t>[VALUE]</a:t>
+                    </a:fld>
+                    <a:endParaRPr lang="en-US" baseline="0"/>
+                  </a:p>
+                </c:rich>
+              </c:tx>
+              <c:dLblPos val="outEnd"/>
+              <c:showLegendKey val="0"/>
+              <c:showVal val="1"/>
+              <c:showCatName val="1"/>
+              <c:showSerName val="0"/>
+              <c:showPercent val="1"/>
+              <c:showBubbleSize val="0"/>
+              <c:extLst>
+                <c:ext xmlns:c15="http://schemas.microsoft.com/office/drawing/2012/chart" uri="{CE6537A1-D6FC-4f65-9D91-7224C49458BB}">
+                  <c15:dlblFieldTable/>
+                  <c15:showDataLabelsRange val="0"/>
+                </c:ext>
+                <c:ext xmlns:c16="http://schemas.microsoft.com/office/drawing/2014/chart" uri="{C3380CC4-5D6E-409C-BE32-E72D297353CC}">
+                  <c16:uniqueId val="{00000005-4E11-4DF2-9E65-78BF72C1B5AA}"/>
+                </c:ext>
+              </c:extLst>
+            </c:dLbl>
+            <c:dLbl>
+              <c:idx val="3"/>
+              <c:tx>
+                <c:rich>
+                  <a:bodyPr/>
+                  <a:lstStyle/>
+                  <a:p>
+                    <a:fld id="{6DE0D290-4F72-42B6-ADFE-362FBFC0A554}" type="CATEGORYNAME">
+                      <a:rPr lang="en-US" smtClean="0"/>
+                      <a:pPr/>
+                      <a:t>[CATEGORY NAME]</a:t>
+                    </a:fld>
+                    <a:r>
+                      <a:rPr lang="en-US" baseline="0" dirty="0"/>
+                      <a:t> </a:t>
+                    </a:r>
+                    <a:fld id="{48B2528C-E017-4464-AFF5-5018EEB73683}" type="PERCENTAGE">
+                      <a:rPr lang="en-US" baseline="0" smtClean="0"/>
+                      <a:pPr/>
+                      <a:t>[PERCENTAGE]</a:t>
+                    </a:fld>
+                    <a:endParaRPr lang="en-US" baseline="0" dirty="0"/>
+                  </a:p>
+                </c:rich>
+              </c:tx>
+              <c:dLblPos val="outEnd"/>
+              <c:showLegendKey val="0"/>
+              <c:showVal val="1"/>
+              <c:showCatName val="1"/>
+              <c:showSerName val="0"/>
+              <c:showPercent val="1"/>
+              <c:showBubbleSize val="0"/>
+              <c:extLst>
+                <c:ext xmlns:c15="http://schemas.microsoft.com/office/drawing/2012/chart" uri="{CE6537A1-D6FC-4f65-9D91-7224C49458BB}">
+                  <c15:dlblFieldTable/>
+                  <c15:showDataLabelsRange val="0"/>
+                </c:ext>
+                <c:ext xmlns:c16="http://schemas.microsoft.com/office/drawing/2014/chart" uri="{C3380CC4-5D6E-409C-BE32-E72D297353CC}">
+                  <c16:uniqueId val="{00000007-4E11-4DF2-9E65-78BF72C1B5AA}"/>
+                </c:ext>
+              </c:extLst>
+            </c:dLbl>
+            <c:dLbl>
+              <c:idx val="4"/>
+              <c:tx>
+                <c:rich>
+                  <a:bodyPr/>
+                  <a:lstStyle/>
+                  <a:p>
+                    <a:fld id="{8B4C3148-3A01-4297-AFA0-BCC307C22575}" type="CATEGORYNAME">
+                      <a:rPr lang="en-US" smtClean="0"/>
+                      <a:pPr/>
+                      <a:t>[CATEGORY NAME]</a:t>
+                    </a:fld>
+                    <a:r>
+                      <a:rPr lang="en-US" baseline="0" dirty="0"/>
+                      <a:t> </a:t>
+                    </a:r>
+                    <a:fld id="{06A84006-80C7-49A7-B584-E580FE8A12C4}" type="PERCENTAGE">
+                      <a:rPr lang="en-US" baseline="0" smtClean="0"/>
+                      <a:pPr/>
+                      <a:t>[PERCENTAGE]</a:t>
+                    </a:fld>
+                    <a:endParaRPr lang="en-US" baseline="0" dirty="0"/>
+                  </a:p>
+                </c:rich>
+              </c:tx>
+              <c:dLblPos val="outEnd"/>
+              <c:showLegendKey val="0"/>
+              <c:showVal val="1"/>
+              <c:showCatName val="1"/>
+              <c:showSerName val="0"/>
+              <c:showPercent val="1"/>
+              <c:showBubbleSize val="0"/>
+              <c:extLst>
+                <c:ext xmlns:c15="http://schemas.microsoft.com/office/drawing/2012/chart" uri="{CE6537A1-D6FC-4f65-9D91-7224C49458BB}">
+                  <c15:dlblFieldTable/>
+                  <c15:showDataLabelsRange val="0"/>
+                </c:ext>
+                <c:ext xmlns:c16="http://schemas.microsoft.com/office/drawing/2014/chart" uri="{C3380CC4-5D6E-409C-BE32-E72D297353CC}">
+                  <c16:uniqueId val="{00000009-4E11-4DF2-9E65-78BF72C1B5AA}"/>
+                </c:ext>
+              </c:extLst>
+            </c:dLbl>
             <c:spPr>
               <a:noFill/>
               <a:ln>
@@ -1917,23 +2833,27 @@
               <a:lstStyle/>
               <a:p>
                 <a:pPr>
-                  <a:defRPr sz="1200" b="0" i="0" u="none" strike="noStrike" kern="1200" baseline="0">
+                  <a:defRPr sz="1197" b="0" i="0" u="none" strike="noStrike" kern="1200" baseline="0">
                     <a:solidFill>
-                      <a:srgbClr val="000000"/>
+                      <a:schemeClr val="tx1">
+                        <a:lumMod val="75000"/>
+                        <a:lumOff val="25000"/>
+                      </a:schemeClr>
                     </a:solidFill>
                     <a:latin typeface="+mn-lt"/>
                     <a:ea typeface="+mn-ea"/>
                     <a:cs typeface="+mn-cs"/>
                   </a:defRPr>
                 </a:pPr>
-                <a:endParaRPr lang="en-US"/>
+                <a:endParaRPr lang="en-DE"/>
               </a:p>
             </c:txPr>
+            <c:dLblPos val="outEnd"/>
             <c:showLegendKey val="0"/>
             <c:showVal val="1"/>
-            <c:showCatName val="0"/>
+            <c:showCatName val="1"/>
             <c:showSerName val="0"/>
-            <c:showPercent val="0"/>
+            <c:showPercent val="1"/>
             <c:showBubbleSize val="0"/>
             <c:showLeaderLines val="1"/>
             <c:leaderLines>
@@ -2008,11 +2928,12 @@
           </c:extLst>
         </c:ser>
         <c:dLbls>
+          <c:dLblPos val="outEnd"/>
           <c:showLegendKey val="0"/>
           <c:showVal val="0"/>
           <c:showCatName val="0"/>
           <c:showSerName val="0"/>
-          <c:showPercent val="0"/>
+          <c:showPercent val="1"/>
           <c:showBubbleSize val="0"/>
           <c:showLeaderLines val="1"/>
         </c:dLbls>
@@ -2040,8 +2961,8 @@
         <a:bodyPr rot="0" spcFirstLastPara="1" vertOverflow="ellipsis" vert="horz" wrap="square" anchor="ctr" anchorCtr="1"/>
         <a:lstStyle/>
         <a:p>
-          <a:pPr rtl="0">
-            <a:defRPr sz="1200" b="0" i="0" u="none" strike="noStrike" kern="1200" baseline="0">
+          <a:pPr>
+            <a:defRPr sz="1197" b="0" i="0" u="none" strike="noStrike" kern="1200" baseline="0">
               <a:solidFill>
                 <a:schemeClr val="tx1">
                   <a:lumMod val="65000"/>
@@ -2053,7 +2974,7 @@
               <a:cs typeface="+mn-cs"/>
             </a:defRPr>
           </a:pPr>
-          <a:endParaRPr lang="en-US"/>
+          <a:endParaRPr lang="en-DE"/>
         </a:p>
       </c:txPr>
     </c:legend>
@@ -2075,7 +2996,7 @@
       <a:pPr>
         <a:defRPr/>
       </a:pPr>
-      <a:endParaRPr lang="en-US"/>
+      <a:endParaRPr lang="en-DE"/>
     </a:p>
   </c:txPr>
   <c:externalData r:id="rId3">
@@ -2136,7 +3057,7 @@
         <a:lumOff val="35000"/>
       </a:schemeClr>
     </cs:fontRef>
-    <cs:defRPr sz="1000" kern="1200"/>
+    <cs:defRPr sz="1330" kern="1200"/>
   </cs:axisTitle>
   <cs:categoryAxis>
     <cs:lnRef idx="0"/>
@@ -2159,7 +3080,7 @@
         <a:round/>
       </a:ln>
     </cs:spPr>
-    <cs:defRPr sz="900" kern="1200"/>
+    <cs:defRPr sz="1197" kern="1200"/>
   </cs:categoryAxis>
   <cs:chartArea mods="allowNoFillOverride allowNoLineOverride">
     <cs:lnRef idx="0"/>
@@ -2182,7 +3103,7 @@
         <a:round/>
       </a:ln>
     </cs:spPr>
-    <cs:defRPr sz="900" kern="1200"/>
+    <cs:defRPr sz="1197" kern="1200"/>
   </cs:chartArea>
   <cs:dataLabel>
     <cs:lnRef idx="0"/>
@@ -2194,7 +3115,7 @@
         <a:lumOff val="25000"/>
       </a:schemeClr>
     </cs:fontRef>
-    <cs:defRPr sz="900" kern="1200"/>
+    <cs:defRPr sz="1197" kern="1200"/>
   </cs:dataLabel>
   <cs:dataLabelCallout>
     <cs:lnRef idx="0"/>
@@ -2219,7 +3140,7 @@
         </a:solidFill>
       </a:ln>
     </cs:spPr>
-    <cs:defRPr sz="900" kern="1200"/>
+    <cs:defRPr sz="1197" kern="1200"/>
     <cs:bodyPr rot="0" spcFirstLastPara="1" vertOverflow="clip" horzOverflow="clip" vert="horz" wrap="square" lIns="36576" tIns="18288" rIns="36576" bIns="18288" anchor="ctr" anchorCtr="1">
       <a:spAutoFit/>
     </cs:bodyPr>
@@ -2336,7 +3257,7 @@
         <a:round/>
       </a:ln>
     </cs:spPr>
-    <cs:defRPr sz="900" kern="1200"/>
+    <cs:defRPr sz="1197" kern="1200"/>
   </cs:dataTable>
   <cs:downBar>
     <cs:lnRef idx="0"/>
@@ -2501,7 +3422,7 @@
         <a:lumOff val="35000"/>
       </a:schemeClr>
     </cs:fontRef>
-    <cs:defRPr sz="900" kern="1200"/>
+    <cs:defRPr sz="1197" kern="1200"/>
   </cs:legend>
   <cs:plotArea mods="allowNoFillOverride allowNoLineOverride">
     <cs:lnRef idx="0"/>
@@ -2529,7 +3450,7 @@
         <a:lumOff val="35000"/>
       </a:schemeClr>
     </cs:fontRef>
-    <cs:defRPr sz="900" kern="1200"/>
+    <cs:defRPr sz="1197" kern="1200"/>
   </cs:seriesAxis>
   <cs:seriesLine>
     <cs:lnRef idx="0"/>
@@ -2560,7 +3481,7 @@
         <a:lumOff val="35000"/>
       </a:schemeClr>
     </cs:fontRef>
-    <cs:defRPr sz="1400" b="0" kern="1200" spc="0" baseline="0"/>
+    <cs:defRPr sz="1862" b="0" kern="1200" spc="0" baseline="0"/>
   </cs:title>
   <cs:trendline>
     <cs:lnRef idx="0">
@@ -2590,7 +3511,7 @@
         <a:lumOff val="35000"/>
       </a:schemeClr>
     </cs:fontRef>
-    <cs:defRPr sz="900" kern="1200"/>
+    <cs:defRPr sz="1197" kern="1200"/>
   </cs:trendlineLabel>
   <cs:upBar>
     <cs:lnRef idx="0"/>
@@ -2624,7 +3545,7 @@
         <a:lumOff val="35000"/>
       </a:schemeClr>
     </cs:fontRef>
-    <cs:defRPr sz="900" kern="1200"/>
+    <cs:defRPr sz="1197" kern="1200"/>
   </cs:valueAxis>
   <cs:wall>
     <cs:lnRef idx="0"/>
@@ -2737,7 +3658,7 @@
           <a:p>
             <a:fld id="{F352A77B-D33C-49B3-A83C-450AA2ED72B3}" type="datetimeFigureOut">
               <a:rPr lang="en-US" smtClean="0"/>
-              <a:t>6/27/2024</a:t>
+              <a:t>7/11/2024</a:t>
             </a:fld>
             <a:endParaRPr lang="en-US" dirty="0"/>
           </a:p>
@@ -2914,7 +3835,7 @@
           <a:p>
             <a:fld id="{E38D8F9A-F5CB-4EF8-A859-ED5E107B9763}" type="datetimeFigureOut">
               <a:rPr lang="en-US" smtClean="0"/>
-              <a:t>6/27/2024</a:t>
+              <a:t>7/11/2024</a:t>
             </a:fld>
             <a:endParaRPr lang="en-US" dirty="0"/>
           </a:p>
@@ -3181,6 +4102,90 @@
 </p:notesMaster>
 </file>
 
+<file path=ppt/notesSlides/notesSlide1.xml><?xml version="1.0" encoding="utf-8"?>
+<p:notes xmlns:a="http://schemas.openxmlformats.org/drawingml/2006/main" xmlns:r="http://schemas.openxmlformats.org/officeDocument/2006/relationships" xmlns:p="http://schemas.openxmlformats.org/presentationml/2006/main">
+  <p:cSld>
+    <p:spTree>
+      <p:nvGrpSpPr>
+        <p:cNvPr id="1" name=""/>
+        <p:cNvGrpSpPr/>
+        <p:nvPr/>
+      </p:nvGrpSpPr>
+      <p:grpSpPr>
+        <a:xfrm>
+          <a:off x="0" y="0"/>
+          <a:ext cx="0" cy="0"/>
+          <a:chOff x="0" y="0"/>
+          <a:chExt cx="0" cy="0"/>
+        </a:xfrm>
+      </p:grpSpPr>
+      <p:sp>
+        <p:nvSpPr>
+          <p:cNvPr id="2" name="Slide Image Placeholder 1"/>
+          <p:cNvSpPr>
+            <a:spLocks noGrp="1" noRot="1" noChangeAspect="1"/>
+          </p:cNvSpPr>
+          <p:nvPr>
+            <p:ph type="sldImg"/>
+          </p:nvPr>
+        </p:nvSpPr>
+        <p:spPr/>
+      </p:sp>
+      <p:sp>
+        <p:nvSpPr>
+          <p:cNvPr id="3" name="Notes Placeholder 2"/>
+          <p:cNvSpPr>
+            <a:spLocks noGrp="1"/>
+          </p:cNvSpPr>
+          <p:nvPr>
+            <p:ph type="body" idx="1"/>
+          </p:nvPr>
+        </p:nvSpPr>
+        <p:spPr/>
+        <p:txBody>
+          <a:bodyPr/>
+          <a:lstStyle/>
+          <a:p>
+            <a:endParaRPr lang="en-DE" dirty="0"/>
+          </a:p>
+        </p:txBody>
+      </p:sp>
+      <p:sp>
+        <p:nvSpPr>
+          <p:cNvPr id="4" name="Slide Number Placeholder 3"/>
+          <p:cNvSpPr>
+            <a:spLocks noGrp="1"/>
+          </p:cNvSpPr>
+          <p:nvPr>
+            <p:ph type="sldNum" sz="quarter" idx="5"/>
+          </p:nvPr>
+        </p:nvSpPr>
+        <p:spPr/>
+        <p:txBody>
+          <a:bodyPr/>
+          <a:lstStyle/>
+          <a:p>
+            <a:fld id="{D4B9A9E5-4F7F-4A7D-9DE1-899232329269}" type="slidenum">
+              <a:rPr lang="en-US" smtClean="0"/>
+              <a:t>4</a:t>
+            </a:fld>
+            <a:endParaRPr lang="en-US" dirty="0"/>
+          </a:p>
+        </p:txBody>
+      </p:sp>
+    </p:spTree>
+    <p:extLst>
+      <p:ext uri="{BB962C8B-B14F-4D97-AF65-F5344CB8AC3E}">
+        <p14:creationId xmlns:p14="http://schemas.microsoft.com/office/powerpoint/2010/main" val="737975718"/>
+      </p:ext>
+    </p:extLst>
+  </p:cSld>
+  <p:clrMapOvr>
+    <a:masterClrMapping/>
+  </p:clrMapOvr>
+</p:notes>
+</file>
+
 <file path=ppt/slideLayouts/slideLayout1.xml><?xml version="1.0" encoding="utf-8"?>
 <p:sldLayout xmlns:a="http://schemas.openxmlformats.org/drawingml/2006/main" xmlns:r="http://schemas.openxmlformats.org/officeDocument/2006/relationships" xmlns:p="http://schemas.openxmlformats.org/presentationml/2006/main" type="title" preserve="1">
   <p:cSld name="Title Slide">
@@ -8682,7 +9687,7 @@
           <a:p>
             <a:r>
               <a:rPr lang="en-US" dirty="0"/>
-              <a:t>20XX</a:t>
+              <a:t>July 2024</a:t>
             </a:r>
           </a:p>
         </p:txBody>
@@ -8714,7 +9719,7 @@
           <a:p>
             <a:r>
               <a:rPr lang="en-US" dirty="0"/>
-              <a:t>Pitch Deck</a:t>
+              <a:t>Pursuing a CS PhD in Europe and Germany</a:t>
             </a:r>
           </a:p>
         </p:txBody>
@@ -19804,15 +20809,7 @@
           <a:p>
             <a:r>
               <a:rPr lang="en-US" sz="1800" dirty="0"/>
-              <a:t>Dr. </a:t>
-            </a:r>
-            <a:r>
-              <a:rPr lang="en-US" sz="1800" err="1"/>
-              <a:t>Bijun</a:t>
-            </a:r>
-            <a:r>
-              <a:rPr lang="en-US" sz="1800" dirty="0"/>
-              <a:t> Li</a:t>
+              <a:t>Dr. Bijun Li</a:t>
             </a:r>
           </a:p>
           <a:p>
@@ -19821,7 +20818,7 @@
                 <a:ea typeface="+mn-lt"/>
                 <a:cs typeface="+mn-lt"/>
               </a:rPr>
-              <a:t>June 25, 2024</a:t>
+              <a:t>July 2024</a:t>
             </a:r>
           </a:p>
           <a:p>
@@ -19874,6 +20871,51 @@
           </a:p>
         </p:txBody>
       </p:sp>
+      <p:pic>
+        <p:nvPicPr>
+          <p:cNvPr id="1028" name="Picture 4" descr="Malaysia Students: How to Study Abroad for FREE in Europe? A Dream or  Reality">
+            <a:extLst>
+              <a:ext uri="{FF2B5EF4-FFF2-40B4-BE49-F238E27FC236}">
+                <a16:creationId xmlns:a16="http://schemas.microsoft.com/office/drawing/2014/main" id="{59DDB336-05EE-5040-BE03-F2D83B6432ED}"/>
+              </a:ext>
+            </a:extLst>
+          </p:cNvPr>
+          <p:cNvPicPr>
+            <a:picLocks noChangeAspect="1" noChangeArrowheads="1"/>
+          </p:cNvPicPr>
+          <p:nvPr/>
+        </p:nvPicPr>
+        <p:blipFill rotWithShape="1">
+          <a:blip r:embed="rId2">
+            <a:extLst>
+              <a:ext uri="{28A0092B-C50C-407E-A947-70E740481C1C}">
+                <a14:useLocalDpi xmlns:a14="http://schemas.microsoft.com/office/drawing/2010/main" val="0"/>
+              </a:ext>
+            </a:extLst>
+          </a:blip>
+          <a:srcRect t="42307"/>
+          <a:stretch/>
+        </p:blipFill>
+        <p:spPr bwMode="auto">
+          <a:xfrm>
+            <a:off x="2977756" y="988506"/>
+            <a:ext cx="4729018" cy="2238439"/>
+          </a:xfrm>
+          <a:prstGeom prst="rect">
+            <a:avLst/>
+          </a:prstGeom>
+          <a:noFill/>
+          <a:extLst>
+            <a:ext uri="{909E8E84-426E-40DD-AFC4-6F175D3DCCD1}">
+              <a14:hiddenFill xmlns:a14="http://schemas.microsoft.com/office/drawing/2010/main">
+                <a:solidFill>
+                  <a:srgbClr val="FFFFFF"/>
+                </a:solidFill>
+              </a14:hiddenFill>
+            </a:ext>
+          </a:extLst>
+        </p:spPr>
+      </p:pic>
     </p:spTree>
     <p:extLst>
       <p:ext uri="{BB962C8B-B14F-4D97-AF65-F5344CB8AC3E}">
@@ -19959,7 +21001,7 @@
           <a:p>
             <a:r>
               <a:rPr lang="en-US" dirty="0"/>
-              <a:t>20XX</a:t>
+              <a:t>July 2024</a:t>
             </a:r>
           </a:p>
         </p:txBody>
@@ -19985,9 +21027,14 @@
           <a:bodyPr/>
           <a:lstStyle/>
           <a:p>
+            <a:pPr>
+              <a:spcAft>
+                <a:spcPts val="600"/>
+              </a:spcAft>
+            </a:pPr>
             <a:r>
               <a:rPr lang="en-US" dirty="0"/>
-              <a:t>Pitch Deck</a:t>
+              <a:t>Pursuing a CS PhD in Europe and Germany</a:t>
             </a:r>
           </a:p>
         </p:txBody>
@@ -20040,12 +21087,12 @@
         <p:spPr>
           <a:xfrm>
             <a:off x="838199" y="2136775"/>
-            <a:ext cx="5269523" cy="2495673"/>
+            <a:ext cx="5269523" cy="3174134"/>
           </a:xfrm>
         </p:spPr>
         <p:txBody>
           <a:bodyPr vert="horz" lIns="91440" tIns="45720" rIns="91440" bIns="45720" rtlCol="0" anchor="t">
-            <a:normAutofit fontScale="92500" lnSpcReduction="20000"/>
+            <a:normAutofit fontScale="92500" lnSpcReduction="10000"/>
           </a:bodyPr>
           <a:lstStyle/>
           <a:p>
@@ -20053,7 +21100,7 @@
               <a:buNone/>
             </a:pPr>
             <a:r>
-              <a:rPr lang="en-US" dirty="0">
+              <a:rPr lang="en-US" sz="2600" dirty="0">
                 <a:ea typeface="+mn-lt"/>
                 <a:cs typeface="+mn-lt"/>
               </a:rPr>
@@ -20061,54 +21108,94 @@
             </a:r>
           </a:p>
           <a:p>
-            <a:pPr>
-              <a:buNone/>
-            </a:pPr>
-            <a:r>
-              <a:rPr lang="en-US" dirty="0">
+            <a:r>
+              <a:rPr lang="en-US" sz="1900" dirty="0">
                 <a:ea typeface="+mn-lt"/>
                 <a:cs typeface="+mn-lt"/>
               </a:rPr>
-              <a:t>• Traditional model</a:t>
-            </a:r>
-          </a:p>
-          <a:p>
-            <a:pPr>
-              <a:buNone/>
-            </a:pPr>
-            <a:r>
-              <a:rPr lang="en-US" dirty="0">
+              <a:t>Traditional and most common model</a:t>
+            </a:r>
+            <a:endParaRPr lang="en-US" altLang="zh-CN" sz="1900" dirty="0">
+              <a:ea typeface="+mn-lt"/>
+              <a:cs typeface="+mn-lt"/>
+            </a:endParaRPr>
+          </a:p>
+          <a:p>
+            <a:r>
+              <a:rPr lang="en-US" sz="1900" dirty="0">
                 <a:ea typeface="+mn-lt"/>
                 <a:cs typeface="+mn-lt"/>
               </a:rPr>
-              <a:t>• More flexible structure</a:t>
-            </a:r>
-          </a:p>
-          <a:p>
-            <a:pPr>
-              <a:buNone/>
-            </a:pPr>
-            <a:r>
-              <a:rPr lang="en-US" dirty="0">
+              <a:t>Focus on independent research under a supervisor</a:t>
+            </a:r>
+            <a:endParaRPr lang="en-US" sz="1900" dirty="0"/>
+          </a:p>
+          <a:p>
+            <a:r>
+              <a:rPr lang="en-US" sz="1900" dirty="0">
                 <a:ea typeface="+mn-lt"/>
                 <a:cs typeface="+mn-lt"/>
               </a:rPr>
-              <a:t>• Focus on independent research</a:t>
-            </a:r>
-            <a:endParaRPr lang="en-US" dirty="0"/>
-          </a:p>
-          <a:p>
-            <a:pPr>
-              <a:buNone/>
-            </a:pPr>
-            <a:r>
-              <a:rPr lang="en-US" dirty="0">
+              <a:t>Often tied to research assistant (</a:t>
+            </a:r>
+            <a:r>
+              <a:rPr lang="en-US" sz="1900" dirty="0" err="1">
                 <a:ea typeface="+mn-lt"/>
                 <a:cs typeface="+mn-lt"/>
               </a:rPr>
-              <a:t>• Often tied to research assistant positions</a:t>
-            </a:r>
-            <a:endParaRPr lang="en-US" dirty="0"/>
+              <a:t>wissenschaftlicher</a:t>
+            </a:r>
+            <a:r>
+              <a:rPr lang="en-US" sz="1900" dirty="0">
+                <a:ea typeface="+mn-lt"/>
+                <a:cs typeface="+mn-lt"/>
+              </a:rPr>
+              <a:t> Mitarbeiter)  positions</a:t>
+            </a:r>
+          </a:p>
+          <a:p>
+            <a:r>
+              <a:rPr lang="en-US" sz="1900" dirty="0"/>
+              <a:t>Employed by the university, full employee benefits (</a:t>
+            </a:r>
+            <a:r>
+              <a:rPr lang="en-US" sz="1900" dirty="0" err="1"/>
+              <a:t>öffentliche</a:t>
+            </a:r>
+            <a:r>
+              <a:rPr lang="en-US" sz="1900" dirty="0"/>
+              <a:t> </a:t>
+            </a:r>
+            <a:r>
+              <a:rPr lang="en-US" sz="1900" dirty="0" err="1"/>
+              <a:t>Dienst</a:t>
+            </a:r>
+            <a:r>
+              <a:rPr lang="en-US" sz="1900" dirty="0"/>
+              <a:t>)</a:t>
+            </a:r>
+          </a:p>
+          <a:p>
+            <a:r>
+              <a:rPr lang="en-US" sz="1900" dirty="0">
+                <a:ea typeface="+mn-lt"/>
+                <a:cs typeface="+mn-lt"/>
+              </a:rPr>
+              <a:t>No formal coursework</a:t>
+            </a:r>
+          </a:p>
+          <a:p>
+            <a:r>
+              <a:rPr lang="en-US" sz="1900" dirty="0">
+                <a:ea typeface="+mn-lt"/>
+                <a:cs typeface="+mn-lt"/>
+              </a:rPr>
+              <a:t>Includes teaching </a:t>
+            </a:r>
+            <a:r>
+              <a:rPr lang="en-US" sz="1900" dirty="0"/>
+              <a:t>and administrative duties</a:t>
+            </a:r>
           </a:p>
         </p:txBody>
       </p:sp>
@@ -20137,7 +21224,7 @@
         </p:spPr>
         <p:txBody>
           <a:bodyPr vert="horz" lIns="91440" tIns="45720" rIns="91440" bIns="45720" rtlCol="0" anchor="t">
-            <a:normAutofit fontScale="92500" lnSpcReduction="20000"/>
+            <a:normAutofit/>
           </a:bodyPr>
           <a:lstStyle>
             <a:lvl1pPr marL="228600" indent="-228600" algn="l" defTabSz="914400" rtl="0" eaLnBrk="1" latinLnBrk="0" hangingPunct="1">
@@ -20324,7 +21411,7 @@
               <a:buNone/>
             </a:pPr>
             <a:r>
-              <a:rPr lang="en-US" dirty="0">
+              <a:rPr lang="en-US" sz="2400" dirty="0">
                 <a:ea typeface="+mn-lt"/>
                 <a:cs typeface="+mn-lt"/>
               </a:rPr>
@@ -20332,126 +21419,61 @@
             </a:r>
           </a:p>
           <a:p>
-            <a:pPr>
-              <a:buFont typeface="Arial" panose="020B0604020202020204" pitchFamily="34" charset="0"/>
-              <a:buNone/>
-            </a:pPr>
-            <a:r>
-              <a:rPr lang="en-US" dirty="0">
+            <a:r>
+              <a:rPr lang="en-US" sz="1800" dirty="0">
                 <a:ea typeface="+mn-lt"/>
                 <a:cs typeface="+mn-lt"/>
               </a:rPr>
-              <a:t>• More formal curriculum</a:t>
-            </a:r>
-            <a:endParaRPr lang="en-US" dirty="0"/>
-          </a:p>
-          <a:p>
-            <a:pPr>
-              <a:buFont typeface="Arial" panose="020B0604020202020204" pitchFamily="34" charset="0"/>
-              <a:buNone/>
-            </a:pPr>
-            <a:r>
-              <a:rPr lang="en-US" dirty="0">
+              <a:t>More formalized, similar to US/UK model</a:t>
+            </a:r>
+            <a:endParaRPr lang="en-US" sz="1800" dirty="0"/>
+          </a:p>
+          <a:p>
+            <a:r>
+              <a:rPr lang="en-US" sz="1800" dirty="0">
                 <a:ea typeface="+mn-lt"/>
                 <a:cs typeface="+mn-lt"/>
               </a:rPr>
-              <a:t>• Includes coursework</a:t>
-            </a:r>
-          </a:p>
-          <a:p>
-            <a:pPr>
-              <a:buNone/>
-            </a:pPr>
-            <a:r>
-              <a:rPr lang="en-US" dirty="0">
+              <a:t>Includes coursework</a:t>
+            </a:r>
+          </a:p>
+          <a:p>
+            <a:r>
+              <a:rPr lang="en-US" sz="1800" dirty="0">
                 <a:ea typeface="+mn-lt"/>
                 <a:cs typeface="+mn-lt"/>
               </a:rPr>
-              <a:t>• Often interdisciplinary</a:t>
-            </a:r>
-          </a:p>
-          <a:p>
-            <a:pPr>
-              <a:buNone/>
-            </a:pPr>
-            <a:r>
-              <a:rPr lang="en-US" dirty="0">
+              <a:t>Often interdisciplinary</a:t>
+            </a:r>
+          </a:p>
+          <a:p>
+            <a:r>
+              <a:rPr lang="en-US" sz="1800" dirty="0">
                 <a:ea typeface="+mn-lt"/>
                 <a:cs typeface="+mn-lt"/>
               </a:rPr>
-              <a:t>• May offer more networking opportunities</a:t>
-            </a:r>
-            <a:endParaRPr lang="en-US"/>
-          </a:p>
-        </p:txBody>
-      </p:sp>
-      <p:sp>
-        <p:nvSpPr>
-          <p:cNvPr id="9" name="TextBox 8">
-            <a:extLst>
-              <a:ext uri="{FF2B5EF4-FFF2-40B4-BE49-F238E27FC236}">
-                <a16:creationId xmlns:a16="http://schemas.microsoft.com/office/drawing/2014/main" id="{F620B41E-97A0-1F94-3C24-AB47D053A841}"/>
-              </a:ext>
-            </a:extLst>
-          </p:cNvPr>
-          <p:cNvSpPr txBox="1"/>
-          <p:nvPr/>
-        </p:nvSpPr>
-        <p:spPr>
-          <a:xfrm>
-            <a:off x="4531945" y="4623288"/>
-            <a:ext cx="6572736" cy="1200329"/>
-          </a:xfrm>
-          <a:prstGeom prst="rect">
-            <a:avLst/>
-          </a:prstGeom>
-          <a:noFill/>
-        </p:spPr>
-        <p:txBody>
-          <a:bodyPr rot="0" spcFirstLastPara="0" vertOverflow="overflow" horzOverflow="overflow" vert="horz" wrap="square" lIns="91440" tIns="45720" rIns="91440" bIns="45720" numCol="1" spcCol="0" rtlCol="0" fromWordArt="0" anchor="t" anchorCtr="0" forceAA="0" compatLnSpc="1">
-            <a:prstTxWarp prst="textNoShape">
-              <a:avLst/>
-            </a:prstTxWarp>
-            <a:spAutoFit/>
-          </a:bodyPr>
-          <a:lstStyle/>
-          <a:p>
-            <a:r>
-              <a:rPr lang="en-US" dirty="0">
+              <a:t>May offer more networking opportunities</a:t>
+            </a:r>
+          </a:p>
+          <a:p>
+            <a:r>
+              <a:rPr lang="en-US" sz="1800" dirty="0">
                 <a:ea typeface="+mn-lt"/>
                 <a:cs typeface="+mn-lt"/>
               </a:rPr>
-              <a:t>Choose Based On</a:t>
-            </a:r>
-          </a:p>
-          <a:p>
-            <a:r>
-              <a:rPr lang="en-US" dirty="0">
-                <a:ea typeface="+mn-lt"/>
-                <a:cs typeface="+mn-lt"/>
-              </a:rPr>
-              <a:t>• Your research goals</a:t>
-            </a:r>
-            <a:endParaRPr lang="en-US" dirty="0"/>
-          </a:p>
-          <a:p>
-            <a:r>
-              <a:rPr lang="en-US" dirty="0">
-                <a:ea typeface="+mn-lt"/>
-                <a:cs typeface="+mn-lt"/>
-              </a:rPr>
-              <a:t>• Preferred work style</a:t>
-            </a:r>
-            <a:endParaRPr lang="en-US" dirty="0"/>
-          </a:p>
-          <a:p>
-            <a:r>
-              <a:rPr lang="en-US" dirty="0">
-                <a:ea typeface="+mn-lt"/>
-                <a:cs typeface="+mn-lt"/>
-              </a:rPr>
-              <a:t>• Career aspirations</a:t>
-            </a:r>
+              <a:t>Receives university fundings or scholarships</a:t>
+            </a:r>
+          </a:p>
+          <a:p>
+            <a:endParaRPr lang="en-US" dirty="0">
+              <a:ea typeface="+mn-lt"/>
+              <a:cs typeface="+mn-lt"/>
+            </a:endParaRPr>
+          </a:p>
+          <a:p>
+            <a:pPr>
+              <a:buNone/>
+            </a:pPr>
             <a:endParaRPr lang="en-US" dirty="0"/>
           </a:p>
         </p:txBody>
@@ -20540,7 +21562,7 @@
           <a:p>
             <a:r>
               <a:rPr lang="en-US" dirty="0"/>
-              <a:t>20XX</a:t>
+              <a:t>July 2024</a:t>
             </a:r>
           </a:p>
         </p:txBody>
@@ -20566,9 +21588,14 @@
           <a:bodyPr/>
           <a:lstStyle/>
           <a:p>
+            <a:pPr>
+              <a:spcAft>
+                <a:spcPts val="600"/>
+              </a:spcAft>
+            </a:pPr>
             <a:r>
               <a:rPr lang="en-US" dirty="0"/>
-              <a:t>Pitch Deck</a:t>
+              <a:t>Pursuing a CS PhD in Europe and Germany</a:t>
             </a:r>
           </a:p>
         </p:txBody>
@@ -20621,128 +21648,127 @@
         <p:spPr/>
         <p:txBody>
           <a:bodyPr vert="horz" lIns="91440" tIns="45720" rIns="91440" bIns="45720" rtlCol="0" anchor="t">
-            <a:normAutofit fontScale="85000" lnSpcReduction="20000"/>
+            <a:normAutofit/>
           </a:bodyPr>
           <a:lstStyle/>
           <a:p>
-            <a:pPr>
-              <a:buNone/>
-            </a:pPr>
-            <a:r>
-              <a:rPr lang="en-US">
-                <a:ea typeface="+mn-lt"/>
-                <a:cs typeface="+mn-lt"/>
-              </a:rPr>
-              <a:t>• University websites and job boards</a:t>
-            </a:r>
-            <a:endParaRPr lang="en-US"/>
-          </a:p>
-          <a:p>
-            <a:pPr>
-              <a:buNone/>
-            </a:pPr>
-            <a:r>
-              <a:rPr lang="en-US">
-                <a:ea typeface="+mn-lt"/>
-                <a:cs typeface="+mn-lt"/>
-              </a:rPr>
-              <a:t>• Online academic job portals</a:t>
-            </a:r>
-            <a:endParaRPr lang="en-US"/>
-          </a:p>
-          <a:p>
-            <a:pPr>
-              <a:buNone/>
-            </a:pPr>
             <a:r>
               <a:rPr lang="en-US" dirty="0">
                 <a:ea typeface="+mn-lt"/>
                 <a:cs typeface="+mn-lt"/>
               </a:rPr>
-              <a:t>• academics.de</a:t>
+              <a:t>University websites and job boards</a:t>
             </a:r>
             <a:endParaRPr lang="en-US" dirty="0"/>
           </a:p>
           <a:p>
-            <a:pPr>
-              <a:buNone/>
-            </a:pPr>
             <a:r>
               <a:rPr lang="en-US" dirty="0">
                 <a:ea typeface="+mn-lt"/>
                 <a:cs typeface="+mn-lt"/>
               </a:rPr>
-              <a:t>• euraxess.ec.europa.eu</a:t>
+              <a:t>Online academic job portals</a:t>
             </a:r>
             <a:endParaRPr lang="en-US" dirty="0"/>
           </a:p>
           <a:p>
-            <a:pPr>
-              <a:buNone/>
-            </a:pPr>
+            <a:pPr lvl="1"/>
+            <a:r>
+              <a:rPr lang="en-US" dirty="0">
+                <a:ea typeface="+mn-lt"/>
+                <a:cs typeface="+mn-lt"/>
+                <a:hlinkClick r:id="rId2"/>
+              </a:rPr>
+              <a:t>academics.de</a:t>
+            </a:r>
+            <a:endParaRPr lang="en-US" dirty="0">
+              <a:ea typeface="+mn-lt"/>
+              <a:cs typeface="+mn-lt"/>
+            </a:endParaRPr>
+          </a:p>
+          <a:p>
+            <a:pPr lvl="1"/>
+            <a:r>
+              <a:rPr lang="en-US" dirty="0">
+                <a:ea typeface="+mn-lt"/>
+                <a:cs typeface="+mn-lt"/>
+                <a:hlinkClick r:id="rId3"/>
+              </a:rPr>
+              <a:t>phdgermany.de</a:t>
+            </a:r>
+            <a:endParaRPr lang="en-US" dirty="0">
+              <a:ea typeface="+mn-lt"/>
+              <a:cs typeface="+mn-lt"/>
+            </a:endParaRPr>
+          </a:p>
+          <a:p>
+            <a:pPr lvl="1"/>
+            <a:r>
+              <a:rPr lang="en-US" dirty="0">
+                <a:hlinkClick r:id="rId4"/>
+              </a:rPr>
+              <a:t>daad.de/</a:t>
+            </a:r>
+            <a:r>
+              <a:rPr lang="en-US" dirty="0" err="1">
+                <a:hlinkClick r:id="rId4"/>
+              </a:rPr>
+              <a:t>idp</a:t>
+            </a:r>
+            <a:endParaRPr lang="en-US" dirty="0"/>
+          </a:p>
+          <a:p>
+            <a:pPr lvl="1"/>
+            <a:r>
+              <a:rPr lang="en-US" dirty="0">
+                <a:hlinkClick r:id="rId5"/>
+              </a:rPr>
+              <a:t>funding-guide.de</a:t>
+            </a:r>
+            <a:endParaRPr lang="en-US" dirty="0"/>
+          </a:p>
+          <a:p>
             <a:r>
               <a:rPr lang="en-US" dirty="0">
                 <a:ea typeface="+mn-lt"/>
                 <a:cs typeface="+mn-lt"/>
               </a:rPr>
-              <a:t>• jobs.ac.uk</a:t>
+              <a:t>CS conferences and workshops</a:t>
             </a:r>
             <a:endParaRPr lang="en-US" dirty="0"/>
           </a:p>
-          <a:p>
-            <a:pPr>
-              <a:buNone/>
-            </a:pPr>
-            <a:r>
-              <a:rPr lang="en-US" dirty="0">
-                <a:ea typeface="+mn-lt"/>
-                <a:cs typeface="+mn-lt"/>
-              </a:rPr>
-              <a:t>• Research institute openings</a:t>
-            </a:r>
-            <a:endParaRPr lang="en-US" dirty="0"/>
-          </a:p>
-          <a:p>
-            <a:pPr>
-              <a:buNone/>
-            </a:pPr>
-            <a:r>
-              <a:rPr lang="en-US" dirty="0">
-                <a:ea typeface="+mn-lt"/>
-                <a:cs typeface="+mn-lt"/>
-              </a:rPr>
-              <a:t>• Professional networks (LinkedIn, ResearchGate)</a:t>
-            </a:r>
-            <a:endParaRPr lang="en-US" dirty="0"/>
-          </a:p>
-          <a:p>
-            <a:pPr>
-              <a:buNone/>
-            </a:pPr>
-            <a:r>
-              <a:rPr lang="en-US" dirty="0">
-                <a:ea typeface="+mn-lt"/>
-                <a:cs typeface="+mn-lt"/>
-              </a:rPr>
-              <a:t>• CS conferences and workshops</a:t>
-            </a:r>
-            <a:endParaRPr lang="en-US" dirty="0"/>
-          </a:p>
-          <a:p>
-            <a:pPr marL="0" indent="0">
-              <a:buNone/>
-            </a:pPr>
-            <a:r>
-              <a:rPr lang="en-US" dirty="0">
-                <a:ea typeface="+mn-lt"/>
-                <a:cs typeface="+mn-lt"/>
-              </a:rPr>
-              <a:t>Tip: Set up job alerts on these platforms to stay updated on new openings</a:t>
-            </a:r>
-            <a:endParaRPr lang="en-US" dirty="0"/>
-          </a:p>
-        </p:txBody>
-      </p:sp>
+        </p:txBody>
+      </p:sp>
+      <p:pic>
+        <p:nvPicPr>
+          <p:cNvPr id="8" name="Picture 7">
+            <a:extLst>
+              <a:ext uri="{FF2B5EF4-FFF2-40B4-BE49-F238E27FC236}">
+                <a16:creationId xmlns:a16="http://schemas.microsoft.com/office/drawing/2014/main" id="{A079A42D-BEDC-4156-8DFF-12012618C930}"/>
+              </a:ext>
+            </a:extLst>
+          </p:cNvPr>
+          <p:cNvPicPr>
+            <a:picLocks noChangeAspect="1"/>
+          </p:cNvPicPr>
+          <p:nvPr/>
+        </p:nvPicPr>
+        <p:blipFill>
+          <a:blip r:embed="rId6"/>
+          <a:stretch>
+            <a:fillRect/>
+          </a:stretch>
+        </p:blipFill>
+        <p:spPr>
+          <a:xfrm>
+            <a:off x="7465635" y="1948872"/>
+            <a:ext cx="3645923" cy="3580599"/>
+          </a:xfrm>
+          <a:prstGeom prst="rect">
+            <a:avLst/>
+          </a:prstGeom>
+        </p:spPr>
+      </p:pic>
     </p:spTree>
     <p:extLst>
       <p:ext uri="{BB962C8B-B14F-4D97-AF65-F5344CB8AC3E}">
@@ -20828,7 +21854,7 @@
           <a:p>
             <a:r>
               <a:rPr lang="en-US" dirty="0"/>
-              <a:t>20XX</a:t>
+              <a:t>July 2024</a:t>
             </a:r>
           </a:p>
         </p:txBody>
@@ -20854,9 +21880,14 @@
           <a:bodyPr/>
           <a:lstStyle/>
           <a:p>
+            <a:pPr>
+              <a:spcAft>
+                <a:spcPts val="600"/>
+              </a:spcAft>
+            </a:pPr>
             <a:r>
               <a:rPr lang="en-US" dirty="0"/>
-              <a:t>Pitch Deck</a:t>
+              <a:t>Pursuing a CS PhD in Europe and Germany</a:t>
             </a:r>
           </a:p>
         </p:txBody>
@@ -20908,13 +21939,13 @@
         </p:nvSpPr>
         <p:spPr>
           <a:xfrm>
-            <a:off x="838199" y="2136775"/>
-            <a:ext cx="4761523" cy="3697288"/>
+            <a:off x="1018132" y="2105973"/>
+            <a:ext cx="4761523" cy="1631661"/>
           </a:xfrm>
         </p:spPr>
         <p:txBody>
           <a:bodyPr vert="horz" lIns="91440" tIns="45720" rIns="91440" bIns="45720" rtlCol="0" anchor="t">
-            <a:normAutofit fontScale="77500" lnSpcReduction="20000"/>
+            <a:normAutofit fontScale="55000" lnSpcReduction="20000"/>
           </a:bodyPr>
           <a:lstStyle/>
           <a:p>
@@ -20922,129 +21953,52 @@
               <a:buNone/>
             </a:pPr>
             <a:r>
-              <a:rPr lang="en-US" dirty="0">
+              <a:rPr lang="en-US" sz="3600" dirty="0">
                 <a:ea typeface="+mn-lt"/>
                 <a:cs typeface="+mn-lt"/>
               </a:rPr>
               <a:t>CV/Resume</a:t>
             </a:r>
-            <a:endParaRPr lang="en-US" dirty="0"/>
-          </a:p>
-          <a:p>
-            <a:pPr>
-              <a:buNone/>
-            </a:pPr>
-            <a:r>
-              <a:rPr lang="en-US" dirty="0">
+            <a:endParaRPr lang="en-US" sz="3600" dirty="0"/>
+          </a:p>
+          <a:p>
+            <a:r>
+              <a:rPr lang="en-US" sz="3200" dirty="0">
                 <a:ea typeface="+mn-lt"/>
                 <a:cs typeface="+mn-lt"/>
               </a:rPr>
-              <a:t>• Academic background</a:t>
-            </a:r>
-          </a:p>
-          <a:p>
-            <a:pPr>
-              <a:buNone/>
-            </a:pPr>
-            <a:r>
-              <a:rPr lang="en-US" dirty="0">
+              <a:t>Academic background</a:t>
+            </a:r>
+          </a:p>
+          <a:p>
+            <a:r>
+              <a:rPr lang="en-US" sz="3200" dirty="0">
                 <a:ea typeface="+mn-lt"/>
                 <a:cs typeface="+mn-lt"/>
               </a:rPr>
-              <a:t>• Research experience</a:t>
-            </a:r>
-            <a:endParaRPr lang="en-US" dirty="0"/>
-          </a:p>
-          <a:p>
-            <a:pPr>
-              <a:buNone/>
-            </a:pPr>
-            <a:r>
-              <a:rPr lang="en-US" dirty="0">
+              <a:t>Research experience</a:t>
+            </a:r>
+            <a:endParaRPr lang="en-US" sz="3200" dirty="0"/>
+          </a:p>
+          <a:p>
+            <a:r>
+              <a:rPr lang="en-US" sz="3200" dirty="0">
                 <a:ea typeface="+mn-lt"/>
                 <a:cs typeface="+mn-lt"/>
               </a:rPr>
-              <a:t>• Technical skills</a:t>
-            </a:r>
-            <a:endParaRPr lang="en-US" dirty="0"/>
-          </a:p>
-          <a:p>
-            <a:pPr>
-              <a:buNone/>
-            </a:pPr>
-            <a:r>
-              <a:rPr lang="en-US" dirty="0">
+              <a:t>Technical skills</a:t>
+            </a:r>
+            <a:endParaRPr lang="en-US" sz="3200" dirty="0"/>
+          </a:p>
+          <a:p>
+            <a:r>
+              <a:rPr lang="en-US" sz="3200" dirty="0">
                 <a:ea typeface="+mn-lt"/>
                 <a:cs typeface="+mn-lt"/>
               </a:rPr>
-              <a:t>• Publications/presentations</a:t>
-            </a:r>
-            <a:endParaRPr lang="en-US" dirty="0"/>
-          </a:p>
-          <a:p>
-            <a:pPr>
-              <a:buNone/>
-            </a:pPr>
-            <a:r>
-              <a:rPr lang="en-US" dirty="0">
-                <a:ea typeface="+mn-lt"/>
-                <a:cs typeface="+mn-lt"/>
-              </a:rPr>
-              <a:t>Research Proposal</a:t>
-            </a:r>
-            <a:endParaRPr lang="en-US" dirty="0"/>
-          </a:p>
-          <a:p>
-            <a:pPr>
-              <a:buNone/>
-            </a:pPr>
-            <a:r>
-              <a:rPr lang="en-US" dirty="0">
-                <a:ea typeface="+mn-lt"/>
-                <a:cs typeface="+mn-lt"/>
-              </a:rPr>
-              <a:t>• Clear research question</a:t>
-            </a:r>
-            <a:endParaRPr lang="en-US" dirty="0"/>
-          </a:p>
-          <a:p>
-            <a:pPr>
-              <a:buNone/>
-            </a:pPr>
-            <a:r>
-              <a:rPr lang="en-US" dirty="0">
-                <a:ea typeface="+mn-lt"/>
-                <a:cs typeface="+mn-lt"/>
-              </a:rPr>
-              <a:t>• Methodology</a:t>
-            </a:r>
-            <a:endParaRPr lang="en-US" dirty="0"/>
-          </a:p>
-          <a:p>
-            <a:pPr>
-              <a:buNone/>
-            </a:pPr>
-            <a:r>
-              <a:rPr lang="en-US" dirty="0">
-                <a:ea typeface="+mn-lt"/>
-                <a:cs typeface="+mn-lt"/>
-              </a:rPr>
-              <a:t>• Potential impact</a:t>
-            </a:r>
-            <a:endParaRPr lang="en-US" dirty="0"/>
-          </a:p>
-          <a:p>
-            <a:pPr marL="0" indent="0">
-              <a:buNone/>
-            </a:pPr>
-            <a:r>
-              <a:rPr lang="en-US" dirty="0">
-                <a:ea typeface="+mn-lt"/>
-                <a:cs typeface="+mn-lt"/>
-              </a:rPr>
-              <a:t>• Alignment with supervisor/program</a:t>
-            </a:r>
-            <a:endParaRPr lang="en-US" dirty="0"/>
+              <a:t>Publications/presentations</a:t>
+            </a:r>
+            <a:endParaRPr lang="en-US" sz="3200" dirty="0"/>
           </a:p>
         </p:txBody>
       </p:sp>
@@ -21064,8 +22018,8 @@
         </p:nvSpPr>
         <p:spPr>
           <a:xfrm>
-            <a:off x="6588368" y="2123098"/>
-            <a:ext cx="4761523" cy="3697288"/>
+            <a:off x="6592277" y="4433709"/>
+            <a:ext cx="4761523" cy="1103010"/>
           </a:xfrm>
           <a:prstGeom prst="rect">
             <a:avLst/>
@@ -21073,7 +22027,7 @@
         </p:spPr>
         <p:txBody>
           <a:bodyPr vert="horz" lIns="91440" tIns="45720" rIns="91440" bIns="45720" rtlCol="0" anchor="t">
-            <a:normAutofit fontScale="92500" lnSpcReduction="20000"/>
+            <a:normAutofit fontScale="77500" lnSpcReduction="20000"/>
           </a:bodyPr>
           <a:lstStyle>
             <a:lvl1pPr marL="228600" indent="-228600" algn="l" defTabSz="914400" rtl="0" eaLnBrk="1" latinLnBrk="0" hangingPunct="1">
@@ -21260,109 +22214,423 @@
               <a:buNone/>
             </a:pPr>
             <a:r>
-              <a:rPr lang="en-US" dirty="0">
+              <a:rPr lang="en-US" sz="2600" dirty="0">
                 <a:ea typeface="+mn-lt"/>
                 <a:cs typeface="+mn-lt"/>
               </a:rPr>
-              <a:t>Letters of Recommendation</a:t>
-            </a:r>
-            <a:endParaRPr lang="en-US" dirty="0"/>
-          </a:p>
-          <a:p>
-            <a:pPr>
-              <a:buNone/>
-            </a:pPr>
-            <a:r>
-              <a:rPr lang="en-US" sz="2700" dirty="0">
-                <a:ea typeface="+mn-lt"/>
-                <a:cs typeface="+mn-lt"/>
-              </a:rPr>
-              <a:t>• </a:t>
-            </a:r>
-            <a:r>
-              <a:rPr lang="en-US" dirty="0">
+              <a:t>Letters of Recommendation (optional)</a:t>
+            </a:r>
+            <a:endParaRPr lang="en-US" sz="2600" dirty="0"/>
+          </a:p>
+          <a:p>
+            <a:r>
+              <a:rPr lang="en-US" sz="2300" dirty="0">
                 <a:ea typeface="+mn-lt"/>
                 <a:cs typeface="+mn-lt"/>
               </a:rPr>
               <a:t>From academic/research supervisors</a:t>
             </a:r>
-            <a:endParaRPr lang="en-US" dirty="0"/>
-          </a:p>
-          <a:p>
-            <a:pPr>
-              <a:buNone/>
-            </a:pPr>
-            <a:r>
-              <a:rPr lang="en-US" dirty="0">
+            <a:endParaRPr lang="en-US" sz="2300" dirty="0"/>
+          </a:p>
+          <a:p>
+            <a:r>
+              <a:rPr lang="en-US" sz="2300" dirty="0">
                 <a:ea typeface="+mn-lt"/>
                 <a:cs typeface="+mn-lt"/>
               </a:rPr>
-              <a:t>• Highlighting research potential</a:t>
-            </a:r>
-            <a:endParaRPr lang="en-US" dirty="0"/>
+              <a:t>Highlighting research potential</a:t>
+            </a:r>
+            <a:endParaRPr lang="en-US" sz="2300" dirty="0"/>
           </a:p>
           <a:p>
             <a:pPr>
               <a:buFont typeface="Arial" panose="020B0604020202020204" pitchFamily="34" charset="0"/>
               <a:buNone/>
             </a:pPr>
-            <a:r>
-              <a:rPr lang="en-US" dirty="0">
+            <a:endParaRPr lang="en-US" dirty="0"/>
+          </a:p>
+        </p:txBody>
+      </p:sp>
+      <p:sp>
+        <p:nvSpPr>
+          <p:cNvPr id="7" name="Content Placeholder 5">
+            <a:extLst>
+              <a:ext uri="{FF2B5EF4-FFF2-40B4-BE49-F238E27FC236}">
+                <a16:creationId xmlns:a16="http://schemas.microsoft.com/office/drawing/2014/main" id="{0C6E6457-8B48-6F8A-3E42-6B97DFB2F57D}"/>
+              </a:ext>
+            </a:extLst>
+          </p:cNvPr>
+          <p:cNvSpPr txBox="1">
+            <a:spLocks/>
+          </p:cNvSpPr>
+          <p:nvPr/>
+        </p:nvSpPr>
+        <p:spPr>
+          <a:xfrm>
+            <a:off x="1018132" y="4433709"/>
+            <a:ext cx="4761523" cy="1922641"/>
+          </a:xfrm>
+          <a:prstGeom prst="rect">
+            <a:avLst/>
+          </a:prstGeom>
+        </p:spPr>
+        <p:txBody>
+          <a:bodyPr vert="horz" lIns="91440" tIns="45720" rIns="91440" bIns="45720" rtlCol="0" anchor="t">
+            <a:normAutofit fontScale="25000" lnSpcReduction="20000"/>
+          </a:bodyPr>
+          <a:lstStyle>
+            <a:lvl1pPr marL="228600" indent="-228600" algn="l" defTabSz="914400" rtl="0" eaLnBrk="1" latinLnBrk="0" hangingPunct="1">
+              <a:lnSpc>
+                <a:spcPct val="90000"/>
+              </a:lnSpc>
+              <a:spcBef>
+                <a:spcPts val="1000"/>
+              </a:spcBef>
+              <a:buFont typeface="Arial" panose="020B0604020202020204" pitchFamily="34" charset="0"/>
+              <a:buChar char="•"/>
+              <a:defRPr sz="2800" kern="1200">
+                <a:solidFill>
+                  <a:schemeClr val="tx1">
+                    <a:lumMod val="75000"/>
+                    <a:lumOff val="25000"/>
+                  </a:schemeClr>
+                </a:solidFill>
+                <a:latin typeface="+mn-lt"/>
+                <a:ea typeface="+mn-ea"/>
+                <a:cs typeface="+mn-cs"/>
+              </a:defRPr>
+            </a:lvl1pPr>
+            <a:lvl2pPr marL="685800" indent="-228600" algn="l" defTabSz="914400" rtl="0" eaLnBrk="1" latinLnBrk="0" hangingPunct="1">
+              <a:lnSpc>
+                <a:spcPct val="90000"/>
+              </a:lnSpc>
+              <a:spcBef>
+                <a:spcPts val="500"/>
+              </a:spcBef>
+              <a:buFont typeface="Arial" panose="020B0604020202020204" pitchFamily="34" charset="0"/>
+              <a:buChar char="•"/>
+              <a:defRPr sz="2400" kern="1200">
+                <a:solidFill>
+                  <a:schemeClr val="tx1">
+                    <a:lumMod val="75000"/>
+                    <a:lumOff val="25000"/>
+                  </a:schemeClr>
+                </a:solidFill>
+                <a:latin typeface="+mn-lt"/>
+                <a:ea typeface="+mn-ea"/>
+                <a:cs typeface="+mn-cs"/>
+              </a:defRPr>
+            </a:lvl2pPr>
+            <a:lvl3pPr marL="1143000" indent="-228600" algn="l" defTabSz="914400" rtl="0" eaLnBrk="1" latinLnBrk="0" hangingPunct="1">
+              <a:lnSpc>
+                <a:spcPct val="90000"/>
+              </a:lnSpc>
+              <a:spcBef>
+                <a:spcPts val="500"/>
+              </a:spcBef>
+              <a:buFont typeface="Arial" panose="020B0604020202020204" pitchFamily="34" charset="0"/>
+              <a:buChar char="•"/>
+              <a:defRPr sz="2000" kern="1200">
+                <a:solidFill>
+                  <a:schemeClr val="tx1">
+                    <a:lumMod val="75000"/>
+                    <a:lumOff val="25000"/>
+                  </a:schemeClr>
+                </a:solidFill>
+                <a:latin typeface="+mn-lt"/>
+                <a:ea typeface="+mn-ea"/>
+                <a:cs typeface="+mn-cs"/>
+              </a:defRPr>
+            </a:lvl3pPr>
+            <a:lvl4pPr marL="1600200" indent="-228600" algn="l" defTabSz="914400" rtl="0" eaLnBrk="1" latinLnBrk="0" hangingPunct="1">
+              <a:lnSpc>
+                <a:spcPct val="90000"/>
+              </a:lnSpc>
+              <a:spcBef>
+                <a:spcPts val="500"/>
+              </a:spcBef>
+              <a:buFont typeface="Arial" panose="020B0604020202020204" pitchFamily="34" charset="0"/>
+              <a:buChar char="•"/>
+              <a:defRPr sz="1800" kern="1200">
+                <a:solidFill>
+                  <a:schemeClr val="tx1">
+                    <a:lumMod val="75000"/>
+                    <a:lumOff val="25000"/>
+                  </a:schemeClr>
+                </a:solidFill>
+                <a:latin typeface="+mn-lt"/>
+                <a:ea typeface="+mn-ea"/>
+                <a:cs typeface="+mn-cs"/>
+              </a:defRPr>
+            </a:lvl4pPr>
+            <a:lvl5pPr marL="2057400" indent="-228600" algn="l" defTabSz="914400" rtl="0" eaLnBrk="1" latinLnBrk="0" hangingPunct="1">
+              <a:lnSpc>
+                <a:spcPct val="90000"/>
+              </a:lnSpc>
+              <a:spcBef>
+                <a:spcPts val="500"/>
+              </a:spcBef>
+              <a:buFont typeface="Arial" panose="020B0604020202020204" pitchFamily="34" charset="0"/>
+              <a:buChar char="•"/>
+              <a:defRPr sz="1800" kern="1200">
+                <a:solidFill>
+                  <a:schemeClr val="tx1">
+                    <a:lumMod val="75000"/>
+                    <a:lumOff val="25000"/>
+                  </a:schemeClr>
+                </a:solidFill>
+                <a:latin typeface="+mn-lt"/>
+                <a:ea typeface="+mn-ea"/>
+                <a:cs typeface="+mn-cs"/>
+              </a:defRPr>
+            </a:lvl5pPr>
+            <a:lvl6pPr marL="2514600" indent="-228600" algn="l" defTabSz="914400" rtl="0" eaLnBrk="1" latinLnBrk="0" hangingPunct="1">
+              <a:lnSpc>
+                <a:spcPct val="90000"/>
+              </a:lnSpc>
+              <a:spcBef>
+                <a:spcPts val="500"/>
+              </a:spcBef>
+              <a:buFont typeface="Arial" panose="020B0604020202020204" pitchFamily="34" charset="0"/>
+              <a:buChar char="•"/>
+              <a:defRPr sz="1800" kern="1200">
+                <a:solidFill>
+                  <a:schemeClr val="tx1"/>
+                </a:solidFill>
+                <a:latin typeface="+mn-lt"/>
+                <a:ea typeface="+mn-ea"/>
+                <a:cs typeface="+mn-cs"/>
+              </a:defRPr>
+            </a:lvl6pPr>
+            <a:lvl7pPr marL="2971800" indent="-228600" algn="l" defTabSz="914400" rtl="0" eaLnBrk="1" latinLnBrk="0" hangingPunct="1">
+              <a:lnSpc>
+                <a:spcPct val="90000"/>
+              </a:lnSpc>
+              <a:spcBef>
+                <a:spcPts val="500"/>
+              </a:spcBef>
+              <a:buFont typeface="Arial" panose="020B0604020202020204" pitchFamily="34" charset="0"/>
+              <a:buChar char="•"/>
+              <a:defRPr sz="1800" kern="1200">
+                <a:solidFill>
+                  <a:schemeClr val="tx1"/>
+                </a:solidFill>
+                <a:latin typeface="+mn-lt"/>
+                <a:ea typeface="+mn-ea"/>
+                <a:cs typeface="+mn-cs"/>
+              </a:defRPr>
+            </a:lvl7pPr>
+            <a:lvl8pPr marL="3429000" indent="-228600" algn="l" defTabSz="914400" rtl="0" eaLnBrk="1" latinLnBrk="0" hangingPunct="1">
+              <a:lnSpc>
+                <a:spcPct val="90000"/>
+              </a:lnSpc>
+              <a:spcBef>
+                <a:spcPts val="500"/>
+              </a:spcBef>
+              <a:buFont typeface="Arial" panose="020B0604020202020204" pitchFamily="34" charset="0"/>
+              <a:buChar char="•"/>
+              <a:defRPr sz="1800" kern="1200">
+                <a:solidFill>
+                  <a:schemeClr val="tx1"/>
+                </a:solidFill>
+                <a:latin typeface="+mn-lt"/>
+                <a:ea typeface="+mn-ea"/>
+                <a:cs typeface="+mn-cs"/>
+              </a:defRPr>
+            </a:lvl8pPr>
+            <a:lvl9pPr marL="3886200" indent="-228600" algn="l" defTabSz="914400" rtl="0" eaLnBrk="1" latinLnBrk="0" hangingPunct="1">
+              <a:lnSpc>
+                <a:spcPct val="90000"/>
+              </a:lnSpc>
+              <a:spcBef>
+                <a:spcPts val="500"/>
+              </a:spcBef>
+              <a:buFont typeface="Arial" panose="020B0604020202020204" pitchFamily="34" charset="0"/>
+              <a:buChar char="•"/>
+              <a:defRPr sz="1800" kern="1200">
+                <a:solidFill>
+                  <a:schemeClr val="tx1"/>
+                </a:solidFill>
+                <a:latin typeface="+mn-lt"/>
+                <a:ea typeface="+mn-ea"/>
+                <a:cs typeface="+mn-cs"/>
+              </a:defRPr>
+            </a:lvl9pPr>
+          </a:lstStyle>
+          <a:p>
+            <a:pPr>
+              <a:buFont typeface="Arial" panose="020B0604020202020204" pitchFamily="34" charset="0"/>
+              <a:buNone/>
+            </a:pPr>
+            <a:r>
+              <a:rPr lang="en-US" sz="8000" dirty="0">
+                <a:ea typeface="+mn-lt"/>
+                <a:cs typeface="+mn-lt"/>
+              </a:rPr>
+              <a:t>Research Proposal</a:t>
+            </a:r>
+          </a:p>
+          <a:p>
+            <a:r>
+              <a:rPr lang="en-US" sz="7200" dirty="0">
+                <a:ea typeface="+mn-lt"/>
+                <a:cs typeface="+mn-lt"/>
+              </a:rPr>
+              <a:t>Clear research question</a:t>
+            </a:r>
+          </a:p>
+          <a:p>
+            <a:r>
+              <a:rPr lang="en-US" sz="7200" dirty="0">
+                <a:ea typeface="+mn-lt"/>
+                <a:cs typeface="+mn-lt"/>
+              </a:rPr>
+              <a:t>Methodology</a:t>
+            </a:r>
+          </a:p>
+          <a:p>
+            <a:r>
+              <a:rPr lang="en-US" sz="7200" dirty="0">
+                <a:ea typeface="+mn-lt"/>
+                <a:cs typeface="+mn-lt"/>
+              </a:rPr>
+              <a:t>Potential impact</a:t>
+            </a:r>
+          </a:p>
+          <a:p>
+            <a:r>
+              <a:rPr lang="en-US" sz="7200" dirty="0">
+                <a:ea typeface="+mn-lt"/>
+                <a:cs typeface="+mn-lt"/>
+              </a:rPr>
+              <a:t>Alignment with supervisor/program</a:t>
+            </a:r>
+          </a:p>
+        </p:txBody>
+      </p:sp>
+      <p:sp>
+        <p:nvSpPr>
+          <p:cNvPr id="9" name="TextBox 8">
+            <a:extLst>
+              <a:ext uri="{FF2B5EF4-FFF2-40B4-BE49-F238E27FC236}">
+                <a16:creationId xmlns:a16="http://schemas.microsoft.com/office/drawing/2014/main" id="{522ECDF5-E2D9-C04D-2598-E8057C1E8EBC}"/>
+              </a:ext>
+            </a:extLst>
+          </p:cNvPr>
+          <p:cNvSpPr txBox="1"/>
+          <p:nvPr/>
+        </p:nvSpPr>
+        <p:spPr>
+          <a:xfrm>
+            <a:off x="6624103" y="2105973"/>
+            <a:ext cx="3216843" cy="1643527"/>
+          </a:xfrm>
+          <a:prstGeom prst="rect">
+            <a:avLst/>
+          </a:prstGeom>
+          <a:noFill/>
+        </p:spPr>
+        <p:txBody>
+          <a:bodyPr wrap="none" rtlCol="0">
+            <a:spAutoFit/>
+          </a:bodyPr>
+          <a:lstStyle/>
+          <a:p>
+            <a:pPr>
+              <a:buFont typeface="Arial" panose="020B0604020202020204" pitchFamily="34" charset="0"/>
+              <a:buNone/>
+            </a:pPr>
+            <a:r>
+              <a:rPr lang="en-US" sz="2000" dirty="0">
+                <a:solidFill>
+                  <a:schemeClr val="tx1">
+                    <a:lumMod val="75000"/>
+                    <a:lumOff val="25000"/>
+                  </a:schemeClr>
+                </a:solidFill>
                 <a:ea typeface="+mn-lt"/>
                 <a:cs typeface="+mn-lt"/>
               </a:rPr>
               <a:t>Transcripts and Certificates</a:t>
             </a:r>
-            <a:endParaRPr lang="en-US" dirty="0"/>
-          </a:p>
-          <a:p>
-            <a:pPr>
+          </a:p>
+          <a:p>
+            <a:pPr marL="228600" indent="-228600">
+              <a:lnSpc>
+                <a:spcPct val="70000"/>
+              </a:lnSpc>
+              <a:spcBef>
+                <a:spcPts val="1000"/>
+              </a:spcBef>
               <a:buFont typeface="Arial" panose="020B0604020202020204" pitchFamily="34" charset="0"/>
-              <a:buNone/>
+              <a:buChar char="•"/>
             </a:pPr>
             <a:r>
               <a:rPr lang="en-US" dirty="0">
+                <a:solidFill>
+                  <a:schemeClr val="tx1">
+                    <a:lumMod val="75000"/>
+                    <a:lumOff val="25000"/>
+                  </a:schemeClr>
+                </a:solidFill>
                 <a:ea typeface="+mn-lt"/>
                 <a:cs typeface="+mn-lt"/>
               </a:rPr>
-              <a:t>• Academic records</a:t>
-            </a:r>
-            <a:endParaRPr lang="en-US" dirty="0"/>
-          </a:p>
-          <a:p>
-            <a:pPr>
+              <a:t>Academic records</a:t>
+            </a:r>
+          </a:p>
+          <a:p>
+            <a:pPr marL="228600" indent="-228600">
+              <a:lnSpc>
+                <a:spcPct val="70000"/>
+              </a:lnSpc>
+              <a:spcBef>
+                <a:spcPts val="1000"/>
+              </a:spcBef>
               <a:buFont typeface="Arial" panose="020B0604020202020204" pitchFamily="34" charset="0"/>
-              <a:buNone/>
+              <a:buChar char="•"/>
             </a:pPr>
             <a:r>
               <a:rPr lang="en-US" dirty="0">
+                <a:solidFill>
+                  <a:schemeClr val="tx1">
+                    <a:lumMod val="75000"/>
+                    <a:lumOff val="25000"/>
+                  </a:schemeClr>
+                </a:solidFill>
                 <a:ea typeface="+mn-lt"/>
                 <a:cs typeface="+mn-lt"/>
               </a:rPr>
-              <a:t>• Degree certificates</a:t>
-            </a:r>
-            <a:endParaRPr lang="en-US" dirty="0"/>
-          </a:p>
-          <a:p>
-            <a:pPr>
+              <a:t>Degree certificates</a:t>
+            </a:r>
+          </a:p>
+          <a:p>
+            <a:pPr marL="228600" indent="-228600">
+              <a:lnSpc>
+                <a:spcPct val="70000"/>
+              </a:lnSpc>
+              <a:spcBef>
+                <a:spcPts val="1000"/>
+              </a:spcBef>
               <a:buFont typeface="Arial" panose="020B0604020202020204" pitchFamily="34" charset="0"/>
-              <a:buNone/>
+              <a:buChar char="•"/>
             </a:pPr>
             <a:r>
               <a:rPr lang="en-US" dirty="0">
+                <a:solidFill>
+                  <a:schemeClr val="tx1">
+                    <a:lumMod val="75000"/>
+                    <a:lumOff val="25000"/>
+                  </a:schemeClr>
+                </a:solidFill>
                 <a:ea typeface="+mn-lt"/>
                 <a:cs typeface="+mn-lt"/>
               </a:rPr>
-              <a:t>• Language proficiency proof</a:t>
-            </a:r>
-            <a:endParaRPr lang="en-US" dirty="0"/>
-          </a:p>
-          <a:p>
-            <a:pPr>
-              <a:buFont typeface="Arial" panose="020B0604020202020204" pitchFamily="34" charset="0"/>
-              <a:buNone/>
-            </a:pPr>
-            <a:endParaRPr lang="en-US" dirty="0"/>
+              <a:t>Language proficiency proof</a:t>
+            </a:r>
+          </a:p>
+          <a:p>
+            <a:endParaRPr lang="en-DE" dirty="0"/>
           </a:p>
         </p:txBody>
       </p:sp>
@@ -21418,13 +22686,13 @@
           <a:lstStyle/>
           <a:p>
             <a:r>
-              <a:rPr lang="en-US">
+              <a:rPr lang="en-US" dirty="0">
                 <a:ea typeface="+mj-lt"/>
                 <a:cs typeface="+mj-lt"/>
               </a:rPr>
               <a:t>Application Timelines and Interview Process</a:t>
             </a:r>
-            <a:endParaRPr lang="en-US"/>
+            <a:endParaRPr lang="en-US" dirty="0"/>
           </a:p>
         </p:txBody>
       </p:sp>
@@ -21451,7 +22719,7 @@
           <a:p>
             <a:r>
               <a:rPr lang="en-US" dirty="0"/>
-              <a:t>20XX</a:t>
+              <a:t>July 2024</a:t>
             </a:r>
           </a:p>
         </p:txBody>
@@ -21477,9 +22745,14 @@
           <a:bodyPr/>
           <a:lstStyle/>
           <a:p>
+            <a:pPr>
+              <a:spcAft>
+                <a:spcPts val="600"/>
+              </a:spcAft>
+            </a:pPr>
             <a:r>
               <a:rPr lang="en-US" dirty="0"/>
-              <a:t>Pitch Deck</a:t>
+              <a:t>Pursuing a CS PhD in Europe and Germany</a:t>
             </a:r>
           </a:p>
         </p:txBody>
@@ -21529,10 +22802,15 @@
             <p:ph sz="quarter" idx="16"/>
           </p:nvPr>
         </p:nvSpPr>
-        <p:spPr/>
+        <p:spPr>
+          <a:xfrm>
+            <a:off x="838199" y="2136775"/>
+            <a:ext cx="4842165" cy="2499880"/>
+          </a:xfrm>
+        </p:spPr>
         <p:txBody>
           <a:bodyPr vert="horz" lIns="91440" tIns="45720" rIns="91440" bIns="45720" rtlCol="0" anchor="t">
-            <a:normAutofit fontScale="62500" lnSpcReduction="20000"/>
+            <a:normAutofit fontScale="92500"/>
           </a:bodyPr>
           <a:lstStyle/>
           <a:p>
@@ -21540,143 +22818,198 @@
               <a:buNone/>
             </a:pPr>
             <a:r>
-              <a:rPr lang="en-US" dirty="0">
+              <a:rPr lang="en-US" sz="2600" dirty="0">
                 <a:ea typeface="+mn-lt"/>
                 <a:cs typeface="+mn-lt"/>
               </a:rPr>
               <a:t>Timelines</a:t>
             </a:r>
-            <a:endParaRPr lang="en-US" dirty="0"/>
-          </a:p>
-          <a:p>
-            <a:pPr>
-              <a:buNone/>
-            </a:pPr>
-            <a:r>
-              <a:rPr lang="en-US" dirty="0">
+            <a:endParaRPr lang="en-US" sz="2600" dirty="0"/>
+          </a:p>
+          <a:p>
+            <a:r>
+              <a:rPr lang="en-US" sz="1900" dirty="0">
                 <a:ea typeface="+mn-lt"/>
                 <a:cs typeface="+mn-lt"/>
               </a:rPr>
-              <a:t>• Vary by institution and program</a:t>
-            </a:r>
-            <a:endParaRPr lang="en-US" dirty="0"/>
-          </a:p>
-          <a:p>
-            <a:pPr>
-              <a:buNone/>
-            </a:pPr>
-            <a:r>
-              <a:rPr lang="en-US" dirty="0">
+              <a:t>Vary by institution and program</a:t>
+            </a:r>
+            <a:endParaRPr lang="en-US" sz="1900" dirty="0"/>
+          </a:p>
+          <a:p>
+            <a:r>
+              <a:rPr lang="en-US" sz="1900" dirty="0">
                 <a:ea typeface="+mn-lt"/>
                 <a:cs typeface="+mn-lt"/>
               </a:rPr>
-              <a:t>• Generally, 6-12 months before intended start date</a:t>
-            </a:r>
-            <a:endParaRPr lang="en-US" dirty="0"/>
-          </a:p>
-          <a:p>
-            <a:pPr>
-              <a:buNone/>
-            </a:pPr>
-            <a:r>
-              <a:rPr lang="en-US" dirty="0">
+              <a:t>Generally, 6-12 months before intended start date</a:t>
+            </a:r>
+            <a:endParaRPr lang="en-US" sz="1900" dirty="0"/>
+          </a:p>
+          <a:p>
+            <a:r>
+              <a:rPr lang="en-US" sz="1900" dirty="0">
                 <a:ea typeface="+mn-lt"/>
                 <a:cs typeface="+mn-lt"/>
               </a:rPr>
-              <a:t>• Some programs have fixed annual deadlines</a:t>
-            </a:r>
-            <a:endParaRPr lang="en-US" dirty="0"/>
-          </a:p>
-          <a:p>
-            <a:pPr>
-              <a:buNone/>
-            </a:pPr>
-            <a:r>
-              <a:rPr lang="en-US" dirty="0">
+              <a:t>Some programs have fixed annual deadlines</a:t>
+            </a:r>
+            <a:endParaRPr lang="en-US" sz="1900" dirty="0"/>
+          </a:p>
+          <a:p>
+            <a:r>
+              <a:rPr lang="en-US" sz="1900" dirty="0">
                 <a:ea typeface="+mn-lt"/>
                 <a:cs typeface="+mn-lt"/>
               </a:rPr>
-              <a:t>• Others review applications on a rolling basis</a:t>
-            </a:r>
-            <a:endParaRPr lang="en-US" dirty="0"/>
-          </a:p>
+              <a:t>Others review applications on a rolling basis</a:t>
+            </a:r>
+            <a:endParaRPr lang="en-US" sz="1900" dirty="0"/>
+          </a:p>
+        </p:txBody>
+      </p:sp>
+      <p:sp>
+        <p:nvSpPr>
+          <p:cNvPr id="7" name="TextBox 6">
+            <a:extLst>
+              <a:ext uri="{FF2B5EF4-FFF2-40B4-BE49-F238E27FC236}">
+                <a16:creationId xmlns:a16="http://schemas.microsoft.com/office/drawing/2014/main" id="{2B4E23F9-0E8C-DED7-C17D-732E847353A1}"/>
+              </a:ext>
+            </a:extLst>
+          </p:cNvPr>
+          <p:cNvSpPr txBox="1"/>
+          <p:nvPr/>
+        </p:nvSpPr>
+        <p:spPr>
+          <a:xfrm>
+            <a:off x="6243782" y="2136338"/>
+            <a:ext cx="5514109" cy="2677656"/>
+          </a:xfrm>
+          <a:prstGeom prst="rect">
+            <a:avLst/>
+          </a:prstGeom>
+          <a:noFill/>
+        </p:spPr>
+        <p:txBody>
+          <a:bodyPr wrap="square" rtlCol="0">
+            <a:spAutoFit/>
+          </a:bodyPr>
+          <a:lstStyle/>
           <a:p>
             <a:pPr>
               <a:buNone/>
             </a:pPr>
             <a:r>
-              <a:rPr lang="en-US" dirty="0">
+              <a:rPr lang="en-US" sz="2400" dirty="0">
+                <a:solidFill>
+                  <a:schemeClr val="tx1">
+                    <a:lumMod val="75000"/>
+                    <a:lumOff val="25000"/>
+                  </a:schemeClr>
+                </a:solidFill>
                 <a:ea typeface="+mn-lt"/>
                 <a:cs typeface="+mn-lt"/>
               </a:rPr>
               <a:t>Interview Process</a:t>
             </a:r>
-            <a:endParaRPr lang="en-US" dirty="0"/>
-          </a:p>
-          <a:p>
-            <a:pPr>
-              <a:buNone/>
+          </a:p>
+          <a:p>
+            <a:pPr marL="285750" indent="-285750">
+              <a:buFont typeface="Arial" panose="020B0604020202020204" pitchFamily="34" charset="0"/>
+              <a:buChar char="•"/>
             </a:pPr>
             <a:r>
               <a:rPr lang="en-US" dirty="0">
+                <a:solidFill>
+                  <a:schemeClr val="tx1">
+                    <a:lumMod val="75000"/>
+                    <a:lumOff val="25000"/>
+                  </a:schemeClr>
+                </a:solidFill>
                 <a:ea typeface="+mn-lt"/>
                 <a:cs typeface="+mn-lt"/>
               </a:rPr>
-              <a:t>• Often conducted via video call</a:t>
-            </a:r>
-            <a:endParaRPr lang="en-US" dirty="0"/>
-          </a:p>
-          <a:p>
-            <a:pPr>
-              <a:buNone/>
+              <a:t>Often conducted via video call</a:t>
+            </a:r>
+          </a:p>
+          <a:p>
+            <a:pPr marL="285750" indent="-285750">
+              <a:buFont typeface="Arial" panose="020B0604020202020204" pitchFamily="34" charset="0"/>
+              <a:buChar char="•"/>
             </a:pPr>
             <a:r>
               <a:rPr lang="en-US" dirty="0">
+                <a:solidFill>
+                  <a:schemeClr val="tx1">
+                    <a:lumMod val="75000"/>
+                    <a:lumOff val="25000"/>
+                  </a:schemeClr>
+                </a:solidFill>
                 <a:ea typeface="+mn-lt"/>
                 <a:cs typeface="+mn-lt"/>
               </a:rPr>
-              <a:t>• May include presentation of past research/proposal</a:t>
-            </a:r>
-            <a:endParaRPr lang="en-US" dirty="0"/>
-          </a:p>
-          <a:p>
-            <a:pPr>
-              <a:buNone/>
+              <a:t>May include presentation of past research</a:t>
+            </a:r>
+          </a:p>
+          <a:p>
+            <a:pPr marL="285750" indent="-285750">
+              <a:buFont typeface="Arial" panose="020B0604020202020204" pitchFamily="34" charset="0"/>
+              <a:buChar char="•"/>
             </a:pPr>
             <a:r>
               <a:rPr lang="en-US" dirty="0">
+                <a:solidFill>
+                  <a:schemeClr val="tx1">
+                    <a:lumMod val="75000"/>
+                    <a:lumOff val="25000"/>
+                  </a:schemeClr>
+                </a:solidFill>
                 <a:ea typeface="+mn-lt"/>
                 <a:cs typeface="+mn-lt"/>
               </a:rPr>
-              <a:t>• Questions on technical knowledge and research interests</a:t>
-            </a:r>
-            <a:endParaRPr lang="en-US" dirty="0"/>
-          </a:p>
-          <a:p>
-            <a:pPr>
-              <a:buNone/>
+              <a:t>Questions on technical knowledge and research interests</a:t>
+            </a:r>
+          </a:p>
+          <a:p>
+            <a:pPr marL="285750" indent="-285750">
+              <a:buFont typeface="Arial" panose="020B0604020202020204" pitchFamily="34" charset="0"/>
+              <a:buChar char="•"/>
             </a:pPr>
             <a:r>
               <a:rPr lang="en-US" dirty="0">
+                <a:solidFill>
+                  <a:schemeClr val="tx1">
+                    <a:lumMod val="75000"/>
+                    <a:lumOff val="25000"/>
+                  </a:schemeClr>
+                </a:solidFill>
                 <a:ea typeface="+mn-lt"/>
                 <a:cs typeface="+mn-lt"/>
               </a:rPr>
-              <a:t>• Discussion of program expectations and your goals</a:t>
-            </a:r>
-            <a:endParaRPr lang="en-US" dirty="0"/>
-          </a:p>
-          <a:p>
-            <a:pPr marL="0" indent="0">
-              <a:buNone/>
+              <a:t>Discussion of program expectations and your goals</a:t>
+            </a:r>
+          </a:p>
+          <a:p>
+            <a:pPr marL="285750" indent="-285750">
+              <a:buFont typeface="Arial" panose="020B0604020202020204" pitchFamily="34" charset="0"/>
+              <a:buChar char="•"/>
             </a:pPr>
             <a:r>
               <a:rPr lang="en-US" dirty="0">
+                <a:solidFill>
+                  <a:schemeClr val="tx1">
+                    <a:lumMod val="75000"/>
+                    <a:lumOff val="25000"/>
+                  </a:schemeClr>
+                </a:solidFill>
                 <a:ea typeface="+mn-lt"/>
                 <a:cs typeface="+mn-lt"/>
               </a:rPr>
-              <a:t>Tip: Prepare a short ”elevator pitch” about your research interests</a:t>
-            </a:r>
-            <a:endParaRPr lang="en-US" dirty="0"/>
+              <a:t>Tip: Prepare a short “elevator pitch” about your research interests</a:t>
+            </a:r>
+          </a:p>
+          <a:p>
+            <a:endParaRPr lang="en-DE" dirty="0"/>
           </a:p>
         </p:txBody>
       </p:sp>
@@ -21737,13 +23070,13 @@
           <a:lstStyle/>
           <a:p>
             <a:r>
-              <a:rPr lang="en-US" sz="2800" dirty="0">
+              <a:rPr lang="en-US" sz="4800" dirty="0">
                 <a:ea typeface="+mj-lt"/>
                 <a:cs typeface="+mj-lt"/>
               </a:rPr>
               <a:t>Q&amp;A Session</a:t>
             </a:r>
-            <a:endParaRPr lang="en-US" dirty="0"/>
+            <a:endParaRPr lang="en-US" sz="5400" dirty="0"/>
           </a:p>
         </p:txBody>
       </p:sp>
@@ -21765,13 +23098,13 @@
         </p:nvSpPr>
         <p:spPr>
           <a:xfrm>
-            <a:off x="4267200" y="3238103"/>
-            <a:ext cx="4179570" cy="2004161"/>
+            <a:off x="3528291" y="3746330"/>
+            <a:ext cx="8118764" cy="2004161"/>
           </a:xfrm>
         </p:spPr>
         <p:txBody>
           <a:bodyPr vert="horz" lIns="91440" tIns="45720" rIns="91440" bIns="45720" rtlCol="0" anchor="t">
-            <a:normAutofit fontScale="77500" lnSpcReduction="20000"/>
+            <a:normAutofit/>
           </a:bodyPr>
           <a:lstStyle/>
           <a:p>
@@ -21781,13 +23114,13 @@
               </a:lnSpc>
             </a:pPr>
             <a:r>
-              <a:rPr lang="en-US" sz="2800">
+              <a:rPr lang="en-US" sz="2000" dirty="0">
                 <a:ea typeface="+mn-lt"/>
                 <a:cs typeface="+mn-lt"/>
               </a:rPr>
               <a:t>Time for Your Questions!</a:t>
             </a:r>
-            <a:endParaRPr lang="en-US" sz="2800" dirty="0">
+            <a:endParaRPr lang="en-US" sz="2000" dirty="0">
               <a:solidFill>
                 <a:srgbClr val="000000"/>
               </a:solidFill>
@@ -21801,7 +23134,7 @@
                 <a:spcPct val="90000"/>
               </a:lnSpc>
             </a:pPr>
-            <a:endParaRPr lang="en-US" sz="2800" dirty="0">
+            <a:endParaRPr lang="en-US" sz="2000" dirty="0">
               <a:solidFill>
                 <a:srgbClr val="000000"/>
               </a:solidFill>
@@ -21816,13 +23149,13 @@
               </a:lnSpc>
             </a:pPr>
             <a:r>
-              <a:rPr lang="en-US" sz="2800">
+              <a:rPr lang="en-US" sz="2000" dirty="0">
                 <a:ea typeface="+mn-lt"/>
                 <a:cs typeface="+mn-lt"/>
               </a:rPr>
               <a:t>Don’t hesitate to ask about any aspect of applying for a CS</a:t>
             </a:r>
-            <a:endParaRPr lang="en-US" sz="2800" dirty="0">
+            <a:endParaRPr lang="en-US" sz="2000" dirty="0">
               <a:solidFill>
                 <a:srgbClr val="000000"/>
               </a:solidFill>
@@ -21837,13 +23170,27 @@
               </a:lnSpc>
             </a:pPr>
             <a:r>
-              <a:rPr lang="en-US" sz="2800" dirty="0">
+              <a:rPr lang="en-US" sz="2000" dirty="0">
                 <a:ea typeface="+mn-lt"/>
                 <a:cs typeface="+mn-lt"/>
               </a:rPr>
-              <a:t>PhD in Germany. Your questions help everyone learn!</a:t>
-            </a:r>
-            <a:endParaRPr lang="en-US" dirty="0"/>
+              <a:t>PhD in Germany. </a:t>
+            </a:r>
+          </a:p>
+          <a:p>
+            <a:pPr>
+              <a:lnSpc>
+                <a:spcPct val="90000"/>
+              </a:lnSpc>
+            </a:pPr>
+            <a:r>
+              <a:rPr lang="en-US" sz="2000" dirty="0">
+                <a:ea typeface="+mn-lt"/>
+                <a:cs typeface="+mn-lt"/>
+              </a:rPr>
+              <a:t>Your questions help everyone learn!</a:t>
+            </a:r>
+            <a:endParaRPr lang="en-US" sz="1100" dirty="0"/>
           </a:p>
         </p:txBody>
       </p:sp>
@@ -21875,8 +23222,11 @@
           <a:p>
             <a:r>
               <a:rPr lang="en-US" dirty="0"/>
-              <a:t>20XX</a:t>
-            </a:r>
+              <a:t>July 2024</a:t>
+            </a:r>
+          </a:p>
+          <a:p>
+            <a:endParaRPr lang="en-US" dirty="0"/>
           </a:p>
         </p:txBody>
       </p:sp>
@@ -21906,9 +23256,14 @@
           <a:bodyPr/>
           <a:lstStyle/>
           <a:p>
+            <a:pPr>
+              <a:spcAft>
+                <a:spcPts val="600"/>
+              </a:spcAft>
+            </a:pPr>
             <a:r>
               <a:rPr lang="en-US" dirty="0"/>
-              <a:t>Pitch Deck</a:t>
+              <a:t>Pursuing a CS PhD in Europe and Germany</a:t>
             </a:r>
           </a:p>
         </p:txBody>
@@ -22026,61 +23381,82 @@
             <p:ph type="subTitle" idx="1"/>
           </p:nvPr>
         </p:nvSpPr>
-        <p:spPr/>
+        <p:spPr>
+          <a:xfrm>
+            <a:off x="4267199" y="3238103"/>
+            <a:ext cx="5098473" cy="2571570"/>
+          </a:xfrm>
+        </p:spPr>
         <p:txBody>
           <a:bodyPr vert="horz" lIns="91440" tIns="45720" rIns="91440" bIns="45720" rtlCol="0" anchor="t">
-            <a:normAutofit fontScale="92500" lnSpcReduction="10000"/>
+            <a:normAutofit/>
           </a:bodyPr>
           <a:lstStyle/>
           <a:p>
             <a:r>
-              <a:rPr lang="en-US" dirty="0">
+              <a:rPr lang="en-US" sz="2000" dirty="0">
                 <a:ea typeface="+mn-lt"/>
                 <a:cs typeface="+mn-lt"/>
               </a:rPr>
               <a:t>Coming Up in Talk 2</a:t>
             </a:r>
-            <a:endParaRPr lang="en-US" dirty="0"/>
-          </a:p>
-          <a:p>
-            <a:r>
-              <a:rPr lang="en-US" dirty="0">
+            <a:endParaRPr lang="en-US" sz="2000" dirty="0"/>
+          </a:p>
+          <a:p>
+            <a:pPr marL="285750" indent="-285750">
+              <a:buFont typeface="Arial" panose="020B0604020202020204" pitchFamily="34" charset="0"/>
+              <a:buChar char="•"/>
+            </a:pPr>
+            <a:r>
+              <a:rPr lang="en-US" sz="1600" dirty="0">
                 <a:ea typeface="+mn-lt"/>
                 <a:cs typeface="+mn-lt"/>
               </a:rPr>
-              <a:t>• Funding and financial planning</a:t>
-            </a:r>
-            <a:endParaRPr lang="en-US" dirty="0"/>
-          </a:p>
-          <a:p>
-            <a:r>
-              <a:rPr lang="en-US" dirty="0">
+              <a:t>Funding and financial planning</a:t>
+            </a:r>
+            <a:endParaRPr lang="en-US" sz="1600" dirty="0"/>
+          </a:p>
+          <a:p>
+            <a:pPr marL="285750" indent="-285750">
+              <a:buFont typeface="Arial" panose="020B0604020202020204" pitchFamily="34" charset="0"/>
+              <a:buChar char="•"/>
+            </a:pPr>
+            <a:r>
+              <a:rPr lang="en-US" sz="1600" dirty="0">
                 <a:ea typeface="+mn-lt"/>
                 <a:cs typeface="+mn-lt"/>
               </a:rPr>
-              <a:t>• Starting your PhD and research life</a:t>
-            </a:r>
-            <a:endParaRPr lang="en-US" dirty="0"/>
-          </a:p>
-          <a:p>
-            <a:r>
-              <a:rPr lang="en-US" dirty="0">
+              <a:t>Starting your PhD and research life</a:t>
+            </a:r>
+            <a:endParaRPr lang="en-US" sz="1600" dirty="0"/>
+          </a:p>
+          <a:p>
+            <a:pPr marL="285750" indent="-285750">
+              <a:buFont typeface="Arial" panose="020B0604020202020204" pitchFamily="34" charset="0"/>
+              <a:buChar char="•"/>
+            </a:pPr>
+            <a:r>
+              <a:rPr lang="en-US" sz="1600" dirty="0">
                 <a:ea typeface="+mn-lt"/>
                 <a:cs typeface="+mn-lt"/>
               </a:rPr>
-              <a:t>• Publishing and attending conferences</a:t>
-            </a:r>
-            <a:endParaRPr lang="en-US" dirty="0"/>
-          </a:p>
-          <a:p>
-            <a:r>
-              <a:rPr lang="en-US" dirty="0">
+              <a:t>Publishing and attending conferences</a:t>
+            </a:r>
+            <a:endParaRPr lang="en-US" sz="1600" dirty="0"/>
+          </a:p>
+          <a:p>
+            <a:pPr marL="285750" indent="-285750">
+              <a:buFont typeface="Arial" panose="020B0604020202020204" pitchFamily="34" charset="0"/>
+              <a:buChar char="•"/>
+            </a:pPr>
+            <a:r>
+              <a:rPr lang="en-US" sz="1600" dirty="0">
                 <a:ea typeface="+mn-lt"/>
                 <a:cs typeface="+mn-lt"/>
               </a:rPr>
-              <a:t>• Completing your PhD and career prospects</a:t>
-            </a:r>
-            <a:endParaRPr lang="en-US" dirty="0"/>
+              <a:t>Completing your PhD and career prospects</a:t>
+            </a:r>
+            <a:endParaRPr lang="en-US" sz="1600" dirty="0"/>
           </a:p>
         </p:txBody>
       </p:sp>
@@ -22107,7 +23483,7 @@
           <a:p>
             <a:r>
               <a:rPr lang="en-US" dirty="0"/>
-              <a:t>20XX</a:t>
+              <a:t>July 2024</a:t>
             </a:r>
           </a:p>
         </p:txBody>
@@ -22133,9 +23509,14 @@
           <a:bodyPr/>
           <a:lstStyle/>
           <a:p>
+            <a:pPr>
+              <a:spcAft>
+                <a:spcPts val="600"/>
+              </a:spcAft>
+            </a:pPr>
             <a:r>
               <a:rPr lang="en-US" dirty="0"/>
-              <a:t>Pitch Deck</a:t>
+              <a:t>Pursuing a CS PhD in Europe and Germany</a:t>
             </a:r>
           </a:p>
         </p:txBody>
@@ -22296,6 +23677,7 @@
           <a:lstStyle/>
           <a:p>
             <a:pPr marL="285750" indent="-285750">
+              <a:buFont typeface="Arial" panose="020B0604020202020204" pitchFamily="34" charset="0"/>
               <a:buChar char="•"/>
             </a:pPr>
             <a:r>
@@ -22303,7 +23685,7 @@
                 <a:ea typeface="+mn-lt"/>
                 <a:cs typeface="+mn-lt"/>
               </a:rPr>
-              <a:t>PhD in Computer Science from </a:t>
+              <a:t>Dr.-Ing in Computer Science from TU Braunschweig, Germany</a:t>
             </a:r>
           </a:p>
           <a:p>
@@ -22315,7 +23697,7 @@
                 <a:ea typeface="+mn-lt"/>
                 <a:cs typeface="+mn-lt"/>
               </a:rPr>
-              <a:t>years of experience in academia and industry</a:t>
+              <a:t>Years of experience in academia and industry, especially in European Startups</a:t>
             </a:r>
             <a:endParaRPr lang="en-US" dirty="0"/>
           </a:p>
@@ -22339,8 +23721,8 @@
         </p:nvSpPr>
         <p:spPr>
           <a:xfrm>
-            <a:off x="5477959" y="2776936"/>
-            <a:ext cx="3943627" cy="823912"/>
+            <a:off x="5782759" y="2776936"/>
+            <a:ext cx="4617386" cy="823912"/>
           </a:xfrm>
         </p:spPr>
         <p:txBody>
@@ -22348,7 +23730,7 @@
           <a:lstStyle/>
           <a:p>
             <a:r>
-              <a:rPr lang="en-US"/>
+              <a:rPr lang="en-US" dirty="0"/>
               <a:t>Area of Expertise</a:t>
             </a:r>
           </a:p>
@@ -22372,8 +23754,8 @@
         </p:nvSpPr>
         <p:spPr>
           <a:xfrm>
-            <a:off x="5477959" y="3834606"/>
-            <a:ext cx="3943627" cy="1997867"/>
+            <a:off x="5782759" y="3834606"/>
+            <a:ext cx="4617386" cy="1997867"/>
           </a:xfrm>
         </p:spPr>
         <p:txBody>
@@ -22385,10 +23767,25 @@
             <a:pPr marL="285750" indent="-285750">
               <a:buChar char="•"/>
             </a:pPr>
-            <a:endParaRPr lang="en-US" dirty="0">
-              <a:ea typeface="+mn-lt"/>
-              <a:cs typeface="+mn-lt"/>
-            </a:endParaRPr>
+            <a:r>
+              <a:rPr lang="en-US" dirty="0">
+                <a:ea typeface="+mn-lt"/>
+                <a:cs typeface="+mn-lt"/>
+              </a:rPr>
+              <a:t>Fault-tolerance, consensus in distributed systems, trusted computing</a:t>
+            </a:r>
+          </a:p>
+          <a:p>
+            <a:pPr marL="285750" indent="-285750">
+              <a:buChar char="•"/>
+            </a:pPr>
+            <a:r>
+              <a:rPr lang="en-US" dirty="0">
+                <a:ea typeface="+mn-lt"/>
+                <a:cs typeface="+mn-lt"/>
+              </a:rPr>
+              <a:t>Blockchain, Web3 research and development</a:t>
+            </a:r>
           </a:p>
           <a:p>
             <a:pPr marL="285750" indent="-285750">
@@ -22440,9 +23837,8 @@
             </a:pPr>
             <a:r>
               <a:rPr lang="en-US" dirty="0"/>
-              <a:t>20XX</a:t>
-            </a:r>
-            <a:endParaRPr lang="en-US"/>
+              <a:t>July 2024</a:t>
+            </a:r>
           </a:p>
         </p:txBody>
       </p:sp>
@@ -22481,9 +23877,8 @@
             </a:pPr>
             <a:r>
               <a:rPr lang="en-US" dirty="0"/>
-              <a:t>Pitch Deck</a:t>
-            </a:r>
-            <a:endParaRPr lang="en-US"/>
+              <a:t>Pursuing a CS PhD in Europe and Germany</a:t>
+            </a:r>
           </a:p>
         </p:txBody>
       </p:sp>
@@ -22533,6 +23928,35 @@
           </a:p>
         </p:txBody>
       </p:sp>
+      <p:pic>
+        <p:nvPicPr>
+          <p:cNvPr id="7" name="Picture 6" descr="A person wearing glasses and a brooch&#10;&#10;Description automatically generated">
+            <a:extLst>
+              <a:ext uri="{FF2B5EF4-FFF2-40B4-BE49-F238E27FC236}">
+                <a16:creationId xmlns:a16="http://schemas.microsoft.com/office/drawing/2014/main" id="{9307131A-CFB4-0D19-40EE-C0A6AE68E569}"/>
+              </a:ext>
+            </a:extLst>
+          </p:cNvPr>
+          <p:cNvPicPr>
+            <a:picLocks noChangeAspect="1"/>
+          </p:cNvPicPr>
+          <p:nvPr/>
+        </p:nvPicPr>
+        <p:blipFill rotWithShape="1">
+          <a:blip r:embed="rId2"/>
+          <a:srcRect b="19294"/>
+          <a:stretch/>
+        </p:blipFill>
+        <p:spPr>
+          <a:xfrm>
+            <a:off x="8789554" y="996775"/>
+            <a:ext cx="1440405" cy="1744842"/>
+          </a:xfrm>
+          <a:prstGeom prst="rect">
+            <a:avLst/>
+          </a:prstGeom>
+        </p:spPr>
+      </p:pic>
     </p:spTree>
     <p:extLst>
       <p:ext uri="{BB962C8B-B14F-4D97-AF65-F5344CB8AC3E}">
@@ -22585,7 +24009,7 @@
           <a:lstStyle/>
           <a:p>
             <a:r>
-              <a:rPr lang="en-US"/>
+              <a:rPr lang="en-US" dirty="0"/>
               <a:t>Overview</a:t>
             </a:r>
           </a:p>
@@ -22614,7 +24038,7 @@
           <a:p>
             <a:r>
               <a:rPr lang="en-US" dirty="0"/>
-              <a:t>20XX</a:t>
+              <a:t>July 2024</a:t>
             </a:r>
           </a:p>
         </p:txBody>
@@ -22640,9 +24064,14 @@
           <a:bodyPr/>
           <a:lstStyle/>
           <a:p>
+            <a:pPr>
+              <a:spcAft>
+                <a:spcPts val="600"/>
+              </a:spcAft>
+            </a:pPr>
             <a:r>
               <a:rPr lang="en-US" dirty="0"/>
-              <a:t>Pitch Deck</a:t>
+              <a:t>Pursuing a CS PhD in Europe and Germany</a:t>
             </a:r>
           </a:p>
         </p:txBody>
@@ -22692,10 +24121,15 @@
             <p:ph sz="quarter" idx="16"/>
           </p:nvPr>
         </p:nvSpPr>
-        <p:spPr/>
+        <p:spPr>
+          <a:xfrm>
+            <a:off x="838199" y="2114689"/>
+            <a:ext cx="5627256" cy="3719374"/>
+          </a:xfrm>
+        </p:spPr>
         <p:txBody>
           <a:bodyPr vert="horz" lIns="91440" tIns="45720" rIns="91440" bIns="45720" rtlCol="0" anchor="t">
-            <a:normAutofit fontScale="77500" lnSpcReduction="20000"/>
+            <a:normAutofit/>
           </a:bodyPr>
           <a:lstStyle/>
           <a:p>
@@ -22703,7 +24137,7 @@
               <a:buNone/>
             </a:pPr>
             <a:r>
-              <a:rPr lang="en-US">
+              <a:rPr lang="en-US" sz="2400" dirty="0">
                 <a:ea typeface="+mn-lt"/>
                 <a:cs typeface="+mn-lt"/>
               </a:rPr>
@@ -22711,112 +24145,209 @@
             </a:r>
           </a:p>
           <a:p>
-            <a:pPr>
-              <a:buNone/>
-            </a:pPr>
-            <a:r>
-              <a:rPr lang="en-US">
+            <a:r>
+              <a:rPr lang="en-US" sz="2000" dirty="0">
                 <a:ea typeface="+mn-lt"/>
                 <a:cs typeface="+mn-lt"/>
               </a:rPr>
-              <a:t>• Introduction to CS PhD programs in Europe</a:t>
-            </a:r>
-          </a:p>
-          <a:p>
-            <a:pPr>
-              <a:buNone/>
-            </a:pPr>
-            <a:r>
-              <a:rPr lang="en-US" dirty="0">
+              <a:t>Introduction to CS PhD programs in Europe</a:t>
+            </a:r>
+          </a:p>
+          <a:p>
+            <a:r>
+              <a:rPr lang="en-US" sz="2000" dirty="0">
                 <a:ea typeface="+mn-lt"/>
                 <a:cs typeface="+mn-lt"/>
               </a:rPr>
-              <a:t>• Unique aspects of the German academic system</a:t>
-            </a:r>
-          </a:p>
-          <a:p>
-            <a:pPr>
-              <a:buNone/>
-            </a:pPr>
-            <a:r>
-              <a:rPr lang="en-US" dirty="0">
+              <a:t>Unique aspects of the German academic system</a:t>
+            </a:r>
+          </a:p>
+          <a:p>
+            <a:r>
+              <a:rPr lang="en-US" sz="2000" dirty="0">
                 <a:ea typeface="+mn-lt"/>
                 <a:cs typeface="+mn-lt"/>
               </a:rPr>
-              <a:t>• Preparation for applying</a:t>
-            </a:r>
-          </a:p>
-          <a:p>
-            <a:pPr>
-              <a:buNone/>
-            </a:pPr>
-            <a:r>
-              <a:rPr lang="en-US" dirty="0">
+              <a:t>Preparation for applying</a:t>
+            </a:r>
+          </a:p>
+          <a:p>
+            <a:r>
+              <a:rPr lang="en-US" sz="2000" dirty="0">
                 <a:ea typeface="+mn-lt"/>
                 <a:cs typeface="+mn-lt"/>
               </a:rPr>
-              <a:t>• Application process</a:t>
+              <a:t>Application process</a:t>
             </a:r>
           </a:p>
           <a:p>
             <a:pPr>
               <a:buNone/>
             </a:pPr>
-            <a:r>
-              <a:rPr lang="en-US" dirty="0">
+            <a:endParaRPr lang="en-US" dirty="0">
+              <a:ea typeface="+mn-lt"/>
+              <a:cs typeface="+mn-lt"/>
+            </a:endParaRPr>
+          </a:p>
+        </p:txBody>
+      </p:sp>
+      <p:sp>
+        <p:nvSpPr>
+          <p:cNvPr id="7" name="TextBox 6">
+            <a:extLst>
+              <a:ext uri="{FF2B5EF4-FFF2-40B4-BE49-F238E27FC236}">
+                <a16:creationId xmlns:a16="http://schemas.microsoft.com/office/drawing/2014/main" id="{45C6C5F6-816C-1A23-F461-9B126A0A0113}"/>
+              </a:ext>
+            </a:extLst>
+          </p:cNvPr>
+          <p:cNvSpPr txBox="1"/>
+          <p:nvPr/>
+        </p:nvSpPr>
+        <p:spPr>
+          <a:xfrm>
+            <a:off x="6686725" y="2114689"/>
+            <a:ext cx="5126584" cy="2322687"/>
+          </a:xfrm>
+          <a:prstGeom prst="rect">
+            <a:avLst/>
+          </a:prstGeom>
+          <a:noFill/>
+        </p:spPr>
+        <p:txBody>
+          <a:bodyPr rot="0" spcFirstLastPara="0" vertOverflow="overflow" horzOverflow="overflow" vert="horz" wrap="square" lIns="91440" tIns="45720" rIns="91440" bIns="45720" numCol="1" spcCol="0" rtlCol="0" fromWordArt="0" anchor="t" anchorCtr="0" forceAA="0" compatLnSpc="1">
+            <a:prstTxWarp prst="textNoShape">
+              <a:avLst/>
+            </a:prstTxWarp>
+            <a:spAutoFit/>
+          </a:bodyPr>
+          <a:lstStyle/>
+          <a:p>
+            <a:pPr marL="228600" indent="-228600">
+              <a:lnSpc>
+                <a:spcPct val="90000"/>
+              </a:lnSpc>
+              <a:spcBef>
+                <a:spcPts val="1000"/>
+              </a:spcBef>
+            </a:pPr>
+            <a:r>
+              <a:rPr lang="en-US" sz="2400" dirty="0">
+                <a:solidFill>
+                  <a:srgbClr val="404040"/>
+                </a:solidFill>
                 <a:ea typeface="+mn-lt"/>
                 <a:cs typeface="+mn-lt"/>
               </a:rPr>
               <a:t>Talk 2: PhD Life and Beyond</a:t>
             </a:r>
-          </a:p>
-          <a:p>
-            <a:pPr>
-              <a:buNone/>
+            <a:endParaRPr lang="en-US" sz="2400" dirty="0">
+              <a:ea typeface="+mn-lt"/>
+              <a:cs typeface="+mn-lt"/>
+            </a:endParaRPr>
+          </a:p>
+          <a:p>
+            <a:pPr marL="342900" indent="-342900">
+              <a:lnSpc>
+                <a:spcPct val="90000"/>
+              </a:lnSpc>
+              <a:spcBef>
+                <a:spcPts val="1000"/>
+              </a:spcBef>
+              <a:buFont typeface="Arial" panose="020B0604020202020204" pitchFamily="34" charset="0"/>
+              <a:buChar char="•"/>
             </a:pPr>
             <a:r>
-              <a:rPr lang="en-US" dirty="0">
+              <a:rPr lang="en-US" sz="2000" dirty="0">
+                <a:solidFill>
+                  <a:srgbClr val="404040"/>
+                </a:solidFill>
                 <a:ea typeface="+mn-lt"/>
                 <a:cs typeface="+mn-lt"/>
               </a:rPr>
-              <a:t>• Funding and financial planning</a:t>
-            </a:r>
-          </a:p>
-          <a:p>
-            <a:pPr>
-              <a:buNone/>
+              <a:t>Funding and financial planning</a:t>
+            </a:r>
+            <a:endParaRPr lang="en-US" sz="2000" dirty="0">
+              <a:ea typeface="+mn-lt"/>
+              <a:cs typeface="+mn-lt"/>
+            </a:endParaRPr>
+          </a:p>
+          <a:p>
+            <a:pPr marL="342900" indent="-342900">
+              <a:lnSpc>
+                <a:spcPct val="90000"/>
+              </a:lnSpc>
+              <a:spcBef>
+                <a:spcPts val="1000"/>
+              </a:spcBef>
+              <a:buFont typeface="Arial" panose="020B0604020202020204" pitchFamily="34" charset="0"/>
+              <a:buChar char="•"/>
             </a:pPr>
             <a:r>
-              <a:rPr lang="en-US" dirty="0">
+              <a:rPr lang="en-US" sz="2000" dirty="0">
+                <a:solidFill>
+                  <a:srgbClr val="404040"/>
+                </a:solidFill>
                 <a:ea typeface="+mn-lt"/>
                 <a:cs typeface="+mn-lt"/>
               </a:rPr>
-              <a:t>• Starting your PhD and research life</a:t>
-            </a:r>
-          </a:p>
-          <a:p>
-            <a:pPr>
-              <a:buNone/>
+              <a:t>Starting your PhD and research life</a:t>
+            </a:r>
+            <a:endParaRPr lang="en-US" sz="2000" dirty="0">
+              <a:ea typeface="+mn-lt"/>
+              <a:cs typeface="+mn-lt"/>
+            </a:endParaRPr>
+          </a:p>
+          <a:p>
+            <a:pPr marL="342900" indent="-342900">
+              <a:lnSpc>
+                <a:spcPct val="90000"/>
+              </a:lnSpc>
+              <a:spcBef>
+                <a:spcPts val="1000"/>
+              </a:spcBef>
+              <a:buFont typeface="Arial" panose="020B0604020202020204" pitchFamily="34" charset="0"/>
+              <a:buChar char="•"/>
             </a:pPr>
             <a:r>
-              <a:rPr lang="en-US" dirty="0">
+              <a:rPr lang="en-US" sz="2000" dirty="0">
+                <a:solidFill>
+                  <a:srgbClr val="404040"/>
+                </a:solidFill>
                 <a:ea typeface="+mn-lt"/>
                 <a:cs typeface="+mn-lt"/>
               </a:rPr>
-              <a:t>• Publishing and conferences</a:t>
-            </a:r>
-          </a:p>
-          <a:p>
-            <a:pPr marL="0" indent="0">
-              <a:buNone/>
+              <a:t>Publishing and conferences</a:t>
+            </a:r>
+            <a:endParaRPr lang="en-US" sz="2000" dirty="0">
+              <a:ea typeface="+mn-lt"/>
+              <a:cs typeface="+mn-lt"/>
+            </a:endParaRPr>
+          </a:p>
+          <a:p>
+            <a:pPr marL="342900" indent="-342900">
+              <a:lnSpc>
+                <a:spcPct val="90000"/>
+              </a:lnSpc>
+              <a:spcBef>
+                <a:spcPts val="1000"/>
+              </a:spcBef>
+              <a:buFont typeface="Arial" panose="020B0604020202020204" pitchFamily="34" charset="0"/>
+              <a:buChar char="•"/>
             </a:pPr>
             <a:r>
-              <a:rPr lang="en-US" dirty="0">
+              <a:rPr lang="en-US" sz="2000" dirty="0">
+                <a:solidFill>
+                  <a:srgbClr val="404040"/>
+                </a:solidFill>
                 <a:ea typeface="+mn-lt"/>
                 <a:cs typeface="+mn-lt"/>
               </a:rPr>
-              <a:t>• Completing your PhD and career prospects</a:t>
-            </a:r>
+              <a:t>Completing your PhD and career prospects</a:t>
+            </a:r>
+            <a:endParaRPr lang="en-US" sz="2000" dirty="0">
+              <a:ea typeface="+mn-lt"/>
+              <a:cs typeface="+mn-lt"/>
+            </a:endParaRPr>
           </a:p>
         </p:txBody>
       </p:sp>
@@ -22922,9 +24453,8 @@
             </a:pPr>
             <a:r>
               <a:rPr lang="en-US" dirty="0"/>
-              <a:t>20XX</a:t>
-            </a:r>
-            <a:endParaRPr lang="en-US"/>
+              <a:t>July 2024</a:t>
+            </a:r>
           </a:p>
         </p:txBody>
       </p:sp>
@@ -22963,9 +24493,8 @@
             </a:pPr>
             <a:r>
               <a:rPr lang="en-US" dirty="0"/>
-              <a:t>Pitch Deck</a:t>
-            </a:r>
-            <a:endParaRPr lang="en-US"/>
+              <a:t>Pursuing a CS PhD in Europe and Germany</a:t>
+            </a:r>
           </a:p>
         </p:txBody>
       </p:sp>
@@ -23034,12 +24563,12 @@
         <p:spPr>
           <a:xfrm>
             <a:off x="838199" y="2136775"/>
-            <a:ext cx="6259704" cy="3697288"/>
+            <a:ext cx="5858165" cy="3697288"/>
           </a:xfrm>
         </p:spPr>
         <p:txBody>
           <a:bodyPr vert="horz" lIns="91440" tIns="45720" rIns="91440" bIns="45720" rtlCol="0" anchor="t">
-            <a:normAutofit/>
+            <a:normAutofit lnSpcReduction="10000"/>
           </a:bodyPr>
           <a:lstStyle/>
           <a:p>
@@ -23095,7 +24624,7 @@
           <p:nvPr>
             <p:extLst>
               <p:ext uri="{D42A27DB-BD31-4B8C-83A1-F6EECF244321}">
-                <p14:modId xmlns:p14="http://schemas.microsoft.com/office/powerpoint/2010/main" val="1852407930"/>
+                <p14:modId xmlns:p14="http://schemas.microsoft.com/office/powerpoint/2010/main" val="3435595313"/>
               </p:ext>
             </p:extLst>
           </p:nvPr>
@@ -23106,7 +24635,7 @@
         </p:xfrm>
         <a:graphic>
           <a:graphicData uri="http://schemas.openxmlformats.org/drawingml/2006/chart">
-            <c:chart xmlns:c="http://schemas.openxmlformats.org/drawingml/2006/chart" xmlns:r="http://schemas.openxmlformats.org/officeDocument/2006/relationships" r:id="rId2"/>
+            <c:chart xmlns:c="http://schemas.openxmlformats.org/drawingml/2006/chart" xmlns:r="http://schemas.openxmlformats.org/officeDocument/2006/relationships" r:id="rId3"/>
           </a:graphicData>
         </a:graphic>
       </p:graphicFrame>
@@ -23195,7 +24724,7 @@
           <a:p>
             <a:r>
               <a:rPr lang="en-US" dirty="0"/>
-              <a:t>20XX</a:t>
+              <a:t>July 2024</a:t>
             </a:r>
           </a:p>
         </p:txBody>
@@ -23221,9 +24750,14 @@
           <a:bodyPr/>
           <a:lstStyle/>
           <a:p>
+            <a:pPr>
+              <a:spcAft>
+                <a:spcPts val="600"/>
+              </a:spcAft>
+            </a:pPr>
             <a:r>
               <a:rPr lang="en-US" dirty="0"/>
-              <a:t>Pitch Deck</a:t>
+              <a:t>Pursuing a CS PhD in Europe and Germany</a:t>
             </a:r>
           </a:p>
         </p:txBody>
@@ -23273,71 +24807,227 @@
             <p:ph sz="quarter" idx="16"/>
           </p:nvPr>
         </p:nvSpPr>
-        <p:spPr/>
+        <p:spPr>
+          <a:xfrm>
+            <a:off x="838200" y="2136775"/>
+            <a:ext cx="6380748" cy="3697288"/>
+          </a:xfrm>
+        </p:spPr>
         <p:txBody>
           <a:bodyPr vert="horz" lIns="91440" tIns="45720" rIns="91440" bIns="45720" rtlCol="0" anchor="t">
             <a:normAutofit/>
           </a:bodyPr>
           <a:lstStyle/>
           <a:p>
-            <a:pPr>
-              <a:buNone/>
-            </a:pPr>
             <a:r>
               <a:rPr lang="en-US" dirty="0">
                 <a:ea typeface="+mn-lt"/>
                 <a:cs typeface="+mn-lt"/>
               </a:rPr>
-              <a:t>• Strong industry partnerships</a:t>
-            </a:r>
-          </a:p>
-          <a:p>
-            <a:pPr>
-              <a:buNone/>
-            </a:pPr>
+              <a:t>Strong industry partnerships</a:t>
+            </a:r>
+          </a:p>
+          <a:p>
             <a:r>
               <a:rPr lang="en-US" dirty="0">
                 <a:ea typeface="+mn-lt"/>
                 <a:cs typeface="+mn-lt"/>
               </a:rPr>
-              <a:t>• Excellent funding opportunities</a:t>
-            </a:r>
-          </a:p>
-          <a:p>
-            <a:pPr>
-              <a:buNone/>
-            </a:pPr>
+              <a:t>Excellent funding opportunities</a:t>
+            </a:r>
+          </a:p>
+          <a:p>
             <a:r>
               <a:rPr lang="en-US" dirty="0">
                 <a:ea typeface="+mn-lt"/>
                 <a:cs typeface="+mn-lt"/>
               </a:rPr>
-              <a:t>• World-class research institutions</a:t>
-            </a:r>
-          </a:p>
-          <a:p>
-            <a:pPr>
-              <a:buNone/>
-            </a:pPr>
+              <a:t>World-class research institutions</a:t>
+            </a:r>
+          </a:p>
+          <a:p>
             <a:r>
               <a:rPr lang="en-US" dirty="0">
                 <a:ea typeface="+mn-lt"/>
                 <a:cs typeface="+mn-lt"/>
               </a:rPr>
-              <a:t>• Focus on applied research</a:t>
-            </a:r>
-          </a:p>
-          <a:p>
-            <a:pPr marL="0" indent="0">
-              <a:buNone/>
-            </a:pPr>
+              <a:t>Focus on applied research</a:t>
+            </a:r>
+          </a:p>
+          <a:p>
             <a:r>
               <a:rPr lang="en-US" dirty="0">
                 <a:ea typeface="+mn-lt"/>
                 <a:cs typeface="+mn-lt"/>
               </a:rPr>
-              <a:t>• Structured vs. individual doctorate programs</a:t>
-            </a:r>
+              <a:t>Structured vs. individual doctorate programs</a:t>
+            </a:r>
+          </a:p>
+        </p:txBody>
+      </p:sp>
+      <p:pic>
+        <p:nvPicPr>
+          <p:cNvPr id="1028" name="Picture 4" descr="7 best places to visit in Germany - Tripadvisor">
+            <a:extLst>
+              <a:ext uri="{FF2B5EF4-FFF2-40B4-BE49-F238E27FC236}">
+                <a16:creationId xmlns:a16="http://schemas.microsoft.com/office/drawing/2014/main" id="{DE424272-F00D-C196-91B0-15211F066E7C}"/>
+              </a:ext>
+            </a:extLst>
+          </p:cNvPr>
+          <p:cNvPicPr>
+            <a:picLocks noChangeAspect="1" noChangeArrowheads="1"/>
+          </p:cNvPicPr>
+          <p:nvPr/>
+        </p:nvPicPr>
+        <p:blipFill>
+          <a:blip r:embed="rId2">
+            <a:extLst>
+              <a:ext uri="{28A0092B-C50C-407E-A947-70E740481C1C}">
+                <a14:useLocalDpi xmlns:a14="http://schemas.microsoft.com/office/drawing/2010/main" val="0"/>
+              </a:ext>
+            </a:extLst>
+          </a:blip>
+          <a:srcRect/>
+          <a:stretch>
+            <a:fillRect/>
+          </a:stretch>
+        </p:blipFill>
+        <p:spPr bwMode="auto">
+          <a:xfrm>
+            <a:off x="7760371" y="1793456"/>
+            <a:ext cx="2968383" cy="1669715"/>
+          </a:xfrm>
+          <a:prstGeom prst="rect">
+            <a:avLst/>
+          </a:prstGeom>
+          <a:noFill/>
+          <a:extLst>
+            <a:ext uri="{909E8E84-426E-40DD-AFC4-6F175D3DCCD1}">
+              <a14:hiddenFill xmlns:a14="http://schemas.microsoft.com/office/drawing/2010/main">
+                <a:solidFill>
+                  <a:srgbClr val="FFFFFF"/>
+                </a:solidFill>
+              </a14:hiddenFill>
+            </a:ext>
+          </a:extLst>
+        </p:spPr>
+      </p:pic>
+      <p:pic>
+        <p:nvPicPr>
+          <p:cNvPr id="1030" name="Picture 6" descr="Sunset in Heidelberg, Germany ">
+            <a:extLst>
+              <a:ext uri="{FF2B5EF4-FFF2-40B4-BE49-F238E27FC236}">
+                <a16:creationId xmlns:a16="http://schemas.microsoft.com/office/drawing/2014/main" id="{939C14B6-5D06-8855-BB80-31369F8E94C2}"/>
+              </a:ext>
+            </a:extLst>
+          </p:cNvPr>
+          <p:cNvPicPr>
+            <a:picLocks noChangeAspect="1" noChangeArrowheads="1"/>
+          </p:cNvPicPr>
+          <p:nvPr/>
+        </p:nvPicPr>
+        <p:blipFill>
+          <a:blip r:embed="rId3">
+            <a:extLst>
+              <a:ext uri="{28A0092B-C50C-407E-A947-70E740481C1C}">
+                <a14:useLocalDpi xmlns:a14="http://schemas.microsoft.com/office/drawing/2010/main" val="0"/>
+              </a:ext>
+            </a:extLst>
+          </a:blip>
+          <a:srcRect/>
+          <a:stretch>
+            <a:fillRect/>
+          </a:stretch>
+        </p:blipFill>
+        <p:spPr bwMode="auto">
+          <a:xfrm>
+            <a:off x="7760372" y="4074903"/>
+            <a:ext cx="2968382" cy="1669715"/>
+          </a:xfrm>
+          <a:prstGeom prst="rect">
+            <a:avLst/>
+          </a:prstGeom>
+          <a:noFill/>
+          <a:extLst>
+            <a:ext uri="{909E8E84-426E-40DD-AFC4-6F175D3DCCD1}">
+              <a14:hiddenFill xmlns:a14="http://schemas.microsoft.com/office/drawing/2010/main">
+                <a:solidFill>
+                  <a:srgbClr val="FFFFFF"/>
+                </a:solidFill>
+              </a14:hiddenFill>
+            </a:ext>
+          </a:extLst>
+        </p:spPr>
+      </p:pic>
+      <p:sp>
+        <p:nvSpPr>
+          <p:cNvPr id="7" name="TextBox 6">
+            <a:extLst>
+              <a:ext uri="{FF2B5EF4-FFF2-40B4-BE49-F238E27FC236}">
+                <a16:creationId xmlns:a16="http://schemas.microsoft.com/office/drawing/2014/main" id="{C2EF778D-174C-C50F-7D59-82A6488914FA}"/>
+              </a:ext>
+            </a:extLst>
+          </p:cNvPr>
+          <p:cNvSpPr txBox="1"/>
+          <p:nvPr/>
+        </p:nvSpPr>
+        <p:spPr>
+          <a:xfrm>
+            <a:off x="8793990" y="3469521"/>
+            <a:ext cx="901144" cy="369332"/>
+          </a:xfrm>
+          <a:prstGeom prst="rect">
+            <a:avLst/>
+          </a:prstGeom>
+          <a:noFill/>
+        </p:spPr>
+        <p:txBody>
+          <a:bodyPr wrap="none" rtlCol="0">
+            <a:spAutoFit/>
+          </a:bodyPr>
+          <a:lstStyle/>
+          <a:p>
+            <a:r>
+              <a:rPr lang="en-US" dirty="0"/>
+              <a:t>Munich</a:t>
+            </a:r>
+            <a:endParaRPr lang="en-DE" dirty="0"/>
+          </a:p>
+        </p:txBody>
+      </p:sp>
+      <p:sp>
+        <p:nvSpPr>
+          <p:cNvPr id="8" name="TextBox 7">
+            <a:extLst>
+              <a:ext uri="{FF2B5EF4-FFF2-40B4-BE49-F238E27FC236}">
+                <a16:creationId xmlns:a16="http://schemas.microsoft.com/office/drawing/2014/main" id="{243D76E6-90F2-55EF-3386-406C44A473C0}"/>
+              </a:ext>
+            </a:extLst>
+          </p:cNvPr>
+          <p:cNvSpPr txBox="1"/>
+          <p:nvPr/>
+        </p:nvSpPr>
+        <p:spPr>
+          <a:xfrm>
+            <a:off x="8703441" y="5744618"/>
+            <a:ext cx="1269450" cy="369332"/>
+          </a:xfrm>
+          <a:prstGeom prst="rect">
+            <a:avLst/>
+          </a:prstGeom>
+          <a:noFill/>
+        </p:spPr>
+        <p:txBody>
+          <a:bodyPr wrap="none" rtlCol="0">
+            <a:spAutoFit/>
+          </a:bodyPr>
+          <a:lstStyle/>
+          <a:p>
+            <a:r>
+              <a:rPr lang="en-US" dirty="0"/>
+              <a:t>Heidelberg</a:t>
+            </a:r>
+            <a:endParaRPr lang="en-DE" dirty="0"/>
           </a:p>
         </p:txBody>
       </p:sp>
@@ -23426,7 +25116,7 @@
           <a:p>
             <a:r>
               <a:rPr lang="en-US" dirty="0"/>
-              <a:t>20XX</a:t>
+              <a:t>July 2024</a:t>
             </a:r>
           </a:p>
         </p:txBody>
@@ -23452,9 +25142,14 @@
           <a:bodyPr/>
           <a:lstStyle/>
           <a:p>
+            <a:pPr>
+              <a:spcAft>
+                <a:spcPts val="600"/>
+              </a:spcAft>
+            </a:pPr>
             <a:r>
               <a:rPr lang="en-US" dirty="0"/>
-              <a:t>Pitch Deck</a:t>
+              <a:t>Pursuing a CS PhD in Europe and Germany</a:t>
             </a:r>
           </a:p>
         </p:txBody>
@@ -23511,75 +25206,57 @@
           </a:bodyPr>
           <a:lstStyle/>
           <a:p>
-            <a:pPr>
-              <a:buNone/>
-            </a:pPr>
             <a:r>
               <a:rPr lang="en-US" dirty="0">
                 <a:ea typeface="+mn-lt"/>
                 <a:cs typeface="+mn-lt"/>
               </a:rPr>
-              <a:t>• High-quality research environment</a:t>
-            </a:r>
-          </a:p>
-          <a:p>
-            <a:pPr>
-              <a:buNone/>
-            </a:pPr>
+              <a:t>High-quality research environment</a:t>
+            </a:r>
+          </a:p>
+          <a:p>
             <a:r>
               <a:rPr lang="en-US" dirty="0">
                 <a:ea typeface="+mn-lt"/>
                 <a:cs typeface="+mn-lt"/>
               </a:rPr>
-              <a:t>• International collaboration opportunities</a:t>
-            </a:r>
-          </a:p>
-          <a:p>
-            <a:pPr>
-              <a:buNone/>
-            </a:pPr>
+              <a:t>International collaboration opportunities</a:t>
+            </a:r>
+          </a:p>
+          <a:p>
             <a:r>
               <a:rPr lang="en-US" dirty="0">
                 <a:ea typeface="+mn-lt"/>
                 <a:cs typeface="+mn-lt"/>
               </a:rPr>
-              <a:t>• Access to cutting-edge technologies and resources</a:t>
-            </a:r>
-          </a:p>
-          <a:p>
-            <a:pPr>
-              <a:buNone/>
-            </a:pPr>
+              <a:t>Access to cutting-edge technologies and resources</a:t>
+            </a:r>
+          </a:p>
+          <a:p>
             <a:r>
               <a:rPr lang="en-US" dirty="0">
                 <a:ea typeface="+mn-lt"/>
                 <a:cs typeface="+mn-lt"/>
               </a:rPr>
-              <a:t>• Strong emphasis on work-life balance</a:t>
-            </a:r>
-          </a:p>
-          <a:p>
-            <a:pPr>
-              <a:buNone/>
-            </a:pPr>
+              <a:t>Strong emphasis on work-life balance</a:t>
+            </a:r>
+          </a:p>
+          <a:p>
             <a:r>
               <a:rPr lang="en-US" dirty="0">
                 <a:ea typeface="+mn-lt"/>
                 <a:cs typeface="+mn-lt"/>
               </a:rPr>
-              <a:t>• Potential for industry connections</a:t>
-            </a:r>
-          </a:p>
-          <a:p>
-            <a:pPr marL="0" indent="0">
-              <a:buNone/>
-            </a:pPr>
+              <a:t>Potential for industry connections</a:t>
+            </a:r>
+          </a:p>
+          <a:p>
             <a:r>
               <a:rPr lang="en-US" dirty="0">
                 <a:ea typeface="+mn-lt"/>
                 <a:cs typeface="+mn-lt"/>
               </a:rPr>
-              <a:t>• Cultural experience and language skills</a:t>
+              <a:t>Cultural experience and language skills</a:t>
             </a:r>
           </a:p>
         </p:txBody>
@@ -23636,7 +25313,7 @@
           <a:lstStyle/>
           <a:p>
             <a:r>
-              <a:rPr lang="en-US">
+              <a:rPr lang="en-US" dirty="0">
                 <a:ea typeface="+mj-lt"/>
                 <a:cs typeface="+mj-lt"/>
               </a:rPr>
@@ -23668,7 +25345,7 @@
           <a:p>
             <a:r>
               <a:rPr lang="en-US" dirty="0"/>
-              <a:t>20XX</a:t>
+              <a:t>July 2024</a:t>
             </a:r>
           </a:p>
         </p:txBody>
@@ -23694,9 +25371,14 @@
           <a:bodyPr/>
           <a:lstStyle/>
           <a:p>
+            <a:pPr>
+              <a:spcAft>
+                <a:spcPts val="600"/>
+              </a:spcAft>
+            </a:pPr>
             <a:r>
               <a:rPr lang="en-US" dirty="0"/>
-              <a:t>Pitch Deck</a:t>
+              <a:t>Pursuing a CS PhD in Europe and Germany</a:t>
             </a:r>
           </a:p>
         </p:txBody>
@@ -23746,10 +25428,15 @@
             <p:ph sz="quarter" idx="16"/>
           </p:nvPr>
         </p:nvSpPr>
-        <p:spPr/>
+        <p:spPr>
+          <a:xfrm>
+            <a:off x="838199" y="2136775"/>
+            <a:ext cx="3382819" cy="3697288"/>
+          </a:xfrm>
+        </p:spPr>
         <p:txBody>
           <a:bodyPr vert="horz" lIns="91440" tIns="45720" rIns="91440" bIns="45720" rtlCol="0" anchor="t">
-            <a:normAutofit fontScale="77500" lnSpcReduction="20000"/>
+            <a:normAutofit/>
           </a:bodyPr>
           <a:lstStyle/>
           <a:p>
@@ -23757,130 +25444,527 @@
               <a:buNone/>
             </a:pPr>
             <a:r>
-              <a:rPr lang="en-US" dirty="0">
+              <a:rPr lang="en-US" sz="2400" dirty="0">
                 <a:ea typeface="+mn-lt"/>
                 <a:cs typeface="+mn-lt"/>
               </a:rPr>
               <a:t>Academic Qualifications</a:t>
             </a:r>
-            <a:endParaRPr lang="en-US"/>
-          </a:p>
-          <a:p>
-            <a:pPr>
-              <a:buNone/>
-            </a:pPr>
-            <a:r>
-              <a:rPr lang="en-US" dirty="0">
+            <a:endParaRPr lang="en-US" sz="2400" dirty="0"/>
+          </a:p>
+          <a:p>
+            <a:r>
+              <a:rPr lang="en-US" sz="2000" dirty="0">
                 <a:ea typeface="+mn-lt"/>
                 <a:cs typeface="+mn-lt"/>
               </a:rPr>
-              <a:t>• Master’s degree in CS or related field</a:t>
-            </a:r>
-            <a:endParaRPr lang="en-US" dirty="0"/>
-          </a:p>
-          <a:p>
-            <a:pPr>
-              <a:buNone/>
-            </a:pPr>
-            <a:r>
-              <a:rPr lang="en-US" dirty="0">
+              <a:t>Master’s degree in CS or related field</a:t>
+            </a:r>
+            <a:endParaRPr lang="en-US" sz="2000" dirty="0"/>
+          </a:p>
+          <a:p>
+            <a:r>
+              <a:rPr lang="en-US" sz="2000" dirty="0">
                 <a:ea typeface="+mn-lt"/>
                 <a:cs typeface="+mn-lt"/>
               </a:rPr>
-              <a:t>• Strong academic record (typically 2.0 or better in German grading system)</a:t>
-            </a:r>
-            <a:endParaRPr lang="en-US" dirty="0"/>
-          </a:p>
+              <a:t>Strong academic record (typically 2.0 or better in German grading system, B+/3.3 GPA or better in U.S. grading system)</a:t>
+            </a:r>
+            <a:endParaRPr lang="en-US" sz="2000" dirty="0"/>
+          </a:p>
+        </p:txBody>
+      </p:sp>
+      <p:sp>
+        <p:nvSpPr>
+          <p:cNvPr id="7" name="Content Placeholder 5">
+            <a:extLst>
+              <a:ext uri="{FF2B5EF4-FFF2-40B4-BE49-F238E27FC236}">
+                <a16:creationId xmlns:a16="http://schemas.microsoft.com/office/drawing/2014/main" id="{7799928A-E445-7855-CE19-D0D6EECDACF3}"/>
+              </a:ext>
+            </a:extLst>
+          </p:cNvPr>
+          <p:cNvSpPr txBox="1">
+            <a:spLocks/>
+          </p:cNvSpPr>
+          <p:nvPr/>
+        </p:nvSpPr>
+        <p:spPr>
+          <a:xfrm>
+            <a:off x="4525817" y="2136775"/>
+            <a:ext cx="3382819" cy="3697288"/>
+          </a:xfrm>
+          <a:prstGeom prst="rect">
+            <a:avLst/>
+          </a:prstGeom>
+        </p:spPr>
+        <p:txBody>
+          <a:bodyPr vert="horz" lIns="91440" tIns="45720" rIns="91440" bIns="45720" rtlCol="0" anchor="t">
+            <a:normAutofit/>
+          </a:bodyPr>
+          <a:lstStyle>
+            <a:lvl1pPr marL="228600" indent="-228600" algn="l" defTabSz="914400" rtl="0" eaLnBrk="1" latinLnBrk="0" hangingPunct="1">
+              <a:lnSpc>
+                <a:spcPct val="90000"/>
+              </a:lnSpc>
+              <a:spcBef>
+                <a:spcPts val="1000"/>
+              </a:spcBef>
+              <a:buFont typeface="Arial" panose="020B0604020202020204" pitchFamily="34" charset="0"/>
+              <a:buChar char="•"/>
+              <a:defRPr sz="2800" kern="1200">
+                <a:solidFill>
+                  <a:schemeClr val="tx1">
+                    <a:lumMod val="75000"/>
+                    <a:lumOff val="25000"/>
+                  </a:schemeClr>
+                </a:solidFill>
+                <a:latin typeface="+mn-lt"/>
+                <a:ea typeface="+mn-ea"/>
+                <a:cs typeface="+mn-cs"/>
+              </a:defRPr>
+            </a:lvl1pPr>
+            <a:lvl2pPr marL="685800" indent="-228600" algn="l" defTabSz="914400" rtl="0" eaLnBrk="1" latinLnBrk="0" hangingPunct="1">
+              <a:lnSpc>
+                <a:spcPct val="90000"/>
+              </a:lnSpc>
+              <a:spcBef>
+                <a:spcPts val="500"/>
+              </a:spcBef>
+              <a:buFont typeface="Arial" panose="020B0604020202020204" pitchFamily="34" charset="0"/>
+              <a:buChar char="•"/>
+              <a:defRPr sz="2400" kern="1200">
+                <a:solidFill>
+                  <a:schemeClr val="tx1">
+                    <a:lumMod val="75000"/>
+                    <a:lumOff val="25000"/>
+                  </a:schemeClr>
+                </a:solidFill>
+                <a:latin typeface="+mn-lt"/>
+                <a:ea typeface="+mn-ea"/>
+                <a:cs typeface="+mn-cs"/>
+              </a:defRPr>
+            </a:lvl2pPr>
+            <a:lvl3pPr marL="1143000" indent="-228600" algn="l" defTabSz="914400" rtl="0" eaLnBrk="1" latinLnBrk="0" hangingPunct="1">
+              <a:lnSpc>
+                <a:spcPct val="90000"/>
+              </a:lnSpc>
+              <a:spcBef>
+                <a:spcPts val="500"/>
+              </a:spcBef>
+              <a:buFont typeface="Arial" panose="020B0604020202020204" pitchFamily="34" charset="0"/>
+              <a:buChar char="•"/>
+              <a:defRPr sz="2000" kern="1200">
+                <a:solidFill>
+                  <a:schemeClr val="tx1">
+                    <a:lumMod val="75000"/>
+                    <a:lumOff val="25000"/>
+                  </a:schemeClr>
+                </a:solidFill>
+                <a:latin typeface="+mn-lt"/>
+                <a:ea typeface="+mn-ea"/>
+                <a:cs typeface="+mn-cs"/>
+              </a:defRPr>
+            </a:lvl3pPr>
+            <a:lvl4pPr marL="1600200" indent="-228600" algn="l" defTabSz="914400" rtl="0" eaLnBrk="1" latinLnBrk="0" hangingPunct="1">
+              <a:lnSpc>
+                <a:spcPct val="90000"/>
+              </a:lnSpc>
+              <a:spcBef>
+                <a:spcPts val="500"/>
+              </a:spcBef>
+              <a:buFont typeface="Arial" panose="020B0604020202020204" pitchFamily="34" charset="0"/>
+              <a:buChar char="•"/>
+              <a:defRPr sz="1800" kern="1200">
+                <a:solidFill>
+                  <a:schemeClr val="tx1">
+                    <a:lumMod val="75000"/>
+                    <a:lumOff val="25000"/>
+                  </a:schemeClr>
+                </a:solidFill>
+                <a:latin typeface="+mn-lt"/>
+                <a:ea typeface="+mn-ea"/>
+                <a:cs typeface="+mn-cs"/>
+              </a:defRPr>
+            </a:lvl4pPr>
+            <a:lvl5pPr marL="2057400" indent="-228600" algn="l" defTabSz="914400" rtl="0" eaLnBrk="1" latinLnBrk="0" hangingPunct="1">
+              <a:lnSpc>
+                <a:spcPct val="90000"/>
+              </a:lnSpc>
+              <a:spcBef>
+                <a:spcPts val="500"/>
+              </a:spcBef>
+              <a:buFont typeface="Arial" panose="020B0604020202020204" pitchFamily="34" charset="0"/>
+              <a:buChar char="•"/>
+              <a:defRPr sz="1800" kern="1200">
+                <a:solidFill>
+                  <a:schemeClr val="tx1">
+                    <a:lumMod val="75000"/>
+                    <a:lumOff val="25000"/>
+                  </a:schemeClr>
+                </a:solidFill>
+                <a:latin typeface="+mn-lt"/>
+                <a:ea typeface="+mn-ea"/>
+                <a:cs typeface="+mn-cs"/>
+              </a:defRPr>
+            </a:lvl5pPr>
+            <a:lvl6pPr marL="2514600" indent="-228600" algn="l" defTabSz="914400" rtl="0" eaLnBrk="1" latinLnBrk="0" hangingPunct="1">
+              <a:lnSpc>
+                <a:spcPct val="90000"/>
+              </a:lnSpc>
+              <a:spcBef>
+                <a:spcPts val="500"/>
+              </a:spcBef>
+              <a:buFont typeface="Arial" panose="020B0604020202020204" pitchFamily="34" charset="0"/>
+              <a:buChar char="•"/>
+              <a:defRPr sz="1800" kern="1200">
+                <a:solidFill>
+                  <a:schemeClr val="tx1"/>
+                </a:solidFill>
+                <a:latin typeface="+mn-lt"/>
+                <a:ea typeface="+mn-ea"/>
+                <a:cs typeface="+mn-cs"/>
+              </a:defRPr>
+            </a:lvl6pPr>
+            <a:lvl7pPr marL="2971800" indent="-228600" algn="l" defTabSz="914400" rtl="0" eaLnBrk="1" latinLnBrk="0" hangingPunct="1">
+              <a:lnSpc>
+                <a:spcPct val="90000"/>
+              </a:lnSpc>
+              <a:spcBef>
+                <a:spcPts val="500"/>
+              </a:spcBef>
+              <a:buFont typeface="Arial" panose="020B0604020202020204" pitchFamily="34" charset="0"/>
+              <a:buChar char="•"/>
+              <a:defRPr sz="1800" kern="1200">
+                <a:solidFill>
+                  <a:schemeClr val="tx1"/>
+                </a:solidFill>
+                <a:latin typeface="+mn-lt"/>
+                <a:ea typeface="+mn-ea"/>
+                <a:cs typeface="+mn-cs"/>
+              </a:defRPr>
+            </a:lvl7pPr>
+            <a:lvl8pPr marL="3429000" indent="-228600" algn="l" defTabSz="914400" rtl="0" eaLnBrk="1" latinLnBrk="0" hangingPunct="1">
+              <a:lnSpc>
+                <a:spcPct val="90000"/>
+              </a:lnSpc>
+              <a:spcBef>
+                <a:spcPts val="500"/>
+              </a:spcBef>
+              <a:buFont typeface="Arial" panose="020B0604020202020204" pitchFamily="34" charset="0"/>
+              <a:buChar char="•"/>
+              <a:defRPr sz="1800" kern="1200">
+                <a:solidFill>
+                  <a:schemeClr val="tx1"/>
+                </a:solidFill>
+                <a:latin typeface="+mn-lt"/>
+                <a:ea typeface="+mn-ea"/>
+                <a:cs typeface="+mn-cs"/>
+              </a:defRPr>
+            </a:lvl8pPr>
+            <a:lvl9pPr marL="3886200" indent="-228600" algn="l" defTabSz="914400" rtl="0" eaLnBrk="1" latinLnBrk="0" hangingPunct="1">
+              <a:lnSpc>
+                <a:spcPct val="90000"/>
+              </a:lnSpc>
+              <a:spcBef>
+                <a:spcPts val="500"/>
+              </a:spcBef>
+              <a:buFont typeface="Arial" panose="020B0604020202020204" pitchFamily="34" charset="0"/>
+              <a:buChar char="•"/>
+              <a:defRPr sz="1800" kern="1200">
+                <a:solidFill>
+                  <a:schemeClr val="tx1"/>
+                </a:solidFill>
+                <a:latin typeface="+mn-lt"/>
+                <a:ea typeface="+mn-ea"/>
+                <a:cs typeface="+mn-cs"/>
+              </a:defRPr>
+            </a:lvl9pPr>
+          </a:lstStyle>
           <a:p>
             <a:pPr>
+              <a:buFont typeface="Arial" panose="020B0604020202020204" pitchFamily="34" charset="0"/>
               <a:buNone/>
             </a:pPr>
             <a:r>
-              <a:rPr lang="en-US" dirty="0">
+              <a:rPr lang="en-US" sz="2400" dirty="0">
                 <a:ea typeface="+mn-lt"/>
                 <a:cs typeface="+mn-lt"/>
               </a:rPr>
               <a:t>Language Requirements</a:t>
             </a:r>
-            <a:endParaRPr lang="en-US" dirty="0"/>
-          </a:p>
-          <a:p>
-            <a:pPr>
-              <a:buNone/>
-            </a:pPr>
-            <a:r>
-              <a:rPr lang="en-US" dirty="0">
+            <a:endParaRPr lang="en-US" sz="2400" dirty="0"/>
+          </a:p>
+          <a:p>
+            <a:r>
+              <a:rPr lang="en-US" sz="2000" dirty="0">
                 <a:ea typeface="+mn-lt"/>
                 <a:cs typeface="+mn-lt"/>
               </a:rPr>
-              <a:t>• English: Usually IELTS 6.5+ or equivalent</a:t>
-            </a:r>
-            <a:endParaRPr lang="en-US" dirty="0"/>
-          </a:p>
-          <a:p>
-            <a:pPr>
-              <a:buNone/>
-            </a:pPr>
-            <a:r>
-              <a:rPr lang="en-US" dirty="0">
+              <a:t>English: Usually IELTS 6.5+ or equivalent</a:t>
+            </a:r>
+            <a:endParaRPr lang="en-US" sz="2000" dirty="0"/>
+          </a:p>
+          <a:p>
+            <a:r>
+              <a:rPr lang="en-US" sz="2000" dirty="0">
                 <a:ea typeface="+mn-lt"/>
                 <a:cs typeface="+mn-lt"/>
               </a:rPr>
-              <a:t>• German: Often not required, but beneficial</a:t>
-            </a:r>
-            <a:endParaRPr lang="en-US" dirty="0"/>
-          </a:p>
+              <a:t>German: Often not required, but beneficial</a:t>
+            </a:r>
+            <a:endParaRPr lang="en-US" sz="2000" dirty="0"/>
+          </a:p>
+        </p:txBody>
+      </p:sp>
+      <p:sp>
+        <p:nvSpPr>
+          <p:cNvPr id="8" name="Content Placeholder 5">
+            <a:extLst>
+              <a:ext uri="{FF2B5EF4-FFF2-40B4-BE49-F238E27FC236}">
+                <a16:creationId xmlns:a16="http://schemas.microsoft.com/office/drawing/2014/main" id="{6B84EFE0-D13D-ED70-7EB5-B5D6100C2D3C}"/>
+              </a:ext>
+            </a:extLst>
+          </p:cNvPr>
+          <p:cNvSpPr txBox="1">
+            <a:spLocks/>
+          </p:cNvSpPr>
+          <p:nvPr/>
+        </p:nvSpPr>
+        <p:spPr>
+          <a:xfrm>
+            <a:off x="8153400" y="2136775"/>
+            <a:ext cx="3382819" cy="3697288"/>
+          </a:xfrm>
+          <a:prstGeom prst="rect">
+            <a:avLst/>
+          </a:prstGeom>
+        </p:spPr>
+        <p:txBody>
+          <a:bodyPr vert="horz" lIns="91440" tIns="45720" rIns="91440" bIns="45720" rtlCol="0" anchor="t">
+            <a:normAutofit/>
+          </a:bodyPr>
+          <a:lstStyle>
+            <a:lvl1pPr marL="228600" indent="-228600" algn="l" defTabSz="914400" rtl="0" eaLnBrk="1" latinLnBrk="0" hangingPunct="1">
+              <a:lnSpc>
+                <a:spcPct val="90000"/>
+              </a:lnSpc>
+              <a:spcBef>
+                <a:spcPts val="1000"/>
+              </a:spcBef>
+              <a:buFont typeface="Arial" panose="020B0604020202020204" pitchFamily="34" charset="0"/>
+              <a:buChar char="•"/>
+              <a:defRPr sz="2800" kern="1200">
+                <a:solidFill>
+                  <a:schemeClr val="tx1">
+                    <a:lumMod val="75000"/>
+                    <a:lumOff val="25000"/>
+                  </a:schemeClr>
+                </a:solidFill>
+                <a:latin typeface="+mn-lt"/>
+                <a:ea typeface="+mn-ea"/>
+                <a:cs typeface="+mn-cs"/>
+              </a:defRPr>
+            </a:lvl1pPr>
+            <a:lvl2pPr marL="685800" indent="-228600" algn="l" defTabSz="914400" rtl="0" eaLnBrk="1" latinLnBrk="0" hangingPunct="1">
+              <a:lnSpc>
+                <a:spcPct val="90000"/>
+              </a:lnSpc>
+              <a:spcBef>
+                <a:spcPts val="500"/>
+              </a:spcBef>
+              <a:buFont typeface="Arial" panose="020B0604020202020204" pitchFamily="34" charset="0"/>
+              <a:buChar char="•"/>
+              <a:defRPr sz="2400" kern="1200">
+                <a:solidFill>
+                  <a:schemeClr val="tx1">
+                    <a:lumMod val="75000"/>
+                    <a:lumOff val="25000"/>
+                  </a:schemeClr>
+                </a:solidFill>
+                <a:latin typeface="+mn-lt"/>
+                <a:ea typeface="+mn-ea"/>
+                <a:cs typeface="+mn-cs"/>
+              </a:defRPr>
+            </a:lvl2pPr>
+            <a:lvl3pPr marL="1143000" indent="-228600" algn="l" defTabSz="914400" rtl="0" eaLnBrk="1" latinLnBrk="0" hangingPunct="1">
+              <a:lnSpc>
+                <a:spcPct val="90000"/>
+              </a:lnSpc>
+              <a:spcBef>
+                <a:spcPts val="500"/>
+              </a:spcBef>
+              <a:buFont typeface="Arial" panose="020B0604020202020204" pitchFamily="34" charset="0"/>
+              <a:buChar char="•"/>
+              <a:defRPr sz="2000" kern="1200">
+                <a:solidFill>
+                  <a:schemeClr val="tx1">
+                    <a:lumMod val="75000"/>
+                    <a:lumOff val="25000"/>
+                  </a:schemeClr>
+                </a:solidFill>
+                <a:latin typeface="+mn-lt"/>
+                <a:ea typeface="+mn-ea"/>
+                <a:cs typeface="+mn-cs"/>
+              </a:defRPr>
+            </a:lvl3pPr>
+            <a:lvl4pPr marL="1600200" indent="-228600" algn="l" defTabSz="914400" rtl="0" eaLnBrk="1" latinLnBrk="0" hangingPunct="1">
+              <a:lnSpc>
+                <a:spcPct val="90000"/>
+              </a:lnSpc>
+              <a:spcBef>
+                <a:spcPts val="500"/>
+              </a:spcBef>
+              <a:buFont typeface="Arial" panose="020B0604020202020204" pitchFamily="34" charset="0"/>
+              <a:buChar char="•"/>
+              <a:defRPr sz="1800" kern="1200">
+                <a:solidFill>
+                  <a:schemeClr val="tx1">
+                    <a:lumMod val="75000"/>
+                    <a:lumOff val="25000"/>
+                  </a:schemeClr>
+                </a:solidFill>
+                <a:latin typeface="+mn-lt"/>
+                <a:ea typeface="+mn-ea"/>
+                <a:cs typeface="+mn-cs"/>
+              </a:defRPr>
+            </a:lvl4pPr>
+            <a:lvl5pPr marL="2057400" indent="-228600" algn="l" defTabSz="914400" rtl="0" eaLnBrk="1" latinLnBrk="0" hangingPunct="1">
+              <a:lnSpc>
+                <a:spcPct val="90000"/>
+              </a:lnSpc>
+              <a:spcBef>
+                <a:spcPts val="500"/>
+              </a:spcBef>
+              <a:buFont typeface="Arial" panose="020B0604020202020204" pitchFamily="34" charset="0"/>
+              <a:buChar char="•"/>
+              <a:defRPr sz="1800" kern="1200">
+                <a:solidFill>
+                  <a:schemeClr val="tx1">
+                    <a:lumMod val="75000"/>
+                    <a:lumOff val="25000"/>
+                  </a:schemeClr>
+                </a:solidFill>
+                <a:latin typeface="+mn-lt"/>
+                <a:ea typeface="+mn-ea"/>
+                <a:cs typeface="+mn-cs"/>
+              </a:defRPr>
+            </a:lvl5pPr>
+            <a:lvl6pPr marL="2514600" indent="-228600" algn="l" defTabSz="914400" rtl="0" eaLnBrk="1" latinLnBrk="0" hangingPunct="1">
+              <a:lnSpc>
+                <a:spcPct val="90000"/>
+              </a:lnSpc>
+              <a:spcBef>
+                <a:spcPts val="500"/>
+              </a:spcBef>
+              <a:buFont typeface="Arial" panose="020B0604020202020204" pitchFamily="34" charset="0"/>
+              <a:buChar char="•"/>
+              <a:defRPr sz="1800" kern="1200">
+                <a:solidFill>
+                  <a:schemeClr val="tx1"/>
+                </a:solidFill>
+                <a:latin typeface="+mn-lt"/>
+                <a:ea typeface="+mn-ea"/>
+                <a:cs typeface="+mn-cs"/>
+              </a:defRPr>
+            </a:lvl6pPr>
+            <a:lvl7pPr marL="2971800" indent="-228600" algn="l" defTabSz="914400" rtl="0" eaLnBrk="1" latinLnBrk="0" hangingPunct="1">
+              <a:lnSpc>
+                <a:spcPct val="90000"/>
+              </a:lnSpc>
+              <a:spcBef>
+                <a:spcPts val="500"/>
+              </a:spcBef>
+              <a:buFont typeface="Arial" panose="020B0604020202020204" pitchFamily="34" charset="0"/>
+              <a:buChar char="•"/>
+              <a:defRPr sz="1800" kern="1200">
+                <a:solidFill>
+                  <a:schemeClr val="tx1"/>
+                </a:solidFill>
+                <a:latin typeface="+mn-lt"/>
+                <a:ea typeface="+mn-ea"/>
+                <a:cs typeface="+mn-cs"/>
+              </a:defRPr>
+            </a:lvl7pPr>
+            <a:lvl8pPr marL="3429000" indent="-228600" algn="l" defTabSz="914400" rtl="0" eaLnBrk="1" latinLnBrk="0" hangingPunct="1">
+              <a:lnSpc>
+                <a:spcPct val="90000"/>
+              </a:lnSpc>
+              <a:spcBef>
+                <a:spcPts val="500"/>
+              </a:spcBef>
+              <a:buFont typeface="Arial" panose="020B0604020202020204" pitchFamily="34" charset="0"/>
+              <a:buChar char="•"/>
+              <a:defRPr sz="1800" kern="1200">
+                <a:solidFill>
+                  <a:schemeClr val="tx1"/>
+                </a:solidFill>
+                <a:latin typeface="+mn-lt"/>
+                <a:ea typeface="+mn-ea"/>
+                <a:cs typeface="+mn-cs"/>
+              </a:defRPr>
+            </a:lvl8pPr>
+            <a:lvl9pPr marL="3886200" indent="-228600" algn="l" defTabSz="914400" rtl="0" eaLnBrk="1" latinLnBrk="0" hangingPunct="1">
+              <a:lnSpc>
+                <a:spcPct val="90000"/>
+              </a:lnSpc>
+              <a:spcBef>
+                <a:spcPts val="500"/>
+              </a:spcBef>
+              <a:buFont typeface="Arial" panose="020B0604020202020204" pitchFamily="34" charset="0"/>
+              <a:buChar char="•"/>
+              <a:defRPr sz="1800" kern="1200">
+                <a:solidFill>
+                  <a:schemeClr val="tx1"/>
+                </a:solidFill>
+                <a:latin typeface="+mn-lt"/>
+                <a:ea typeface="+mn-ea"/>
+                <a:cs typeface="+mn-cs"/>
+              </a:defRPr>
+            </a:lvl9pPr>
+          </a:lstStyle>
           <a:p>
             <a:pPr>
+              <a:buFont typeface="Arial" panose="020B0604020202020204" pitchFamily="34" charset="0"/>
               <a:buNone/>
             </a:pPr>
             <a:r>
-              <a:rPr lang="en-US" dirty="0">
+              <a:rPr lang="en-US" sz="2400" dirty="0">
                 <a:ea typeface="+mn-lt"/>
                 <a:cs typeface="+mn-lt"/>
               </a:rPr>
               <a:t>Research Experience</a:t>
             </a:r>
-            <a:endParaRPr lang="en-US" dirty="0"/>
-          </a:p>
-          <a:p>
-            <a:pPr>
-              <a:buNone/>
-            </a:pPr>
-            <a:r>
-              <a:rPr lang="en-US" dirty="0">
+            <a:endParaRPr lang="en-US" sz="2400" dirty="0"/>
+          </a:p>
+          <a:p>
+            <a:r>
+              <a:rPr lang="en-US" sz="2000" dirty="0">
                 <a:ea typeface="+mn-lt"/>
                 <a:cs typeface="+mn-lt"/>
               </a:rPr>
-              <a:t>• Master’s thesis</a:t>
-            </a:r>
-            <a:endParaRPr lang="en-US" dirty="0"/>
-          </a:p>
-          <a:p>
-            <a:pPr>
-              <a:buNone/>
-            </a:pPr>
-            <a:r>
-              <a:rPr lang="en-US" dirty="0">
+              <a:t>Master’s thesis</a:t>
+            </a:r>
+            <a:endParaRPr lang="en-US" sz="2000" dirty="0"/>
+          </a:p>
+          <a:p>
+            <a:r>
+              <a:rPr lang="en-US" sz="2000" dirty="0">
                 <a:ea typeface="+mn-lt"/>
                 <a:cs typeface="+mn-lt"/>
               </a:rPr>
-              <a:t>• Publications or conference presentations</a:t>
-            </a:r>
-            <a:endParaRPr lang="en-US" dirty="0"/>
-          </a:p>
-          <a:p>
-            <a:pPr marL="0" indent="0">
-              <a:buNone/>
-            </a:pPr>
-            <a:r>
-              <a:rPr lang="en-US" dirty="0">
+              <a:t>Publications or conference presentations</a:t>
+            </a:r>
+            <a:endParaRPr lang="en-US" sz="2000" dirty="0"/>
+          </a:p>
+          <a:p>
+            <a:r>
+              <a:rPr lang="en-US" sz="2000" dirty="0">
                 <a:ea typeface="+mn-lt"/>
                 <a:cs typeface="+mn-lt"/>
               </a:rPr>
-              <a:t>• Relevant internships or projects</a:t>
-            </a:r>
-            <a:endParaRPr lang="en-US"/>
+              <a:t>Relevant internships or projects</a:t>
+            </a:r>
+            <a:endParaRPr lang="en-US" sz="2000" dirty="0"/>
           </a:p>
         </p:txBody>
       </p:sp>
@@ -23968,7 +26052,7 @@
           <a:p>
             <a:r>
               <a:rPr lang="en-US" dirty="0"/>
-              <a:t>20XX</a:t>
+              <a:t>July 2024</a:t>
             </a:r>
           </a:p>
         </p:txBody>
@@ -23994,9 +26078,14 @@
           <a:bodyPr/>
           <a:lstStyle/>
           <a:p>
+            <a:pPr>
+              <a:spcAft>
+                <a:spcPts val="600"/>
+              </a:spcAft>
+            </a:pPr>
             <a:r>
               <a:rPr lang="en-US" dirty="0"/>
-              <a:t>Pitch Deck</a:t>
+              <a:t>Pursuing a CS PhD in Europe and Germany</a:t>
             </a:r>
           </a:p>
         </p:txBody>
@@ -24046,10 +26135,15 @@
             <p:ph sz="quarter" idx="16"/>
           </p:nvPr>
         </p:nvSpPr>
-        <p:spPr/>
+        <p:spPr>
+          <a:xfrm>
+            <a:off x="838199" y="2136775"/>
+            <a:ext cx="5129464" cy="3697288"/>
+          </a:xfrm>
+        </p:spPr>
         <p:txBody>
           <a:bodyPr vert="horz" lIns="91440" tIns="45720" rIns="91440" bIns="45720" rtlCol="0" anchor="t">
-            <a:normAutofit fontScale="77500" lnSpcReduction="20000"/>
+            <a:normAutofit/>
           </a:bodyPr>
           <a:lstStyle/>
           <a:p>
@@ -24057,55 +26151,264 @@
               <a:buNone/>
             </a:pPr>
             <a:r>
-              <a:rPr lang="en-US">
+              <a:rPr lang="en-US" sz="2400" dirty="0">
                 <a:ea typeface="+mn-lt"/>
                 <a:cs typeface="+mn-lt"/>
               </a:rPr>
-              <a:t>• Assess your interests and strengths</a:t>
-            </a:r>
-          </a:p>
-          <a:p>
-            <a:pPr>
-              <a:buNone/>
-            </a:pPr>
-            <a:r>
-              <a:rPr lang="en-US">
+              <a:t>Considerations</a:t>
+            </a:r>
+          </a:p>
+          <a:p>
+            <a:r>
+              <a:rPr lang="en-US" sz="2200" dirty="0">
                 <a:ea typeface="+mn-lt"/>
                 <a:cs typeface="+mn-lt"/>
               </a:rPr>
-              <a:t>• Explore current trends in CS research</a:t>
-            </a:r>
-          </a:p>
-          <a:p>
-            <a:pPr>
-              <a:buNone/>
-            </a:pPr>
-            <a:r>
-              <a:rPr lang="en-US">
+              <a:t>Assess your interests and strengths</a:t>
+            </a:r>
+          </a:p>
+          <a:p>
+            <a:r>
+              <a:rPr lang="en-US" sz="2200" dirty="0">
                 <a:ea typeface="+mn-lt"/>
                 <a:cs typeface="+mn-lt"/>
               </a:rPr>
-              <a:t>• Consider interdisciplinary opportunities</a:t>
-            </a:r>
-          </a:p>
-          <a:p>
-            <a:pPr>
-              <a:buNone/>
-            </a:pPr>
-            <a:r>
-              <a:rPr lang="en-US">
+              <a:t>Explore current trends in CS research</a:t>
+            </a:r>
+          </a:p>
+          <a:p>
+            <a:r>
+              <a:rPr lang="en-US" sz="2200" dirty="0">
                 <a:ea typeface="+mn-lt"/>
                 <a:cs typeface="+mn-lt"/>
               </a:rPr>
-              <a:t>• Align with potential career goals</a:t>
-            </a:r>
-          </a:p>
+              <a:t>Consider interdisciplinary opportunities</a:t>
+            </a:r>
+          </a:p>
+          <a:p>
+            <a:r>
+              <a:rPr lang="en-US" sz="2200" dirty="0">
+                <a:ea typeface="+mn-lt"/>
+                <a:cs typeface="+mn-lt"/>
+              </a:rPr>
+              <a:t>Align with potential career goals</a:t>
+            </a:r>
+          </a:p>
+        </p:txBody>
+      </p:sp>
+      <p:sp>
+        <p:nvSpPr>
+          <p:cNvPr id="7" name="Content Placeholder 5">
+            <a:extLst>
+              <a:ext uri="{FF2B5EF4-FFF2-40B4-BE49-F238E27FC236}">
+                <a16:creationId xmlns:a16="http://schemas.microsoft.com/office/drawing/2014/main" id="{BE7C077E-D166-1F73-D6D8-4B05506EF6D1}"/>
+              </a:ext>
+            </a:extLst>
+          </p:cNvPr>
+          <p:cNvSpPr txBox="1">
+            <a:spLocks/>
+          </p:cNvSpPr>
+          <p:nvPr/>
+        </p:nvSpPr>
+        <p:spPr>
+          <a:xfrm>
+            <a:off x="6493042" y="2136775"/>
+            <a:ext cx="5362074" cy="3697288"/>
+          </a:xfrm>
+          <a:prstGeom prst="rect">
+            <a:avLst/>
+          </a:prstGeom>
+        </p:spPr>
+        <p:txBody>
+          <a:bodyPr vert="horz" lIns="91440" tIns="45720" rIns="91440" bIns="45720" rtlCol="0" anchor="t">
+            <a:normAutofit/>
+          </a:bodyPr>
+          <a:lstStyle>
+            <a:lvl1pPr marL="228600" indent="-228600" algn="l" defTabSz="914400" rtl="0" eaLnBrk="1" latinLnBrk="0" hangingPunct="1">
+              <a:lnSpc>
+                <a:spcPct val="90000"/>
+              </a:lnSpc>
+              <a:spcBef>
+                <a:spcPts val="1000"/>
+              </a:spcBef>
+              <a:buFont typeface="Arial" panose="020B0604020202020204" pitchFamily="34" charset="0"/>
+              <a:buChar char="•"/>
+              <a:defRPr sz="2800" kern="1200">
+                <a:solidFill>
+                  <a:schemeClr val="tx1">
+                    <a:lumMod val="75000"/>
+                    <a:lumOff val="25000"/>
+                  </a:schemeClr>
+                </a:solidFill>
+                <a:latin typeface="+mn-lt"/>
+                <a:ea typeface="+mn-ea"/>
+                <a:cs typeface="+mn-cs"/>
+              </a:defRPr>
+            </a:lvl1pPr>
+            <a:lvl2pPr marL="685800" indent="-228600" algn="l" defTabSz="914400" rtl="0" eaLnBrk="1" latinLnBrk="0" hangingPunct="1">
+              <a:lnSpc>
+                <a:spcPct val="90000"/>
+              </a:lnSpc>
+              <a:spcBef>
+                <a:spcPts val="500"/>
+              </a:spcBef>
+              <a:buFont typeface="Arial" panose="020B0604020202020204" pitchFamily="34" charset="0"/>
+              <a:buChar char="•"/>
+              <a:defRPr sz="2400" kern="1200">
+                <a:solidFill>
+                  <a:schemeClr val="tx1">
+                    <a:lumMod val="75000"/>
+                    <a:lumOff val="25000"/>
+                  </a:schemeClr>
+                </a:solidFill>
+                <a:latin typeface="+mn-lt"/>
+                <a:ea typeface="+mn-ea"/>
+                <a:cs typeface="+mn-cs"/>
+              </a:defRPr>
+            </a:lvl2pPr>
+            <a:lvl3pPr marL="1143000" indent="-228600" algn="l" defTabSz="914400" rtl="0" eaLnBrk="1" latinLnBrk="0" hangingPunct="1">
+              <a:lnSpc>
+                <a:spcPct val="90000"/>
+              </a:lnSpc>
+              <a:spcBef>
+                <a:spcPts val="500"/>
+              </a:spcBef>
+              <a:buFont typeface="Arial" panose="020B0604020202020204" pitchFamily="34" charset="0"/>
+              <a:buChar char="•"/>
+              <a:defRPr sz="2000" kern="1200">
+                <a:solidFill>
+                  <a:schemeClr val="tx1">
+                    <a:lumMod val="75000"/>
+                    <a:lumOff val="25000"/>
+                  </a:schemeClr>
+                </a:solidFill>
+                <a:latin typeface="+mn-lt"/>
+                <a:ea typeface="+mn-ea"/>
+                <a:cs typeface="+mn-cs"/>
+              </a:defRPr>
+            </a:lvl3pPr>
+            <a:lvl4pPr marL="1600200" indent="-228600" algn="l" defTabSz="914400" rtl="0" eaLnBrk="1" latinLnBrk="0" hangingPunct="1">
+              <a:lnSpc>
+                <a:spcPct val="90000"/>
+              </a:lnSpc>
+              <a:spcBef>
+                <a:spcPts val="500"/>
+              </a:spcBef>
+              <a:buFont typeface="Arial" panose="020B0604020202020204" pitchFamily="34" charset="0"/>
+              <a:buChar char="•"/>
+              <a:defRPr sz="1800" kern="1200">
+                <a:solidFill>
+                  <a:schemeClr val="tx1">
+                    <a:lumMod val="75000"/>
+                    <a:lumOff val="25000"/>
+                  </a:schemeClr>
+                </a:solidFill>
+                <a:latin typeface="+mn-lt"/>
+                <a:ea typeface="+mn-ea"/>
+                <a:cs typeface="+mn-cs"/>
+              </a:defRPr>
+            </a:lvl4pPr>
+            <a:lvl5pPr marL="2057400" indent="-228600" algn="l" defTabSz="914400" rtl="0" eaLnBrk="1" latinLnBrk="0" hangingPunct="1">
+              <a:lnSpc>
+                <a:spcPct val="90000"/>
+              </a:lnSpc>
+              <a:spcBef>
+                <a:spcPts val="500"/>
+              </a:spcBef>
+              <a:buFont typeface="Arial" panose="020B0604020202020204" pitchFamily="34" charset="0"/>
+              <a:buChar char="•"/>
+              <a:defRPr sz="1800" kern="1200">
+                <a:solidFill>
+                  <a:schemeClr val="tx1">
+                    <a:lumMod val="75000"/>
+                    <a:lumOff val="25000"/>
+                  </a:schemeClr>
+                </a:solidFill>
+                <a:latin typeface="+mn-lt"/>
+                <a:ea typeface="+mn-ea"/>
+                <a:cs typeface="+mn-cs"/>
+              </a:defRPr>
+            </a:lvl5pPr>
+            <a:lvl6pPr marL="2514600" indent="-228600" algn="l" defTabSz="914400" rtl="0" eaLnBrk="1" latinLnBrk="0" hangingPunct="1">
+              <a:lnSpc>
+                <a:spcPct val="90000"/>
+              </a:lnSpc>
+              <a:spcBef>
+                <a:spcPts val="500"/>
+              </a:spcBef>
+              <a:buFont typeface="Arial" panose="020B0604020202020204" pitchFamily="34" charset="0"/>
+              <a:buChar char="•"/>
+              <a:defRPr sz="1800" kern="1200">
+                <a:solidFill>
+                  <a:schemeClr val="tx1"/>
+                </a:solidFill>
+                <a:latin typeface="+mn-lt"/>
+                <a:ea typeface="+mn-ea"/>
+                <a:cs typeface="+mn-cs"/>
+              </a:defRPr>
+            </a:lvl6pPr>
+            <a:lvl7pPr marL="2971800" indent="-228600" algn="l" defTabSz="914400" rtl="0" eaLnBrk="1" latinLnBrk="0" hangingPunct="1">
+              <a:lnSpc>
+                <a:spcPct val="90000"/>
+              </a:lnSpc>
+              <a:spcBef>
+                <a:spcPts val="500"/>
+              </a:spcBef>
+              <a:buFont typeface="Arial" panose="020B0604020202020204" pitchFamily="34" charset="0"/>
+              <a:buChar char="•"/>
+              <a:defRPr sz="1800" kern="1200">
+                <a:solidFill>
+                  <a:schemeClr val="tx1"/>
+                </a:solidFill>
+                <a:latin typeface="+mn-lt"/>
+                <a:ea typeface="+mn-ea"/>
+                <a:cs typeface="+mn-cs"/>
+              </a:defRPr>
+            </a:lvl7pPr>
+            <a:lvl8pPr marL="3429000" indent="-228600" algn="l" defTabSz="914400" rtl="0" eaLnBrk="1" latinLnBrk="0" hangingPunct="1">
+              <a:lnSpc>
+                <a:spcPct val="90000"/>
+              </a:lnSpc>
+              <a:spcBef>
+                <a:spcPts val="500"/>
+              </a:spcBef>
+              <a:buFont typeface="Arial" panose="020B0604020202020204" pitchFamily="34" charset="0"/>
+              <a:buChar char="•"/>
+              <a:defRPr sz="1800" kern="1200">
+                <a:solidFill>
+                  <a:schemeClr val="tx1"/>
+                </a:solidFill>
+                <a:latin typeface="+mn-lt"/>
+                <a:ea typeface="+mn-ea"/>
+                <a:cs typeface="+mn-cs"/>
+              </a:defRPr>
+            </a:lvl8pPr>
+            <a:lvl9pPr marL="3886200" indent="-228600" algn="l" defTabSz="914400" rtl="0" eaLnBrk="1" latinLnBrk="0" hangingPunct="1">
+              <a:lnSpc>
+                <a:spcPct val="90000"/>
+              </a:lnSpc>
+              <a:spcBef>
+                <a:spcPts val="500"/>
+              </a:spcBef>
+              <a:buFont typeface="Arial" panose="020B0604020202020204" pitchFamily="34" charset="0"/>
+              <a:buChar char="•"/>
+              <a:defRPr sz="1800" kern="1200">
+                <a:solidFill>
+                  <a:schemeClr val="tx1"/>
+                </a:solidFill>
+                <a:latin typeface="+mn-lt"/>
+                <a:ea typeface="+mn-ea"/>
+                <a:cs typeface="+mn-cs"/>
+              </a:defRPr>
+            </a:lvl9pPr>
+          </a:lstStyle>
           <a:p>
             <a:pPr>
+              <a:buFont typeface="Arial" panose="020B0604020202020204" pitchFamily="34" charset="0"/>
               <a:buNone/>
             </a:pPr>
             <a:r>
-              <a:rPr lang="en-US" dirty="0">
+              <a:rPr lang="en-US" sz="2400" dirty="0">
                 <a:ea typeface="+mn-lt"/>
                 <a:cs typeface="+mn-lt"/>
               </a:rPr>
@@ -24113,63 +26416,39 @@
             </a:r>
           </a:p>
           <a:p>
-            <a:pPr>
-              <a:buNone/>
-            </a:pPr>
-            <a:r>
-              <a:rPr lang="en-US" dirty="0">
+            <a:r>
+              <a:rPr lang="en-US" sz="2000" dirty="0">
                 <a:ea typeface="+mn-lt"/>
                 <a:cs typeface="+mn-lt"/>
               </a:rPr>
-              <a:t>• Artificial Intelligence and Machine Learning</a:t>
-            </a:r>
-          </a:p>
-          <a:p>
-            <a:pPr>
-              <a:buNone/>
-            </a:pPr>
-            <a:r>
-              <a:rPr lang="en-US" dirty="0">
+              <a:t>Artificial Intelligence and Machine Learning</a:t>
+            </a:r>
+          </a:p>
+          <a:p>
+            <a:r>
+              <a:rPr lang="en-US" sz="2000" dirty="0">
                 <a:ea typeface="+mn-lt"/>
                 <a:cs typeface="+mn-lt"/>
               </a:rPr>
-              <a:t>• Cybersecurity and Cryptography</a:t>
-            </a:r>
-          </a:p>
-          <a:p>
-            <a:pPr>
-              <a:buNone/>
-            </a:pPr>
-            <a:r>
-              <a:rPr lang="en-US" dirty="0">
+              <a:t>Cybersecurity and Cryptography</a:t>
+            </a:r>
+          </a:p>
+          <a:p>
+            <a:r>
+              <a:rPr lang="en-US" sz="2000" dirty="0">
                 <a:ea typeface="+mn-lt"/>
                 <a:cs typeface="+mn-lt"/>
               </a:rPr>
-              <a:t>• Quantum Computing</a:t>
-            </a:r>
-          </a:p>
-          <a:p>
-            <a:pPr>
-              <a:buNone/>
-            </a:pPr>
-            <a:r>
-              <a:rPr lang="en-US" dirty="0">
+              <a:t>Human-Computer Interaction</a:t>
+            </a:r>
+          </a:p>
+          <a:p>
+            <a:r>
+              <a:rPr lang="en-US" sz="2000" dirty="0">
                 <a:ea typeface="+mn-lt"/>
                 <a:cs typeface="+mn-lt"/>
               </a:rPr>
-              <a:t>• Human-Computer Interaction</a:t>
-            </a:r>
-          </a:p>
-          <a:p>
-            <a:pPr marL="0" indent="0">
-              <a:buNone/>
-            </a:pPr>
-            <a:r>
-              <a:rPr lang="en-US" dirty="0">
-                <a:ea typeface="+mn-lt"/>
-                <a:cs typeface="+mn-lt"/>
-              </a:rPr>
-              <a:t>• Big Data and Data Science</a:t>
+              <a:t>Big Data and Data Science</a:t>
             </a:r>
           </a:p>
         </p:txBody>
@@ -24259,7 +26538,7 @@
           <a:p>
             <a:r>
               <a:rPr lang="en-US" dirty="0"/>
-              <a:t>20XX</a:t>
+              <a:t>July 2024</a:t>
             </a:r>
           </a:p>
         </p:txBody>
@@ -24285,9 +26564,14 @@
           <a:bodyPr/>
           <a:lstStyle/>
           <a:p>
+            <a:pPr>
+              <a:spcAft>
+                <a:spcPts val="600"/>
+              </a:spcAft>
+            </a:pPr>
             <a:r>
               <a:rPr lang="en-US" dirty="0"/>
-              <a:t>Pitch Deck</a:t>
+              <a:t>Pursuing a CS PhD in Europe and Germany</a:t>
             </a:r>
           </a:p>
         </p:txBody>
@@ -24337,10 +26621,15 @@
             <p:ph sz="quarter" idx="16"/>
           </p:nvPr>
         </p:nvSpPr>
-        <p:spPr/>
+        <p:spPr>
+          <a:xfrm>
+            <a:off x="838199" y="2136775"/>
+            <a:ext cx="5257801" cy="3697288"/>
+          </a:xfrm>
+        </p:spPr>
         <p:txBody>
           <a:bodyPr vert="horz" lIns="91440" tIns="45720" rIns="91440" bIns="45720" rtlCol="0" anchor="t">
-            <a:normAutofit fontScale="77500" lnSpcReduction="20000"/>
+            <a:normAutofit lnSpcReduction="10000"/>
           </a:bodyPr>
           <a:lstStyle/>
           <a:p>
@@ -24348,130 +26637,365 @@
               <a:buNone/>
             </a:pPr>
             <a:r>
-              <a:rPr lang="en-US" dirty="0">
+              <a:rPr lang="en-US" sz="2400" dirty="0">
                 <a:ea typeface="+mn-lt"/>
                 <a:cs typeface="+mn-lt"/>
               </a:rPr>
               <a:t>Top CS Universities and Research Institutions</a:t>
             </a:r>
-            <a:endParaRPr lang="en-US" dirty="0"/>
-          </a:p>
-          <a:p>
-            <a:pPr>
-              <a:buNone/>
-            </a:pPr>
-            <a:r>
-              <a:rPr lang="en-US" dirty="0">
+            <a:endParaRPr lang="en-US" sz="2400" dirty="0"/>
+          </a:p>
+          <a:p>
+            <a:r>
+              <a:rPr lang="en-US" sz="2000" dirty="0">
                 <a:ea typeface="+mn-lt"/>
                 <a:cs typeface="+mn-lt"/>
               </a:rPr>
-              <a:t>• Technical University of Munich (TUM)</a:t>
-            </a:r>
-            <a:endParaRPr lang="en-US" dirty="0"/>
-          </a:p>
-          <a:p>
-            <a:pPr>
-              <a:buNone/>
-            </a:pPr>
-            <a:r>
-              <a:rPr lang="en-US" dirty="0">
+              <a:t>Technical University of Munich (TUM)</a:t>
+            </a:r>
+            <a:endParaRPr lang="en-US" sz="2000" dirty="0"/>
+          </a:p>
+          <a:p>
+            <a:r>
+              <a:rPr lang="en-US" sz="2000" dirty="0">
                 <a:ea typeface="+mn-lt"/>
                 <a:cs typeface="+mn-lt"/>
               </a:rPr>
-              <a:t>• RWTH Aachen University</a:t>
-            </a:r>
-            <a:endParaRPr lang="en-US" dirty="0"/>
-          </a:p>
-          <a:p>
-            <a:pPr>
-              <a:buNone/>
-            </a:pPr>
-            <a:r>
-              <a:rPr lang="en-US" dirty="0">
+              <a:t>RWTH Aachen University</a:t>
+            </a:r>
+            <a:endParaRPr lang="en-US" sz="2000" dirty="0"/>
+          </a:p>
+          <a:p>
+            <a:r>
+              <a:rPr lang="en-US" sz="2000" dirty="0">
                 <a:ea typeface="+mn-lt"/>
                 <a:cs typeface="+mn-lt"/>
               </a:rPr>
-              <a:t>• Max Planck Institute for Informatics</a:t>
-            </a:r>
-            <a:endParaRPr lang="en-US" dirty="0"/>
-          </a:p>
-          <a:p>
-            <a:pPr>
-              <a:buNone/>
-            </a:pPr>
-            <a:r>
-              <a:rPr lang="en-US" dirty="0">
+              <a:t>Max Planck Institute for Informatics</a:t>
+            </a:r>
+            <a:endParaRPr lang="en-US" sz="2000" dirty="0"/>
+          </a:p>
+          <a:p>
+            <a:r>
+              <a:rPr lang="en-US" sz="2000" dirty="0">
                 <a:ea typeface="+mn-lt"/>
                 <a:cs typeface="+mn-lt"/>
               </a:rPr>
-              <a:t>• German Research Center for Artificial Intelligence (DFKI)</a:t>
-            </a:r>
-            <a:endParaRPr lang="en-US" dirty="0"/>
+              <a:t>German Research Center for Artificial Intelligence (DFKI)</a:t>
+            </a:r>
+          </a:p>
+          <a:p>
+            <a:r>
+              <a:rPr lang="en-US" sz="2000" dirty="0">
+                <a:ea typeface="+mn-lt"/>
+                <a:cs typeface="+mn-lt"/>
+                <a:hlinkClick r:id="rId2"/>
+              </a:rPr>
+              <a:t>www.research-in-germany.org</a:t>
+            </a:r>
+            <a:endParaRPr lang="en-US" sz="2000" dirty="0">
+              <a:ea typeface="+mn-lt"/>
+              <a:cs typeface="+mn-lt"/>
+            </a:endParaRPr>
+          </a:p>
+          <a:p>
+            <a:r>
+              <a:rPr lang="en-US" sz="2000" dirty="0">
+                <a:ea typeface="+mn-lt"/>
+                <a:cs typeface="+mn-lt"/>
+                <a:hlinkClick r:id="rId3"/>
+              </a:rPr>
+              <a:t>www.gerit.org</a:t>
+            </a:r>
+            <a:endParaRPr lang="en-US" sz="2000" dirty="0">
+              <a:ea typeface="+mn-lt"/>
+              <a:cs typeface="+mn-lt"/>
+            </a:endParaRPr>
+          </a:p>
+          <a:p>
+            <a:r>
+              <a:rPr lang="en-US" sz="2000" dirty="0">
+                <a:ea typeface="+mn-lt"/>
+                <a:cs typeface="+mn-lt"/>
+                <a:hlinkClick r:id="rId4"/>
+              </a:rPr>
+              <a:t>www.hochschulkompass.de</a:t>
+            </a:r>
+            <a:endParaRPr lang="en-US" sz="2000" dirty="0">
+              <a:ea typeface="+mn-lt"/>
+              <a:cs typeface="+mn-lt"/>
+            </a:endParaRPr>
           </a:p>
           <a:p>
             <a:pPr>
               <a:buNone/>
             </a:pPr>
-            <a:r>
-              <a:rPr lang="en-US" dirty="0">
+            <a:endParaRPr lang="en-US" sz="2000" dirty="0">
+              <a:ea typeface="+mn-lt"/>
+              <a:cs typeface="+mn-lt"/>
+            </a:endParaRPr>
+          </a:p>
+        </p:txBody>
+      </p:sp>
+      <p:sp>
+        <p:nvSpPr>
+          <p:cNvPr id="7" name="Content Placeholder 5">
+            <a:extLst>
+              <a:ext uri="{FF2B5EF4-FFF2-40B4-BE49-F238E27FC236}">
+                <a16:creationId xmlns:a16="http://schemas.microsoft.com/office/drawing/2014/main" id="{F48B35B9-65FE-3524-2CC4-E30A4E23638F}"/>
+              </a:ext>
+            </a:extLst>
+          </p:cNvPr>
+          <p:cNvSpPr txBox="1">
+            <a:spLocks/>
+          </p:cNvSpPr>
+          <p:nvPr/>
+        </p:nvSpPr>
+        <p:spPr>
+          <a:xfrm>
+            <a:off x="6557209" y="2136775"/>
+            <a:ext cx="5257801" cy="3697288"/>
+          </a:xfrm>
+          <a:prstGeom prst="rect">
+            <a:avLst/>
+          </a:prstGeom>
+        </p:spPr>
+        <p:txBody>
+          <a:bodyPr vert="horz" lIns="91440" tIns="45720" rIns="91440" bIns="45720" rtlCol="0" anchor="t">
+            <a:normAutofit/>
+          </a:bodyPr>
+          <a:lstStyle>
+            <a:lvl1pPr marL="228600" indent="-228600" algn="l" defTabSz="914400" rtl="0" eaLnBrk="1" latinLnBrk="0" hangingPunct="1">
+              <a:lnSpc>
+                <a:spcPct val="90000"/>
+              </a:lnSpc>
+              <a:spcBef>
+                <a:spcPts val="1000"/>
+              </a:spcBef>
+              <a:buFont typeface="Arial" panose="020B0604020202020204" pitchFamily="34" charset="0"/>
+              <a:buChar char="•"/>
+              <a:defRPr sz="2800" kern="1200">
+                <a:solidFill>
+                  <a:schemeClr val="tx1">
+                    <a:lumMod val="75000"/>
+                    <a:lumOff val="25000"/>
+                  </a:schemeClr>
+                </a:solidFill>
+                <a:latin typeface="+mn-lt"/>
+                <a:ea typeface="+mn-ea"/>
+                <a:cs typeface="+mn-cs"/>
+              </a:defRPr>
+            </a:lvl1pPr>
+            <a:lvl2pPr marL="685800" indent="-228600" algn="l" defTabSz="914400" rtl="0" eaLnBrk="1" latinLnBrk="0" hangingPunct="1">
+              <a:lnSpc>
+                <a:spcPct val="90000"/>
+              </a:lnSpc>
+              <a:spcBef>
+                <a:spcPts val="500"/>
+              </a:spcBef>
+              <a:buFont typeface="Arial" panose="020B0604020202020204" pitchFamily="34" charset="0"/>
+              <a:buChar char="•"/>
+              <a:defRPr sz="2400" kern="1200">
+                <a:solidFill>
+                  <a:schemeClr val="tx1">
+                    <a:lumMod val="75000"/>
+                    <a:lumOff val="25000"/>
+                  </a:schemeClr>
+                </a:solidFill>
+                <a:latin typeface="+mn-lt"/>
+                <a:ea typeface="+mn-ea"/>
+                <a:cs typeface="+mn-cs"/>
+              </a:defRPr>
+            </a:lvl2pPr>
+            <a:lvl3pPr marL="1143000" indent="-228600" algn="l" defTabSz="914400" rtl="0" eaLnBrk="1" latinLnBrk="0" hangingPunct="1">
+              <a:lnSpc>
+                <a:spcPct val="90000"/>
+              </a:lnSpc>
+              <a:spcBef>
+                <a:spcPts val="500"/>
+              </a:spcBef>
+              <a:buFont typeface="Arial" panose="020B0604020202020204" pitchFamily="34" charset="0"/>
+              <a:buChar char="•"/>
+              <a:defRPr sz="2000" kern="1200">
+                <a:solidFill>
+                  <a:schemeClr val="tx1">
+                    <a:lumMod val="75000"/>
+                    <a:lumOff val="25000"/>
+                  </a:schemeClr>
+                </a:solidFill>
+                <a:latin typeface="+mn-lt"/>
+                <a:ea typeface="+mn-ea"/>
+                <a:cs typeface="+mn-cs"/>
+              </a:defRPr>
+            </a:lvl3pPr>
+            <a:lvl4pPr marL="1600200" indent="-228600" algn="l" defTabSz="914400" rtl="0" eaLnBrk="1" latinLnBrk="0" hangingPunct="1">
+              <a:lnSpc>
+                <a:spcPct val="90000"/>
+              </a:lnSpc>
+              <a:spcBef>
+                <a:spcPts val="500"/>
+              </a:spcBef>
+              <a:buFont typeface="Arial" panose="020B0604020202020204" pitchFamily="34" charset="0"/>
+              <a:buChar char="•"/>
+              <a:defRPr sz="1800" kern="1200">
+                <a:solidFill>
+                  <a:schemeClr val="tx1">
+                    <a:lumMod val="75000"/>
+                    <a:lumOff val="25000"/>
+                  </a:schemeClr>
+                </a:solidFill>
+                <a:latin typeface="+mn-lt"/>
+                <a:ea typeface="+mn-ea"/>
+                <a:cs typeface="+mn-cs"/>
+              </a:defRPr>
+            </a:lvl4pPr>
+            <a:lvl5pPr marL="2057400" indent="-228600" algn="l" defTabSz="914400" rtl="0" eaLnBrk="1" latinLnBrk="0" hangingPunct="1">
+              <a:lnSpc>
+                <a:spcPct val="90000"/>
+              </a:lnSpc>
+              <a:spcBef>
+                <a:spcPts val="500"/>
+              </a:spcBef>
+              <a:buFont typeface="Arial" panose="020B0604020202020204" pitchFamily="34" charset="0"/>
+              <a:buChar char="•"/>
+              <a:defRPr sz="1800" kern="1200">
+                <a:solidFill>
+                  <a:schemeClr val="tx1">
+                    <a:lumMod val="75000"/>
+                    <a:lumOff val="25000"/>
+                  </a:schemeClr>
+                </a:solidFill>
+                <a:latin typeface="+mn-lt"/>
+                <a:ea typeface="+mn-ea"/>
+                <a:cs typeface="+mn-cs"/>
+              </a:defRPr>
+            </a:lvl5pPr>
+            <a:lvl6pPr marL="2514600" indent="-228600" algn="l" defTabSz="914400" rtl="0" eaLnBrk="1" latinLnBrk="0" hangingPunct="1">
+              <a:lnSpc>
+                <a:spcPct val="90000"/>
+              </a:lnSpc>
+              <a:spcBef>
+                <a:spcPts val="500"/>
+              </a:spcBef>
+              <a:buFont typeface="Arial" panose="020B0604020202020204" pitchFamily="34" charset="0"/>
+              <a:buChar char="•"/>
+              <a:defRPr sz="1800" kern="1200">
+                <a:solidFill>
+                  <a:schemeClr val="tx1"/>
+                </a:solidFill>
+                <a:latin typeface="+mn-lt"/>
+                <a:ea typeface="+mn-ea"/>
+                <a:cs typeface="+mn-cs"/>
+              </a:defRPr>
+            </a:lvl6pPr>
+            <a:lvl7pPr marL="2971800" indent="-228600" algn="l" defTabSz="914400" rtl="0" eaLnBrk="1" latinLnBrk="0" hangingPunct="1">
+              <a:lnSpc>
+                <a:spcPct val="90000"/>
+              </a:lnSpc>
+              <a:spcBef>
+                <a:spcPts val="500"/>
+              </a:spcBef>
+              <a:buFont typeface="Arial" panose="020B0604020202020204" pitchFamily="34" charset="0"/>
+              <a:buChar char="•"/>
+              <a:defRPr sz="1800" kern="1200">
+                <a:solidFill>
+                  <a:schemeClr val="tx1"/>
+                </a:solidFill>
+                <a:latin typeface="+mn-lt"/>
+                <a:ea typeface="+mn-ea"/>
+                <a:cs typeface="+mn-cs"/>
+              </a:defRPr>
+            </a:lvl7pPr>
+            <a:lvl8pPr marL="3429000" indent="-228600" algn="l" defTabSz="914400" rtl="0" eaLnBrk="1" latinLnBrk="0" hangingPunct="1">
+              <a:lnSpc>
+                <a:spcPct val="90000"/>
+              </a:lnSpc>
+              <a:spcBef>
+                <a:spcPts val="500"/>
+              </a:spcBef>
+              <a:buFont typeface="Arial" panose="020B0604020202020204" pitchFamily="34" charset="0"/>
+              <a:buChar char="•"/>
+              <a:defRPr sz="1800" kern="1200">
+                <a:solidFill>
+                  <a:schemeClr val="tx1"/>
+                </a:solidFill>
+                <a:latin typeface="+mn-lt"/>
+                <a:ea typeface="+mn-ea"/>
+                <a:cs typeface="+mn-cs"/>
+              </a:defRPr>
+            </a:lvl8pPr>
+            <a:lvl9pPr marL="3886200" indent="-228600" algn="l" defTabSz="914400" rtl="0" eaLnBrk="1" latinLnBrk="0" hangingPunct="1">
+              <a:lnSpc>
+                <a:spcPct val="90000"/>
+              </a:lnSpc>
+              <a:spcBef>
+                <a:spcPts val="500"/>
+              </a:spcBef>
+              <a:buFont typeface="Arial" panose="020B0604020202020204" pitchFamily="34" charset="0"/>
+              <a:buChar char="•"/>
+              <a:defRPr sz="1800" kern="1200">
+                <a:solidFill>
+                  <a:schemeClr val="tx1"/>
+                </a:solidFill>
+                <a:latin typeface="+mn-lt"/>
+                <a:ea typeface="+mn-ea"/>
+                <a:cs typeface="+mn-cs"/>
+              </a:defRPr>
+            </a:lvl9pPr>
+          </a:lstStyle>
+          <a:p>
+            <a:pPr>
+              <a:buFont typeface="Arial" panose="020B0604020202020204" pitchFamily="34" charset="0"/>
+              <a:buNone/>
+            </a:pPr>
+            <a:r>
+              <a:rPr lang="en-US" sz="2400" dirty="0">
                 <a:ea typeface="+mn-lt"/>
                 <a:cs typeface="+mn-lt"/>
               </a:rPr>
               <a:t>Finding the Right Supervisor</a:t>
             </a:r>
-            <a:endParaRPr lang="en-US" dirty="0"/>
-          </a:p>
-          <a:p>
-            <a:pPr>
-              <a:buNone/>
-            </a:pPr>
-            <a:r>
-              <a:rPr lang="en-US" dirty="0">
+            <a:endParaRPr lang="en-US" sz="2400" dirty="0"/>
+          </a:p>
+          <a:p>
+            <a:r>
+              <a:rPr lang="en-US" sz="2000" dirty="0">
                 <a:ea typeface="+mn-lt"/>
                 <a:cs typeface="+mn-lt"/>
               </a:rPr>
-              <a:t>• Research faculty profiles and publications</a:t>
-            </a:r>
-            <a:endParaRPr lang="en-US" dirty="0"/>
-          </a:p>
-          <a:p>
-            <a:pPr>
-              <a:buNone/>
-            </a:pPr>
-            <a:r>
-              <a:rPr lang="en-US" dirty="0">
+              <a:t>Research faculty profiles and publications</a:t>
+            </a:r>
+            <a:endParaRPr lang="en-US" sz="2000" dirty="0"/>
+          </a:p>
+          <a:p>
+            <a:r>
+              <a:rPr lang="en-US" sz="2000" dirty="0">
                 <a:ea typeface="+mn-lt"/>
                 <a:cs typeface="+mn-lt"/>
               </a:rPr>
-              <a:t>• Attend CS conferences and workshops</a:t>
-            </a:r>
-            <a:endParaRPr lang="en-US" dirty="0"/>
-          </a:p>
-          <a:p>
-            <a:pPr>
-              <a:buNone/>
-            </a:pPr>
-            <a:r>
-              <a:rPr lang="en-US" dirty="0">
+              <a:t>Attend CS conferences and workshops</a:t>
+            </a:r>
+            <a:endParaRPr lang="en-US" sz="2000" dirty="0"/>
+          </a:p>
+          <a:p>
+            <a:r>
+              <a:rPr lang="en-US" sz="2000" dirty="0">
                 <a:ea typeface="+mn-lt"/>
                 <a:cs typeface="+mn-lt"/>
               </a:rPr>
-              <a:t>• Leverage online platforms (e.g., ResearchGate, GitHub)</a:t>
-            </a:r>
-            <a:endParaRPr lang="en-US" dirty="0"/>
-          </a:p>
-          <a:p>
-            <a:pPr marL="0" indent="0">
-              <a:buNone/>
-            </a:pPr>
-            <a:r>
-              <a:rPr lang="en-US" dirty="0">
+              <a:t>Leverage online platforms (e.g., ResearchGate, GitHub)</a:t>
+            </a:r>
+            <a:endParaRPr lang="en-US" sz="2000" dirty="0"/>
+          </a:p>
+          <a:p>
+            <a:r>
+              <a:rPr lang="en-US" sz="2000" dirty="0">
                 <a:ea typeface="+mn-lt"/>
                 <a:cs typeface="+mn-lt"/>
               </a:rPr>
-              <a:t>• Consider reaching out for informal discussions</a:t>
-            </a:r>
-            <a:endParaRPr lang="en-US" dirty="0"/>
+              <a:t>Consider reaching out for informal discussions</a:t>
+            </a:r>
+            <a:endParaRPr lang="en-US" sz="2000" dirty="0"/>
           </a:p>
         </p:txBody>
       </p:sp>
@@ -25280,6 +27804,15 @@
 </file>
 
 <file path=customXml/item1.xml><?xml version="1.0" encoding="utf-8"?>
+<?mso-contentType ?>
+<FormTemplates xmlns="http://schemas.microsoft.com/sharepoint/v3/contenttype/forms">
+  <Display>DocumentLibraryForm</Display>
+  <Edit>DocumentLibraryForm</Edit>
+  <New>DocumentLibraryForm</New>
+</FormTemplates>
+</file>
+
+<file path=customXml/item2.xml><?xml version="1.0" encoding="utf-8"?>
 <p:properties xmlns:p="http://schemas.microsoft.com/office/2006/metadata/properties" xmlns:xsi="http://www.w3.org/2001/XMLSchema-instance" xmlns:pc="http://schemas.microsoft.com/office/infopath/2007/PartnerControls">
   <documentManagement>
     <_ip_UnifiedCompliancePolicyUIAction xmlns="http://schemas.microsoft.com/sharepoint/v3" xsi:nil="true"/>
@@ -25299,7 +27832,7 @@
 </p:properties>
 </file>
 
-<file path=customXml/item2.xml><?xml version="1.0" encoding="utf-8"?>
+<file path=customXml/item3.xml><?xml version="1.0" encoding="utf-8"?>
 <ct:contentTypeSchema xmlns:ct="http://schemas.microsoft.com/office/2006/metadata/contentType" xmlns:ma="http://schemas.microsoft.com/office/2006/metadata/properties/metaAttributes" ct:_="" ma:_="" ma:contentTypeName="Document" ma:contentTypeID="0x01010079F111ED35F8CC479449609E8A0923A6" ma:contentTypeVersion="27" ma:contentTypeDescription="Create a new document." ma:contentTypeScope="" ma:versionID="c6f9a84f66a9c8b9a21755b9ffafb945">
   <xsd:schema xmlns:xsd="http://www.w3.org/2001/XMLSchema" xmlns:xs="http://www.w3.org/2001/XMLSchema" xmlns:p="http://schemas.microsoft.com/office/2006/metadata/properties" xmlns:ns1="http://schemas.microsoft.com/sharepoint/v3" xmlns:ns2="71af3243-3dd4-4a8d-8c0d-dd76da1f02a5" xmlns:ns3="16c05727-aa75-4e4a-9b5f-8a80a1165891" xmlns:ns4="230e9df3-be65-4c73-a93b-d1236ebd677e" targetNamespace="http://schemas.microsoft.com/office/2006/metadata/properties" ma:root="true" ma:fieldsID="27df39e3e7036dff54f89ddd5805ce72" ns1:_="" ns2:_="" ns3:_="" ns4:_="">
     <xsd:import namespace="http://schemas.microsoft.com/sharepoint/v3"/>
@@ -25605,16 +28138,15 @@
 </ct:contentTypeSchema>
 </file>
 
-<file path=customXml/item3.xml><?xml version="1.0" encoding="utf-8"?>
-<?mso-contentType ?>
-<FormTemplates xmlns="http://schemas.microsoft.com/sharepoint/v3/contenttype/forms">
-  <Display>DocumentLibraryForm</Display>
-  <Edit>DocumentLibraryForm</Edit>
-  <New>DocumentLibraryForm</New>
-</FormTemplates>
+<file path=customXml/itemProps1.xml><?xml version="1.0" encoding="utf-8"?>
+<ds:datastoreItem xmlns:ds="http://schemas.openxmlformats.org/officeDocument/2006/customXml" ds:itemID="{6C8B084D-D430-4822-B3CB-DEADB2E7A5FC}">
+  <ds:schemaRefs>
+    <ds:schemaRef ds:uri="http://schemas.microsoft.com/sharepoint/v3/contenttype/forms"/>
+  </ds:schemaRefs>
+</ds:datastoreItem>
 </file>
 
-<file path=customXml/itemProps1.xml><?xml version="1.0" encoding="utf-8"?>
+<file path=customXml/itemProps2.xml><?xml version="1.0" encoding="utf-8"?>
 <ds:datastoreItem xmlns:ds="http://schemas.openxmlformats.org/officeDocument/2006/customXml" ds:itemID="{211845F9-C5F4-4AA5-BA9E-EC2182E91488}">
   <ds:schemaRefs>
     <ds:schemaRef ds:uri="http://schemas.microsoft.com/office/2006/metadata/properties"/>
@@ -25626,7 +28158,7 @@
 </ds:datastoreItem>
 </file>
 
-<file path=customXml/itemProps2.xml><?xml version="1.0" encoding="utf-8"?>
+<file path=customXml/itemProps3.xml><?xml version="1.0" encoding="utf-8"?>
 <ds:datastoreItem xmlns:ds="http://schemas.openxmlformats.org/officeDocument/2006/customXml" ds:itemID="{15BFCE94-6EC9-4D8E-89B6-C22DE7AD70CB}">
   <ds:schemaRefs>
     <ds:schemaRef ds:uri="http://schemas.microsoft.com/office/2006/metadata/contentType"/>
@@ -25647,14 +28179,6 @@
 </ds:datastoreItem>
 </file>
 
-<file path=customXml/itemProps3.xml><?xml version="1.0" encoding="utf-8"?>
-<ds:datastoreItem xmlns:ds="http://schemas.openxmlformats.org/officeDocument/2006/customXml" ds:itemID="{6C8B084D-D430-4822-B3CB-DEADB2E7A5FC}">
-  <ds:schemaRefs>
-    <ds:schemaRef ds:uri="http://schemas.microsoft.com/sharepoint/v3/contenttype/forms"/>
-  </ds:schemaRefs>
-</ds:datastoreItem>
-</file>
-
 <file path=docMetadata/LabelInfo.xml><?xml version="1.0" encoding="utf-8"?>
 <clbl:labelList xmlns:clbl="http://schemas.microsoft.com/office/2020/mipLabelMetadata"/>
 </file>